--- a/docs/presentation.pptx
+++ b/docs/presentation.pptx
@@ -5,18 +5,19 @@
     <p:sldMasterId id="2147483648" r:id="rId4"/>
   </p:sldMasterIdLst>
   <p:notesMasterIdLst>
-    <p:notesMasterId r:id="rId14"/>
+    <p:notesMasterId r:id="rId15"/>
   </p:notesMasterIdLst>
   <p:sldIdLst>
     <p:sldId id="256" r:id="rId5"/>
     <p:sldId id="258" r:id="rId6"/>
     <p:sldId id="259" r:id="rId7"/>
     <p:sldId id="257" r:id="rId8"/>
-    <p:sldId id="265" r:id="rId9"/>
-    <p:sldId id="260" r:id="rId10"/>
-    <p:sldId id="262" r:id="rId11"/>
-    <p:sldId id="263" r:id="rId12"/>
-    <p:sldId id="264" r:id="rId13"/>
+    <p:sldId id="266" r:id="rId9"/>
+    <p:sldId id="265" r:id="rId10"/>
+    <p:sldId id="260" r:id="rId11"/>
+    <p:sldId id="262" r:id="rId12"/>
+    <p:sldId id="263" r:id="rId13"/>
+    <p:sldId id="264" r:id="rId14"/>
   </p:sldIdLst>
   <p:sldSz cx="12192000" cy="6858000"/>
   <p:notesSz cx="6858000" cy="9144000"/>
@@ -128,6 +129,8 @@
   <p1510:revLst>
     <p1510:client id="{04AAB961-62EB-792C-1C09-43486CB6965E}" v="46" dt="2024-12-16T09:22:17.022"/>
     <p1510:client id="{47F8A6EF-3087-45B5-B057-F5114D651B6C}" v="370" dt="2024-12-15T21:18:15.151"/>
+    <p1510:client id="{A4B97DC2-6E76-2813-F639-069E9F01213F}" v="267" dt="2024-12-16T11:47:58.361"/>
+    <p1510:client id="{F184083C-1B50-4FC3-84B6-2BF735BF4C5D}" v="5" dt="2024-12-16T11:48:42.951"/>
     <p1510:client id="{F3D82920-4BE4-5352-86B0-78D3540B7B78}" v="3" dt="2024-12-15T20:50:18.832"/>
   </p1510:revLst>
 </p1510:revInfo>
@@ -166,65 +169,18 @@
     </pc:docChg>
   </pc:docChgLst>
   <pc:docChgLst>
-    <pc:chgData name="Jonas Lannoo" userId="S::jonas.lannoo@kuleuven.be::b494a848-0cbe-426d-82db-f0c06b0d25da" providerId="AD" clId="Web-{8296E4C6-247E-435E-AC4C-4C828D007AF7}"/>
-    <pc:docChg chg="sldOrd">
-      <pc:chgData name="Jonas Lannoo" userId="S::jonas.lannoo@kuleuven.be::b494a848-0cbe-426d-82db-f0c06b0d25da" providerId="AD" clId="Web-{8296E4C6-247E-435E-AC4C-4C828D007AF7}" dt="2023-11-22T22:53:31.024" v="1"/>
-      <pc:docMkLst>
-        <pc:docMk/>
-      </pc:docMkLst>
-      <pc:sldChg chg="ord">
-        <pc:chgData name="Jonas Lannoo" userId="S::jonas.lannoo@kuleuven.be::b494a848-0cbe-426d-82db-f0c06b0d25da" providerId="AD" clId="Web-{8296E4C6-247E-435E-AC4C-4C828D007AF7}" dt="2023-11-22T22:53:31.024" v="1"/>
-        <pc:sldMkLst>
-          <pc:docMk/>
-          <pc:sldMk cId="823333162" sldId="263"/>
-        </pc:sldMkLst>
-      </pc:sldChg>
-    </pc:docChg>
-  </pc:docChgLst>
-  <pc:docChgLst>
-    <pc:chgData name="Nigel Belderbos" userId="S::r0992536@student.vives.be::cd809dc1-2585-45f9-aa93-4a2a537c4fcf" providerId="AD" clId="Web-{F3D82920-4BE4-5352-86B0-78D3540B7B78}"/>
-    <pc:docChg chg="delSld sldOrd">
-      <pc:chgData name="Nigel Belderbos" userId="S::r0992536@student.vives.be::cd809dc1-2585-45f9-aa93-4a2a537c4fcf" providerId="AD" clId="Web-{F3D82920-4BE4-5352-86B0-78D3540B7B78}" dt="2024-12-15T20:50:18.832" v="2"/>
-      <pc:docMkLst>
-        <pc:docMk/>
-      </pc:docMkLst>
-      <pc:sldChg chg="ord">
-        <pc:chgData name="Nigel Belderbos" userId="S::r0992536@student.vives.be::cd809dc1-2585-45f9-aa93-4a2a537c4fcf" providerId="AD" clId="Web-{F3D82920-4BE4-5352-86B0-78D3540B7B78}" dt="2024-12-15T20:48:56.453" v="1"/>
-        <pc:sldMkLst>
-          <pc:docMk/>
-          <pc:sldMk cId="1944854468" sldId="260"/>
-        </pc:sldMkLst>
-      </pc:sldChg>
-      <pc:sldChg chg="del">
-        <pc:chgData name="Nigel Belderbos" userId="S::r0992536@student.vives.be::cd809dc1-2585-45f9-aa93-4a2a537c4fcf" providerId="AD" clId="Web-{F3D82920-4BE4-5352-86B0-78D3540B7B78}" dt="2024-12-15T20:50:18.832" v="2"/>
-        <pc:sldMkLst>
-          <pc:docMk/>
-          <pc:sldMk cId="2718005643" sldId="261"/>
-        </pc:sldMkLst>
-      </pc:sldChg>
-    </pc:docChg>
-  </pc:docChgLst>
-  <pc:docChgLst>
-    <pc:chgData name="Nigel Belderbos" userId="S::r0992536@student.vives.be::cd809dc1-2585-45f9-aa93-4a2a537c4fcf" providerId="AD" clId="Web-{04AAB961-62EB-792C-1C09-43486CB6965E}"/>
+    <pc:chgData name="Lara Luys" userId="S::lara.luys@kuleuven.be::43fc1cb8-097a-46ef-9f63-bb4c9c2b6365" providerId="AD" clId="Web-{7A0F38B9-9E21-2895-7B4C-EC28C5BAC76D}"/>
     <pc:docChg chg="modSld">
-      <pc:chgData name="Nigel Belderbos" userId="S::r0992536@student.vives.be::cd809dc1-2585-45f9-aa93-4a2a537c4fcf" providerId="AD" clId="Web-{04AAB961-62EB-792C-1C09-43486CB6965E}" dt="2024-12-16T09:22:16.334" v="43" actId="20577"/>
+      <pc:chgData name="Lara Luys" userId="S::lara.luys@kuleuven.be::43fc1cb8-097a-46ef-9f63-bb4c9c2b6365" providerId="AD" clId="Web-{7A0F38B9-9E21-2895-7B4C-EC28C5BAC76D}" dt="2024-05-07T08:21:48.431" v="12" actId="20577"/>
       <pc:docMkLst>
         <pc:docMk/>
       </pc:docMkLst>
       <pc:sldChg chg="modSp">
-        <pc:chgData name="Nigel Belderbos" userId="S::r0992536@student.vives.be::cd809dc1-2585-45f9-aa93-4a2a537c4fcf" providerId="AD" clId="Web-{04AAB961-62EB-792C-1C09-43486CB6965E}" dt="2024-12-16T09:22:16.334" v="43" actId="20577"/>
-        <pc:sldMkLst>
-          <pc:docMk/>
-          <pc:sldMk cId="3409515868" sldId="258"/>
-        </pc:sldMkLst>
-        <pc:spChg chg="mod">
-          <ac:chgData name="Nigel Belderbos" userId="S::r0992536@student.vives.be::cd809dc1-2585-45f9-aa93-4a2a537c4fcf" providerId="AD" clId="Web-{04AAB961-62EB-792C-1C09-43486CB6965E}" dt="2024-12-16T09:22:16.334" v="43" actId="20577"/>
-          <ac:spMkLst>
-            <pc:docMk/>
-            <pc:sldMk cId="3409515868" sldId="258"/>
-            <ac:spMk id="3" creationId="{0776A7CF-C602-A761-918D-E93EACF2F047}"/>
-          </ac:spMkLst>
-        </pc:spChg>
+        <pc:chgData name="Lara Luys" userId="S::lara.luys@kuleuven.be::43fc1cb8-097a-46ef-9f63-bb4c9c2b6365" providerId="AD" clId="Web-{7A0F38B9-9E21-2895-7B4C-EC28C5BAC76D}" dt="2024-05-07T08:21:48.431" v="12" actId="20577"/>
+        <pc:sldMkLst>
+          <pc:docMk/>
+          <pc:sldMk cId="701984223" sldId="257"/>
+        </pc:sldMkLst>
       </pc:sldChg>
     </pc:docChg>
   </pc:docChgLst>
@@ -285,14 +241,6 @@
             <pc:docMk/>
             <pc:sldMk cId="1944854468" sldId="260"/>
             <ac:spMk id="2" creationId="{F2861A54-2104-2F76-A899-ADDD9EFC258F}"/>
-          </ac:spMkLst>
-        </pc:spChg>
-        <pc:spChg chg="del">
-          <ac:chgData name="Simon Stijnen" userId="f343b1ee-1f13-4d48-aaa0-a80ae7039109" providerId="ADAL" clId="{47F8A6EF-3087-45B5-B057-F5114D651B6C}" dt="2024-12-14T23:42:47.079" v="246"/>
-          <ac:spMkLst>
-            <pc:docMk/>
-            <pc:sldMk cId="1944854468" sldId="260"/>
-            <ac:spMk id="3" creationId="{36E02DE8-FB7E-475B-6328-2181D1DF01B8}"/>
           </ac:spMkLst>
         </pc:spChg>
         <pc:spChg chg="mod">
@@ -318,14 +266,6 @@
           <pc:docMk/>
           <pc:sldMk cId="2718005643" sldId="261"/>
         </pc:sldMkLst>
-        <pc:spChg chg="mod">
-          <ac:chgData name="Simon Stijnen" userId="f343b1ee-1f13-4d48-aaa0-a80ae7039109" providerId="ADAL" clId="{47F8A6EF-3087-45B5-B057-F5114D651B6C}" dt="2024-12-14T23:48:04.644" v="349" actId="20577"/>
-          <ac:spMkLst>
-            <pc:docMk/>
-            <pc:sldMk cId="2718005643" sldId="261"/>
-            <ac:spMk id="2" creationId="{F60041FD-08E0-E266-9F1F-28568D9B753A}"/>
-          </ac:spMkLst>
-        </pc:spChg>
       </pc:sldChg>
       <pc:sldChg chg="modSp new mod">
         <pc:chgData name="Simon Stijnen" userId="f343b1ee-1f13-4d48-aaa0-a80ae7039109" providerId="ADAL" clId="{47F8A6EF-3087-45B5-B057-F5114D651B6C}" dt="2024-12-14T23:49:22.108" v="354" actId="20577"/>
@@ -494,1025 +434,73 @@
     </pc:docChg>
   </pc:docChgLst>
   <pc:docChgLst>
-    <pc:chgData name="Arno Schoutteten" userId="595e7415-dec7-4ebd-8465-6da7d6bfafec" providerId="ADAL" clId="{470849C3-6F4A-4E43-B2CA-CDD937ED7DA0}"/>
-    <pc:docChg chg="custSel modSld">
-      <pc:chgData name="Arno Schoutteten" userId="595e7415-dec7-4ebd-8465-6da7d6bfafec" providerId="ADAL" clId="{470849C3-6F4A-4E43-B2CA-CDD937ED7DA0}" dt="2023-11-22T16:47:54.619" v="324"/>
+    <pc:chgData name="Alexander D'hoore" userId="1e5b90a3-18e7-4451-ac53-847831bd2a02" providerId="ADAL" clId="{A0FC4194-28C3-418D-963B-253EE4EADB2F}"/>
+    <pc:docChg chg="undo redo custSel addSld modSld">
+      <pc:chgData name="Alexander D'hoore" userId="1e5b90a3-18e7-4451-ac53-847831bd2a02" providerId="ADAL" clId="{A0FC4194-28C3-418D-963B-253EE4EADB2F}" dt="2024-05-07T14:06:10.277" v="1083" actId="20577"/>
       <pc:docMkLst>
         <pc:docMk/>
       </pc:docMkLst>
       <pc:sldChg chg="modSp mod">
-        <pc:chgData name="Arno Schoutteten" userId="595e7415-dec7-4ebd-8465-6da7d6bfafec" providerId="ADAL" clId="{470849C3-6F4A-4E43-B2CA-CDD937ED7DA0}" dt="2023-11-22T16:47:54.619" v="324"/>
-        <pc:sldMkLst>
-          <pc:docMk/>
-          <pc:sldMk cId="1058497470" sldId="295"/>
-        </pc:sldMkLst>
-      </pc:sldChg>
-    </pc:docChg>
-  </pc:docChgLst>
-  <pc:docChgLst>
-    <pc:chgData name="Alexander D'hoore" userId="1e5b90a3-18e7-4451-ac53-847831bd2a02" providerId="ADAL" clId="{821A677A-779B-4C7C-901A-48EC05BFCA23}"/>
-    <pc:docChg chg="undo redo custSel addSld delSld modSld sldOrd">
-      <pc:chgData name="Alexander D'hoore" userId="1e5b90a3-18e7-4451-ac53-847831bd2a02" providerId="ADAL" clId="{821A677A-779B-4C7C-901A-48EC05BFCA23}" dt="2023-11-23T08:47:30.085" v="1552" actId="20577"/>
-      <pc:docMkLst>
-        <pc:docMk/>
-      </pc:docMkLst>
+        <pc:chgData name="Alexander D'hoore" userId="1e5b90a3-18e7-4451-ac53-847831bd2a02" providerId="ADAL" clId="{A0FC4194-28C3-418D-963B-253EE4EADB2F}" dt="2024-05-07T11:15:36.948" v="21" actId="20577"/>
+        <pc:sldMkLst>
+          <pc:docMk/>
+          <pc:sldMk cId="701984223" sldId="257"/>
+        </pc:sldMkLst>
+      </pc:sldChg>
       <pc:sldChg chg="modSp mod">
-        <pc:chgData name="Alexander D'hoore" userId="1e5b90a3-18e7-4451-ac53-847831bd2a02" providerId="ADAL" clId="{821A677A-779B-4C7C-901A-48EC05BFCA23}" dt="2023-11-23T08:46:48.852" v="1545" actId="20577"/>
-        <pc:sldMkLst>
-          <pc:docMk/>
-          <pc:sldMk cId="3689258070" sldId="258"/>
+        <pc:chgData name="Alexander D'hoore" userId="1e5b90a3-18e7-4451-ac53-847831bd2a02" providerId="ADAL" clId="{A0FC4194-28C3-418D-963B-253EE4EADB2F}" dt="2024-05-07T14:06:10.277" v="1083" actId="20577"/>
+        <pc:sldMkLst>
+          <pc:docMk/>
+          <pc:sldMk cId="2497583591" sldId="294"/>
         </pc:sldMkLst>
       </pc:sldChg>
       <pc:sldChg chg="modSp mod">
-        <pc:chgData name="Alexander D'hoore" userId="1e5b90a3-18e7-4451-ac53-847831bd2a02" providerId="ADAL" clId="{821A677A-779B-4C7C-901A-48EC05BFCA23}" dt="2023-11-23T08:46:56.429" v="1546" actId="20577"/>
-        <pc:sldMkLst>
-          <pc:docMk/>
-          <pc:sldMk cId="2340303385" sldId="259"/>
+        <pc:chgData name="Alexander D'hoore" userId="1e5b90a3-18e7-4451-ac53-847831bd2a02" providerId="ADAL" clId="{A0FC4194-28C3-418D-963B-253EE4EADB2F}" dt="2024-05-07T12:10:09.520" v="1077" actId="20577"/>
+        <pc:sldMkLst>
+          <pc:docMk/>
+          <pc:sldMk cId="1031626746" sldId="295"/>
         </pc:sldMkLst>
       </pc:sldChg>
       <pc:sldChg chg="modSp mod">
-        <pc:chgData name="Alexander D'hoore" userId="1e5b90a3-18e7-4451-ac53-847831bd2a02" providerId="ADAL" clId="{821A677A-779B-4C7C-901A-48EC05BFCA23}" dt="2023-11-23T07:50:07.015" v="1508" actId="20577"/>
-        <pc:sldMkLst>
-          <pc:docMk/>
-          <pc:sldMk cId="663993984" sldId="260"/>
+        <pc:chgData name="Alexander D'hoore" userId="1e5b90a3-18e7-4451-ac53-847831bd2a02" providerId="ADAL" clId="{A0FC4194-28C3-418D-963B-253EE4EADB2F}" dt="2024-05-07T11:35:22.433" v="699" actId="20577"/>
+        <pc:sldMkLst>
+          <pc:docMk/>
+          <pc:sldMk cId="2348156456" sldId="296"/>
         </pc:sldMkLst>
       </pc:sldChg>
       <pc:sldChg chg="modSp mod">
-        <pc:chgData name="Alexander D'hoore" userId="1e5b90a3-18e7-4451-ac53-847831bd2a02" providerId="ADAL" clId="{821A677A-779B-4C7C-901A-48EC05BFCA23}" dt="2023-11-23T08:47:02.961" v="1547" actId="20577"/>
-        <pc:sldMkLst>
-          <pc:docMk/>
-          <pc:sldMk cId="805026401" sldId="261"/>
+        <pc:chgData name="Alexander D'hoore" userId="1e5b90a3-18e7-4451-ac53-847831bd2a02" providerId="ADAL" clId="{A0FC4194-28C3-418D-963B-253EE4EADB2F}" dt="2024-05-07T11:31:43.579" v="358" actId="20577"/>
+        <pc:sldMkLst>
+          <pc:docMk/>
+          <pc:sldMk cId="194528435" sldId="297"/>
+        </pc:sldMkLst>
+      </pc:sldChg>
+      <pc:sldChg chg="addSp delSp modSp mod setBg modClrScheme chgLayout">
+        <pc:chgData name="Alexander D'hoore" userId="1e5b90a3-18e7-4451-ac53-847831bd2a02" providerId="ADAL" clId="{A0FC4194-28C3-418D-963B-253EE4EADB2F}" dt="2024-05-07T11:17:08.521" v="47" actId="26606"/>
+        <pc:sldMkLst>
+          <pc:docMk/>
+          <pc:sldMk cId="344287150" sldId="299"/>
         </pc:sldMkLst>
       </pc:sldChg>
       <pc:sldChg chg="modSp mod">
-        <pc:chgData name="Alexander D'hoore" userId="1e5b90a3-18e7-4451-ac53-847831bd2a02" providerId="ADAL" clId="{821A677A-779B-4C7C-901A-48EC05BFCA23}" dt="2023-11-23T07:53:18.230" v="1515" actId="20577"/>
-        <pc:sldMkLst>
-          <pc:docMk/>
-          <pc:sldMk cId="2285246726" sldId="262"/>
+        <pc:chgData name="Alexander D'hoore" userId="1e5b90a3-18e7-4451-ac53-847831bd2a02" providerId="ADAL" clId="{A0FC4194-28C3-418D-963B-253EE4EADB2F}" dt="2024-05-07T11:41:34.116" v="940" actId="20577"/>
+        <pc:sldMkLst>
+          <pc:docMk/>
+          <pc:sldMk cId="2466982919" sldId="300"/>
         </pc:sldMkLst>
       </pc:sldChg>
       <pc:sldChg chg="modSp mod">
-        <pc:chgData name="Alexander D'hoore" userId="1e5b90a3-18e7-4451-ac53-847831bd2a02" providerId="ADAL" clId="{821A677A-779B-4C7C-901A-48EC05BFCA23}" dt="2023-11-23T08:47:30.085" v="1552" actId="20577"/>
-        <pc:sldMkLst>
-          <pc:docMk/>
-          <pc:sldMk cId="823333162" sldId="263"/>
-        </pc:sldMkLst>
-      </pc:sldChg>
-      <pc:sldChg chg="modSp mod ord">
-        <pc:chgData name="Alexander D'hoore" userId="1e5b90a3-18e7-4451-ac53-847831bd2a02" providerId="ADAL" clId="{821A677A-779B-4C7C-901A-48EC05BFCA23}" dt="2023-11-22T16:26:35.228" v="1499" actId="20577"/>
-        <pc:sldMkLst>
-          <pc:docMk/>
-          <pc:sldMk cId="1356561651" sldId="264"/>
-        </pc:sldMkLst>
-      </pc:sldChg>
-      <pc:sldChg chg="addSp modSp del mod">
-        <pc:chgData name="Alexander D'hoore" userId="1e5b90a3-18e7-4451-ac53-847831bd2a02" providerId="ADAL" clId="{821A677A-779B-4C7C-901A-48EC05BFCA23}" dt="2023-11-22T16:30:05.945" v="1500" actId="2696"/>
-        <pc:sldMkLst>
-          <pc:docMk/>
-          <pc:sldMk cId="3750285839" sldId="269"/>
-        </pc:sldMkLst>
-      </pc:sldChg>
-      <pc:sldChg chg="modSp mod">
-        <pc:chgData name="Alexander D'hoore" userId="1e5b90a3-18e7-4451-ac53-847831bd2a02" providerId="ADAL" clId="{821A677A-779B-4C7C-901A-48EC05BFCA23}" dt="2023-11-23T08:47:06.811" v="1548" actId="20577"/>
-        <pc:sldMkLst>
-          <pc:docMk/>
-          <pc:sldMk cId="3372035890" sldId="270"/>
-        </pc:sldMkLst>
-      </pc:sldChg>
-      <pc:sldChg chg="modSp mod">
-        <pc:chgData name="Alexander D'hoore" userId="1e5b90a3-18e7-4451-ac53-847831bd2a02" providerId="ADAL" clId="{821A677A-779B-4C7C-901A-48EC05BFCA23}" dt="2023-11-23T08:47:09.799" v="1549" actId="20577"/>
-        <pc:sldMkLst>
-          <pc:docMk/>
-          <pc:sldMk cId="316297392" sldId="271"/>
-        </pc:sldMkLst>
-      </pc:sldChg>
-      <pc:sldChg chg="addSp delSp modSp mod modShow">
-        <pc:chgData name="Alexander D'hoore" userId="1e5b90a3-18e7-4451-ac53-847831bd2a02" providerId="ADAL" clId="{821A677A-779B-4C7C-901A-48EC05BFCA23}" dt="2023-11-22T16:31:30.908" v="1503" actId="729"/>
-        <pc:sldMkLst>
-          <pc:docMk/>
-          <pc:sldMk cId="1053869711" sldId="273"/>
-        </pc:sldMkLst>
-      </pc:sldChg>
-      <pc:sldChg chg="modSp mod">
-        <pc:chgData name="Alexander D'hoore" userId="1e5b90a3-18e7-4451-ac53-847831bd2a02" providerId="ADAL" clId="{821A677A-779B-4C7C-901A-48EC05BFCA23}" dt="2023-11-23T08:47:14.336" v="1550" actId="20577"/>
-        <pc:sldMkLst>
-          <pc:docMk/>
-          <pc:sldMk cId="335327928" sldId="274"/>
-        </pc:sldMkLst>
-      </pc:sldChg>
-      <pc:sldChg chg="modSp mod">
-        <pc:chgData name="Alexander D'hoore" userId="1e5b90a3-18e7-4451-ac53-847831bd2a02" providerId="ADAL" clId="{821A677A-779B-4C7C-901A-48EC05BFCA23}" dt="2023-11-23T08:47:25.326" v="1551" actId="20577"/>
-        <pc:sldMkLst>
-          <pc:docMk/>
-          <pc:sldMk cId="2140520046" sldId="276"/>
-        </pc:sldMkLst>
-      </pc:sldChg>
-      <pc:sldChg chg="modSp mod ord">
-        <pc:chgData name="Alexander D'hoore" userId="1e5b90a3-18e7-4451-ac53-847831bd2a02" providerId="ADAL" clId="{821A677A-779B-4C7C-901A-48EC05BFCA23}" dt="2023-11-23T07:53:26.373" v="1516" actId="20577"/>
-        <pc:sldMkLst>
-          <pc:docMk/>
-          <pc:sldMk cId="3765658475" sldId="277"/>
-        </pc:sldMkLst>
-      </pc:sldChg>
-      <pc:sldChg chg="addSp modSp mod">
-        <pc:chgData name="Alexander D'hoore" userId="1e5b90a3-18e7-4451-ac53-847831bd2a02" providerId="ADAL" clId="{821A677A-779B-4C7C-901A-48EC05BFCA23}" dt="2023-11-22T16:11:04.440" v="1340" actId="1076"/>
-        <pc:sldMkLst>
-          <pc:docMk/>
-          <pc:sldMk cId="1848400503" sldId="282"/>
-        </pc:sldMkLst>
-      </pc:sldChg>
-      <pc:sldChg chg="addSp modSp mod">
-        <pc:chgData name="Alexander D'hoore" userId="1e5b90a3-18e7-4451-ac53-847831bd2a02" providerId="ADAL" clId="{821A677A-779B-4C7C-901A-48EC05BFCA23}" dt="2023-11-22T16:11:12.937" v="1342" actId="1076"/>
-        <pc:sldMkLst>
-          <pc:docMk/>
-          <pc:sldMk cId="865258742" sldId="283"/>
-        </pc:sldMkLst>
-      </pc:sldChg>
-      <pc:sldChg chg="del">
-        <pc:chgData name="Alexander D'hoore" userId="1e5b90a3-18e7-4451-ac53-847831bd2a02" providerId="ADAL" clId="{821A677A-779B-4C7C-901A-48EC05BFCA23}" dt="2023-11-22T14:31:37.645" v="532" actId="2696"/>
-        <pc:sldMkLst>
-          <pc:docMk/>
-          <pc:sldMk cId="2439136216" sldId="289"/>
-        </pc:sldMkLst>
-      </pc:sldChg>
-      <pc:sldChg chg="addSp delSp modSp mod">
-        <pc:chgData name="Alexander D'hoore" userId="1e5b90a3-18e7-4451-ac53-847831bd2a02" providerId="ADAL" clId="{821A677A-779B-4C7C-901A-48EC05BFCA23}" dt="2023-11-23T08:46:10.878" v="1544" actId="1076"/>
-        <pc:sldMkLst>
-          <pc:docMk/>
-          <pc:sldMk cId="3419238708" sldId="290"/>
-        </pc:sldMkLst>
-      </pc:sldChg>
-      <pc:sldChg chg="modSp mod">
-        <pc:chgData name="Alexander D'hoore" userId="1e5b90a3-18e7-4451-ac53-847831bd2a02" providerId="ADAL" clId="{821A677A-779B-4C7C-901A-48EC05BFCA23}" dt="2023-11-22T16:07:28.898" v="1328" actId="20577"/>
-        <pc:sldMkLst>
-          <pc:docMk/>
-          <pc:sldMk cId="2226251994" sldId="292"/>
+        <pc:chgData name="Alexander D'hoore" userId="1e5b90a3-18e7-4451-ac53-847831bd2a02" providerId="ADAL" clId="{A0FC4194-28C3-418D-963B-253EE4EADB2F}" dt="2024-05-07T11:41:43.714" v="943" actId="27636"/>
+        <pc:sldMkLst>
+          <pc:docMk/>
+          <pc:sldMk cId="2793015207" sldId="301"/>
         </pc:sldMkLst>
       </pc:sldChg>
       <pc:sldChg chg="modSp new mod">
-        <pc:chgData name="Alexander D'hoore" userId="1e5b90a3-18e7-4451-ac53-847831bd2a02" providerId="ADAL" clId="{821A677A-779B-4C7C-901A-48EC05BFCA23}" dt="2023-11-22T16:15:16.965" v="1392"/>
-        <pc:sldMkLst>
-          <pc:docMk/>
-          <pc:sldMk cId="388844441" sldId="293"/>
-        </pc:sldMkLst>
-      </pc:sldChg>
-      <pc:sldChg chg="modSp add mod">
-        <pc:chgData name="Alexander D'hoore" userId="1e5b90a3-18e7-4451-ac53-847831bd2a02" providerId="ADAL" clId="{821A677A-779B-4C7C-901A-48EC05BFCA23}" dt="2023-11-22T16:15:25.955" v="1394"/>
-        <pc:sldMkLst>
-          <pc:docMk/>
-          <pc:sldMk cId="1449851617" sldId="294"/>
-        </pc:sldMkLst>
-      </pc:sldChg>
-      <pc:sldChg chg="modSp add mod">
-        <pc:chgData name="Alexander D'hoore" userId="1e5b90a3-18e7-4451-ac53-847831bd2a02" providerId="ADAL" clId="{821A677A-779B-4C7C-901A-48EC05BFCA23}" dt="2023-11-22T16:15:37.420" v="1398" actId="20577"/>
-        <pc:sldMkLst>
-          <pc:docMk/>
-          <pc:sldMk cId="1058497470" sldId="295"/>
-        </pc:sldMkLst>
-      </pc:sldChg>
-    </pc:docChg>
-  </pc:docChgLst>
-  <pc:docChgLst>
-    <pc:chgData name="Lara Luys" userId="43fc1cb8-097a-46ef-9f63-bb4c9c2b6365" providerId="ADAL" clId="{0471078A-1961-4683-9E85-FC444105E513}"/>
-    <pc:docChg chg="undo custSel addSld modSld">
-      <pc:chgData name="Lara Luys" userId="43fc1cb8-097a-46ef-9f63-bb4c9c2b6365" providerId="ADAL" clId="{0471078A-1961-4683-9E85-FC444105E513}" dt="2023-11-22T19:01:10.730" v="3733" actId="1076"/>
-      <pc:docMkLst>
-        <pc:docMk/>
-      </pc:docMkLst>
-      <pc:sldChg chg="delSp modSp mod">
-        <pc:chgData name="Lara Luys" userId="43fc1cb8-097a-46ef-9f63-bb4c9c2b6365" providerId="ADAL" clId="{0471078A-1961-4683-9E85-FC444105E513}" dt="2023-11-22T14:15:35.371" v="2232" actId="20577"/>
-        <pc:sldMkLst>
-          <pc:docMk/>
-          <pc:sldMk cId="823333162" sldId="263"/>
-        </pc:sldMkLst>
-      </pc:sldChg>
-      <pc:sldChg chg="modSp mod">
-        <pc:chgData name="Lara Luys" userId="43fc1cb8-097a-46ef-9f63-bb4c9c2b6365" providerId="ADAL" clId="{0471078A-1961-4683-9E85-FC444105E513}" dt="2023-11-22T14:37:53.806" v="2272" actId="27636"/>
-        <pc:sldMkLst>
-          <pc:docMk/>
-          <pc:sldMk cId="4219707684" sldId="268"/>
-        </pc:sldMkLst>
-      </pc:sldChg>
-      <pc:sldChg chg="delSp modSp mod modShow">
-        <pc:chgData name="Lara Luys" userId="43fc1cb8-097a-46ef-9f63-bb4c9c2b6365" providerId="ADAL" clId="{0471078A-1961-4683-9E85-FC444105E513}" dt="2023-11-22T16:09:12.225" v="3261" actId="478"/>
-        <pc:sldMkLst>
-          <pc:docMk/>
-          <pc:sldMk cId="3750285839" sldId="269"/>
-        </pc:sldMkLst>
-      </pc:sldChg>
-      <pc:sldChg chg="mod modShow">
-        <pc:chgData name="Lara Luys" userId="43fc1cb8-097a-46ef-9f63-bb4c9c2b6365" providerId="ADAL" clId="{0471078A-1961-4683-9E85-FC444105E513}" dt="2023-11-22T16:10:31.990" v="3262" actId="729"/>
-        <pc:sldMkLst>
-          <pc:docMk/>
-          <pc:sldMk cId="1053869711" sldId="273"/>
-        </pc:sldMkLst>
-      </pc:sldChg>
-      <pc:sldChg chg="delSp modSp mod">
-        <pc:chgData name="Lara Luys" userId="43fc1cb8-097a-46ef-9f63-bb4c9c2b6365" providerId="ADAL" clId="{0471078A-1961-4683-9E85-FC444105E513}" dt="2023-11-22T14:32:33.958" v="2238" actId="20577"/>
-        <pc:sldMkLst>
-          <pc:docMk/>
-          <pc:sldMk cId="2140520046" sldId="276"/>
-        </pc:sldMkLst>
-      </pc:sldChg>
-      <pc:sldChg chg="modSp mod">
-        <pc:chgData name="Lara Luys" userId="43fc1cb8-097a-46ef-9f63-bb4c9c2b6365" providerId="ADAL" clId="{0471078A-1961-4683-9E85-FC444105E513}" dt="2023-11-22T14:37:53.802" v="2271" actId="27636"/>
-        <pc:sldMkLst>
-          <pc:docMk/>
-          <pc:sldMk cId="3646322024" sldId="281"/>
-        </pc:sldMkLst>
-      </pc:sldChg>
-      <pc:sldChg chg="addSp modSp mod modShow">
-        <pc:chgData name="Lara Luys" userId="43fc1cb8-097a-46ef-9f63-bb4c9c2b6365" providerId="ADAL" clId="{0471078A-1961-4683-9E85-FC444105E513}" dt="2023-11-22T16:07:55.879" v="3254" actId="20577"/>
-        <pc:sldMkLst>
-          <pc:docMk/>
-          <pc:sldMk cId="865258742" sldId="283"/>
-        </pc:sldMkLst>
-      </pc:sldChg>
-      <pc:sldChg chg="modSp mod">
-        <pc:chgData name="Lara Luys" userId="43fc1cb8-097a-46ef-9f63-bb4c9c2b6365" providerId="ADAL" clId="{0471078A-1961-4683-9E85-FC444105E513}" dt="2023-11-22T14:37:53.810" v="2273" actId="27636"/>
-        <pc:sldMkLst>
-          <pc:docMk/>
-          <pc:sldMk cId="3372689143" sldId="288"/>
-        </pc:sldMkLst>
-      </pc:sldChg>
-      <pc:sldChg chg="addSp delSp modSp mod">
-        <pc:chgData name="Lara Luys" userId="43fc1cb8-097a-46ef-9f63-bb4c9c2b6365" providerId="ADAL" clId="{0471078A-1961-4683-9E85-FC444105E513}" dt="2023-11-22T19:01:10.730" v="3733" actId="1076"/>
-        <pc:sldMkLst>
-          <pc:docMk/>
-          <pc:sldMk cId="4086276467" sldId="291"/>
-        </pc:sldMkLst>
-      </pc:sldChg>
-      <pc:sldChg chg="modSp add mod">
-        <pc:chgData name="Lara Luys" userId="43fc1cb8-097a-46ef-9f63-bb4c9c2b6365" providerId="ADAL" clId="{0471078A-1961-4683-9E85-FC444105E513}" dt="2023-11-22T16:08:24.071" v="3259" actId="113"/>
-        <pc:sldMkLst>
-          <pc:docMk/>
-          <pc:sldMk cId="2226251994" sldId="292"/>
-        </pc:sldMkLst>
-      </pc:sldChg>
-      <pc:sldChg chg="addSp delSp modSp mod">
-        <pc:chgData name="Lara Luys" userId="43fc1cb8-097a-46ef-9f63-bb4c9c2b6365" providerId="ADAL" clId="{0471078A-1961-4683-9E85-FC444105E513}" dt="2023-11-22T17:18:34.490" v="3691" actId="20577"/>
-        <pc:sldMkLst>
-          <pc:docMk/>
-          <pc:sldMk cId="388844441" sldId="293"/>
-        </pc:sldMkLst>
-      </pc:sldChg>
-    </pc:docChg>
-  </pc:docChgLst>
-  <pc:docChgLst>
-    <pc:chgData name="Jonas Lannoo" userId="S::jonas.lannoo@kuleuven.be::b494a848-0cbe-426d-82db-f0c06b0d25da" providerId="AD" clId="Web-{F843E932-6A0F-450F-99D5-1F5A12F4027D}"/>
-    <pc:docChg chg="sldOrd">
-      <pc:chgData name="Jonas Lannoo" userId="S::jonas.lannoo@kuleuven.be::b494a848-0cbe-426d-82db-f0c06b0d25da" providerId="AD" clId="Web-{F843E932-6A0F-450F-99D5-1F5A12F4027D}" dt="2023-11-20T09:59:47.633" v="0"/>
-      <pc:docMkLst>
-        <pc:docMk/>
-      </pc:docMkLst>
-      <pc:sldChg chg="ord">
-        <pc:chgData name="Jonas Lannoo" userId="S::jonas.lannoo@kuleuven.be::b494a848-0cbe-426d-82db-f0c06b0d25da" providerId="AD" clId="Web-{F843E932-6A0F-450F-99D5-1F5A12F4027D}" dt="2023-11-20T09:59:47.633" v="0"/>
-        <pc:sldMkLst>
-          <pc:docMk/>
-          <pc:sldMk cId="1053869711" sldId="273"/>
-        </pc:sldMkLst>
-      </pc:sldChg>
-    </pc:docChg>
-  </pc:docChgLst>
-  <pc:docChgLst>
-    <pc:chgData name="Jonas Lannoo" userId="S::jonas.lannoo@kuleuven.be::b494a848-0cbe-426d-82db-f0c06b0d25da" providerId="AD" clId="Web-{03FCF854-3B21-4452-AF14-6B4FD720ECFF}"/>
-    <pc:docChg chg="modSld sldOrd">
-      <pc:chgData name="Jonas Lannoo" userId="S::jonas.lannoo@kuleuven.be::b494a848-0cbe-426d-82db-f0c06b0d25da" providerId="AD" clId="Web-{03FCF854-3B21-4452-AF14-6B4FD720ECFF}" dt="2023-11-22T12:50:29.635" v="2" actId="14100"/>
-      <pc:docMkLst>
-        <pc:docMk/>
-      </pc:docMkLst>
-      <pc:sldChg chg="ord">
-        <pc:chgData name="Jonas Lannoo" userId="S::jonas.lannoo@kuleuven.be::b494a848-0cbe-426d-82db-f0c06b0d25da" providerId="AD" clId="Web-{03FCF854-3B21-4452-AF14-6B4FD720ECFF}" dt="2023-11-22T12:49:36.539" v="1"/>
-        <pc:sldMkLst>
-          <pc:docMk/>
-          <pc:sldMk cId="1356561651" sldId="264"/>
-        </pc:sldMkLst>
-      </pc:sldChg>
-      <pc:sldChg chg="ord">
-        <pc:chgData name="Jonas Lannoo" userId="S::jonas.lannoo@kuleuven.be::b494a848-0cbe-426d-82db-f0c06b0d25da" providerId="AD" clId="Web-{03FCF854-3B21-4452-AF14-6B4FD720ECFF}" dt="2023-11-22T12:49:31.914" v="0"/>
-        <pc:sldMkLst>
-          <pc:docMk/>
-          <pc:sldMk cId="3765658475" sldId="277"/>
-        </pc:sldMkLst>
-      </pc:sldChg>
-      <pc:sldChg chg="modSp">
-        <pc:chgData name="Jonas Lannoo" userId="S::jonas.lannoo@kuleuven.be::b494a848-0cbe-426d-82db-f0c06b0d25da" providerId="AD" clId="Web-{03FCF854-3B21-4452-AF14-6B4FD720ECFF}" dt="2023-11-22T12:50:29.635" v="2" actId="14100"/>
-        <pc:sldMkLst>
-          <pc:docMk/>
-          <pc:sldMk cId="3646322024" sldId="281"/>
-        </pc:sldMkLst>
-      </pc:sldChg>
-    </pc:docChg>
-  </pc:docChgLst>
-  <pc:docChgLst>
-    <pc:chgData name="Lara Luys" userId="S::lara.luys@kuleuven.be::43fc1cb8-097a-46ef-9f63-bb4c9c2b6365" providerId="AD" clId="Web-{7A0F38B9-9E21-2895-7B4C-EC28C5BAC76D}"/>
-    <pc:docChg chg="modSld">
-      <pc:chgData name="Lara Luys" userId="S::lara.luys@kuleuven.be::43fc1cb8-097a-46ef-9f63-bb4c9c2b6365" providerId="AD" clId="Web-{7A0F38B9-9E21-2895-7B4C-EC28C5BAC76D}" dt="2024-05-07T08:21:48.431" v="12" actId="20577"/>
-      <pc:docMkLst>
-        <pc:docMk/>
-      </pc:docMkLst>
-      <pc:sldChg chg="modSp">
-        <pc:chgData name="Lara Luys" userId="S::lara.luys@kuleuven.be::43fc1cb8-097a-46ef-9f63-bb4c9c2b6365" providerId="AD" clId="Web-{7A0F38B9-9E21-2895-7B4C-EC28C5BAC76D}" dt="2024-05-07T08:21:48.431" v="12" actId="20577"/>
-        <pc:sldMkLst>
-          <pc:docMk/>
-          <pc:sldMk cId="701984223" sldId="257"/>
-        </pc:sldMkLst>
-      </pc:sldChg>
-    </pc:docChg>
-  </pc:docChgLst>
-  <pc:docChgLst>
-    <pc:chgData name="Matthias De Ryck" userId="dbd2fdaa-03e2-4ab7-a04f-963a93ef2119" providerId="ADAL" clId="{E8319FBB-B360-4830-A840-38D7049C93AA}"/>
-    <pc:docChg chg="undo custSel addSld delSld modSld sldOrd delMainMaster">
-      <pc:chgData name="Matthias De Ryck" userId="dbd2fdaa-03e2-4ab7-a04f-963a93ef2119" providerId="ADAL" clId="{E8319FBB-B360-4830-A840-38D7049C93AA}" dt="2022-10-13T07:51:29.214" v="6243" actId="47"/>
-      <pc:docMkLst>
-        <pc:docMk/>
-      </pc:docMkLst>
-      <pc:sldChg chg="modSp del mod">
-        <pc:chgData name="Matthias De Ryck" userId="dbd2fdaa-03e2-4ab7-a04f-963a93ef2119" providerId="ADAL" clId="{E8319FBB-B360-4830-A840-38D7049C93AA}" dt="2022-09-14T11:03:50.082" v="1449" actId="47"/>
-        <pc:sldMkLst>
-          <pc:docMk/>
-          <pc:sldMk cId="729570970" sldId="256"/>
-        </pc:sldMkLst>
-      </pc:sldChg>
-      <pc:sldChg chg="modSp new mod">
-        <pc:chgData name="Matthias De Ryck" userId="dbd2fdaa-03e2-4ab7-a04f-963a93ef2119" providerId="ADAL" clId="{E8319FBB-B360-4830-A840-38D7049C93AA}" dt="2022-10-03T13:32:54.960" v="5219" actId="20577"/>
-        <pc:sldMkLst>
-          <pc:docMk/>
-          <pc:sldMk cId="3689258070" sldId="258"/>
-        </pc:sldMkLst>
-      </pc:sldChg>
-      <pc:sldChg chg="modSp add mod">
-        <pc:chgData name="Matthias De Ryck" userId="dbd2fdaa-03e2-4ab7-a04f-963a93ef2119" providerId="ADAL" clId="{E8319FBB-B360-4830-A840-38D7049C93AA}" dt="2022-10-03T13:37:36.280" v="5258" actId="113"/>
-        <pc:sldMkLst>
-          <pc:docMk/>
-          <pc:sldMk cId="2340303385" sldId="259"/>
-        </pc:sldMkLst>
-      </pc:sldChg>
-      <pc:sldChg chg="modSp add mod ord">
-        <pc:chgData name="Matthias De Ryck" userId="dbd2fdaa-03e2-4ab7-a04f-963a93ef2119" providerId="ADAL" clId="{E8319FBB-B360-4830-A840-38D7049C93AA}" dt="2022-10-10T12:35:15.032" v="5753" actId="20577"/>
-        <pc:sldMkLst>
-          <pc:docMk/>
-          <pc:sldMk cId="663993984" sldId="260"/>
-        </pc:sldMkLst>
-      </pc:sldChg>
-      <pc:sldChg chg="addSp delSp modSp add mod ord">
-        <pc:chgData name="Matthias De Ryck" userId="dbd2fdaa-03e2-4ab7-a04f-963a93ef2119" providerId="ADAL" clId="{E8319FBB-B360-4830-A840-38D7049C93AA}" dt="2022-10-11T07:10:05.620" v="6222" actId="20577"/>
-        <pc:sldMkLst>
-          <pc:docMk/>
-          <pc:sldMk cId="805026401" sldId="261"/>
-        </pc:sldMkLst>
-      </pc:sldChg>
-      <pc:sldChg chg="delSp modSp add mod">
-        <pc:chgData name="Matthias De Ryck" userId="dbd2fdaa-03e2-4ab7-a04f-963a93ef2119" providerId="ADAL" clId="{E8319FBB-B360-4830-A840-38D7049C93AA}" dt="2022-10-10T12:36:39.523" v="5762" actId="27636"/>
-        <pc:sldMkLst>
-          <pc:docMk/>
-          <pc:sldMk cId="2285246726" sldId="262"/>
-        </pc:sldMkLst>
-      </pc:sldChg>
-      <pc:sldChg chg="addSp delSp modSp add mod ord">
-        <pc:chgData name="Matthias De Ryck" userId="dbd2fdaa-03e2-4ab7-a04f-963a93ef2119" providerId="ADAL" clId="{E8319FBB-B360-4830-A840-38D7049C93AA}" dt="2022-10-10T12:43:41.530" v="6069" actId="20577"/>
-        <pc:sldMkLst>
-          <pc:docMk/>
-          <pc:sldMk cId="823333162" sldId="263"/>
-        </pc:sldMkLst>
-      </pc:sldChg>
-      <pc:sldChg chg="modSp add mod">
-        <pc:chgData name="Matthias De Ryck" userId="dbd2fdaa-03e2-4ab7-a04f-963a93ef2119" providerId="ADAL" clId="{E8319FBB-B360-4830-A840-38D7049C93AA}" dt="2022-09-26T18:30:26.637" v="5008" actId="20577"/>
-        <pc:sldMkLst>
-          <pc:docMk/>
-          <pc:sldMk cId="1356561651" sldId="264"/>
-        </pc:sldMkLst>
-      </pc:sldChg>
-      <pc:sldChg chg="modSp add del mod">
-        <pc:chgData name="Matthias De Ryck" userId="dbd2fdaa-03e2-4ab7-a04f-963a93ef2119" providerId="ADAL" clId="{E8319FBB-B360-4830-A840-38D7049C93AA}" dt="2022-09-14T09:53:12.620" v="430" actId="47"/>
-        <pc:sldMkLst>
-          <pc:docMk/>
-          <pc:sldMk cId="1507354702" sldId="264"/>
-        </pc:sldMkLst>
-      </pc:sldChg>
-      <pc:sldChg chg="modSp add del mod">
-        <pc:chgData name="Matthias De Ryck" userId="dbd2fdaa-03e2-4ab7-a04f-963a93ef2119" providerId="ADAL" clId="{E8319FBB-B360-4830-A840-38D7049C93AA}" dt="2022-10-11T06:48:42.209" v="6148" actId="47"/>
-        <pc:sldMkLst>
-          <pc:docMk/>
-          <pc:sldMk cId="3135182459" sldId="265"/>
-        </pc:sldMkLst>
-      </pc:sldChg>
-      <pc:sldChg chg="addSp delSp modSp add del mod ord modShow">
-        <pc:chgData name="Matthias De Ryck" userId="dbd2fdaa-03e2-4ab7-a04f-963a93ef2119" providerId="ADAL" clId="{E8319FBB-B360-4830-A840-38D7049C93AA}" dt="2022-10-10T13:12:50.717" v="6146" actId="729"/>
-        <pc:sldMkLst>
-          <pc:docMk/>
-          <pc:sldMk cId="1662569675" sldId="266"/>
-        </pc:sldMkLst>
-      </pc:sldChg>
-      <pc:sldChg chg="add del">
-        <pc:chgData name="Matthias De Ryck" userId="dbd2fdaa-03e2-4ab7-a04f-963a93ef2119" providerId="ADAL" clId="{E8319FBB-B360-4830-A840-38D7049C93AA}" dt="2022-09-14T09:54:03.231" v="482" actId="47"/>
-        <pc:sldMkLst>
-          <pc:docMk/>
-          <pc:sldMk cId="3800904000" sldId="266"/>
-        </pc:sldMkLst>
-      </pc:sldChg>
-      <pc:sldChg chg="addSp modSp add mod">
-        <pc:chgData name="Matthias De Ryck" userId="dbd2fdaa-03e2-4ab7-a04f-963a93ef2119" providerId="ADAL" clId="{E8319FBB-B360-4830-A840-38D7049C93AA}" dt="2022-10-11T07:13:48.537" v="6242"/>
-        <pc:sldMkLst>
-          <pc:docMk/>
-          <pc:sldMk cId="992936327" sldId="267"/>
-        </pc:sldMkLst>
-      </pc:sldChg>
-      <pc:sldChg chg="addSp modSp add mod">
-        <pc:chgData name="Matthias De Ryck" userId="dbd2fdaa-03e2-4ab7-a04f-963a93ef2119" providerId="ADAL" clId="{E8319FBB-B360-4830-A840-38D7049C93AA}" dt="2022-10-11T07:13:27.479" v="6233" actId="1076"/>
-        <pc:sldMkLst>
-          <pc:docMk/>
-          <pc:sldMk cId="4219707684" sldId="268"/>
-        </pc:sldMkLst>
-      </pc:sldChg>
-      <pc:sldChg chg="modSp add del mod">
-        <pc:chgData name="Matthias De Ryck" userId="dbd2fdaa-03e2-4ab7-a04f-963a93ef2119" providerId="ADAL" clId="{E8319FBB-B360-4830-A840-38D7049C93AA}" dt="2022-09-14T11:05:30.082" v="1503" actId="47"/>
-        <pc:sldMkLst>
-          <pc:docMk/>
-          <pc:sldMk cId="605187288" sldId="269"/>
-        </pc:sldMkLst>
-      </pc:sldChg>
-      <pc:sldChg chg="addSp delSp modSp add mod">
-        <pc:chgData name="Matthias De Ryck" userId="dbd2fdaa-03e2-4ab7-a04f-963a93ef2119" providerId="ADAL" clId="{E8319FBB-B360-4830-A840-38D7049C93AA}" dt="2022-10-10T12:47:24.136" v="6091" actId="14100"/>
-        <pc:sldMkLst>
-          <pc:docMk/>
-          <pc:sldMk cId="3750285839" sldId="269"/>
-        </pc:sldMkLst>
-      </pc:sldChg>
-      <pc:sldChg chg="addSp delSp modSp new mod ord">
-        <pc:chgData name="Matthias De Ryck" userId="dbd2fdaa-03e2-4ab7-a04f-963a93ef2119" providerId="ADAL" clId="{E8319FBB-B360-4830-A840-38D7049C93AA}" dt="2022-10-10T12:30:46.678" v="5649"/>
-        <pc:sldMkLst>
-          <pc:docMk/>
-          <pc:sldMk cId="3372035890" sldId="270"/>
-        </pc:sldMkLst>
-      </pc:sldChg>
-      <pc:sldChg chg="addSp delSp modSp new mod modClrScheme chgLayout">
-        <pc:chgData name="Matthias De Ryck" userId="dbd2fdaa-03e2-4ab7-a04f-963a93ef2119" providerId="ADAL" clId="{E8319FBB-B360-4830-A840-38D7049C93AA}" dt="2022-10-10T12:34:27.283" v="5752" actId="20577"/>
-        <pc:sldMkLst>
-          <pc:docMk/>
-          <pc:sldMk cId="316297392" sldId="271"/>
-        </pc:sldMkLst>
-      </pc:sldChg>
-      <pc:sldChg chg="modSp add del mod">
-        <pc:chgData name="Matthias De Ryck" userId="dbd2fdaa-03e2-4ab7-a04f-963a93ef2119" providerId="ADAL" clId="{E8319FBB-B360-4830-A840-38D7049C93AA}" dt="2022-10-11T06:48:44.109" v="6149" actId="47"/>
-        <pc:sldMkLst>
-          <pc:docMk/>
-          <pc:sldMk cId="1627780156" sldId="272"/>
-        </pc:sldMkLst>
-      </pc:sldChg>
-      <pc:sldChg chg="delSp modSp add del mod">
-        <pc:chgData name="Matthias De Ryck" userId="dbd2fdaa-03e2-4ab7-a04f-963a93ef2119" providerId="ADAL" clId="{E8319FBB-B360-4830-A840-38D7049C93AA}" dt="2022-09-14T11:52:11.568" v="2928" actId="47"/>
-        <pc:sldMkLst>
-          <pc:docMk/>
-          <pc:sldMk cId="2081187526" sldId="272"/>
-        </pc:sldMkLst>
-      </pc:sldChg>
-      <pc:sldChg chg="addSp delSp modSp new del mod">
-        <pc:chgData name="Matthias De Ryck" userId="dbd2fdaa-03e2-4ab7-a04f-963a93ef2119" providerId="ADAL" clId="{E8319FBB-B360-4830-A840-38D7049C93AA}" dt="2022-09-14T12:05:28.617" v="3428" actId="47"/>
-        <pc:sldMkLst>
-          <pc:docMk/>
-          <pc:sldMk cId="2617602330" sldId="272"/>
-        </pc:sldMkLst>
-      </pc:sldChg>
-      <pc:sldChg chg="addSp delSp modSp add mod chgLayout">
-        <pc:chgData name="Matthias De Ryck" userId="dbd2fdaa-03e2-4ab7-a04f-963a93ef2119" providerId="ADAL" clId="{E8319FBB-B360-4830-A840-38D7049C93AA}" dt="2022-10-10T12:48:22.058" v="6094" actId="207"/>
-        <pc:sldMkLst>
-          <pc:docMk/>
-          <pc:sldMk cId="1053869711" sldId="273"/>
-        </pc:sldMkLst>
-      </pc:sldChg>
-      <pc:sldChg chg="addSp delSp modSp add mod">
-        <pc:chgData name="Matthias De Ryck" userId="dbd2fdaa-03e2-4ab7-a04f-963a93ef2119" providerId="ADAL" clId="{E8319FBB-B360-4830-A840-38D7049C93AA}" dt="2022-10-03T13:49:32.888" v="5416" actId="1076"/>
-        <pc:sldMkLst>
-          <pc:docMk/>
-          <pc:sldMk cId="335327928" sldId="274"/>
-        </pc:sldMkLst>
-      </pc:sldChg>
-      <pc:sldChg chg="modSp new mod">
-        <pc:chgData name="Matthias De Ryck" userId="dbd2fdaa-03e2-4ab7-a04f-963a93ef2119" providerId="ADAL" clId="{E8319FBB-B360-4830-A840-38D7049C93AA}" dt="2022-10-04T07:26:29.226" v="5594" actId="20577"/>
-        <pc:sldMkLst>
-          <pc:docMk/>
-          <pc:sldMk cId="348779335" sldId="275"/>
-        </pc:sldMkLst>
-      </pc:sldChg>
-      <pc:sldChg chg="modSp add mod">
-        <pc:chgData name="Matthias De Ryck" userId="dbd2fdaa-03e2-4ab7-a04f-963a93ef2119" providerId="ADAL" clId="{E8319FBB-B360-4830-A840-38D7049C93AA}" dt="2022-10-10T12:45:24.634" v="6074" actId="27636"/>
-        <pc:sldMkLst>
-          <pc:docMk/>
-          <pc:sldMk cId="2140520046" sldId="276"/>
-        </pc:sldMkLst>
-      </pc:sldChg>
-      <pc:sldChg chg="addSp delSp modSp add del mod">
-        <pc:chgData name="Matthias De Ryck" userId="dbd2fdaa-03e2-4ab7-a04f-963a93ef2119" providerId="ADAL" clId="{E8319FBB-B360-4830-A840-38D7049C93AA}" dt="2022-10-10T12:29:52.779" v="5620" actId="47"/>
-        <pc:sldMkLst>
-          <pc:docMk/>
-          <pc:sldMk cId="2287158440" sldId="276"/>
-        </pc:sldMkLst>
-      </pc:sldChg>
-      <pc:sldChg chg="modSp add mod">
-        <pc:chgData name="Matthias De Ryck" userId="dbd2fdaa-03e2-4ab7-a04f-963a93ef2119" providerId="ADAL" clId="{E8319FBB-B360-4830-A840-38D7049C93AA}" dt="2022-10-11T06:49:05.879" v="6171" actId="20577"/>
-        <pc:sldMkLst>
-          <pc:docMk/>
-          <pc:sldMk cId="3765658475" sldId="277"/>
-        </pc:sldMkLst>
-      </pc:sldChg>
-      <pc:sldChg chg="modSp add mod">
-        <pc:chgData name="Matthias De Ryck" userId="dbd2fdaa-03e2-4ab7-a04f-963a93ef2119" providerId="ADAL" clId="{E8319FBB-B360-4830-A840-38D7049C93AA}" dt="2022-10-11T06:49:16.712" v="6176" actId="20577"/>
-        <pc:sldMkLst>
-          <pc:docMk/>
-          <pc:sldMk cId="2490205241" sldId="278"/>
-        </pc:sldMkLst>
-      </pc:sldChg>
-      <pc:sldChg chg="add">
-        <pc:chgData name="Matthias De Ryck" userId="dbd2fdaa-03e2-4ab7-a04f-963a93ef2119" providerId="ADAL" clId="{E8319FBB-B360-4830-A840-38D7049C93AA}" dt="2022-10-11T06:48:39.412" v="6147"/>
-        <pc:sldMkLst>
-          <pc:docMk/>
-          <pc:sldMk cId="584543639" sldId="279"/>
-        </pc:sldMkLst>
-      </pc:sldChg>
-      <pc:sldChg chg="add">
-        <pc:chgData name="Matthias De Ryck" userId="dbd2fdaa-03e2-4ab7-a04f-963a93ef2119" providerId="ADAL" clId="{E8319FBB-B360-4830-A840-38D7049C93AA}" dt="2022-10-11T06:48:39.412" v="6147"/>
-        <pc:sldMkLst>
-          <pc:docMk/>
-          <pc:sldMk cId="262782385" sldId="280"/>
-        </pc:sldMkLst>
-      </pc:sldChg>
-      <pc:sldChg chg="modSp new del mod">
-        <pc:chgData name="Matthias De Ryck" userId="dbd2fdaa-03e2-4ab7-a04f-963a93ef2119" providerId="ADAL" clId="{E8319FBB-B360-4830-A840-38D7049C93AA}" dt="2022-10-13T07:51:29.214" v="6243" actId="47"/>
-        <pc:sldMkLst>
-          <pc:docMk/>
-          <pc:sldMk cId="2190411907" sldId="281"/>
-        </pc:sldMkLst>
-      </pc:sldChg>
-      <pc:sldMasterChg chg="del delSldLayout">
-        <pc:chgData name="Matthias De Ryck" userId="dbd2fdaa-03e2-4ab7-a04f-963a93ef2119" providerId="ADAL" clId="{E8319FBB-B360-4830-A840-38D7049C93AA}" dt="2022-09-14T11:52:11.568" v="2928" actId="47"/>
-        <pc:sldMasterMkLst>
-          <pc:docMk/>
-          <pc:sldMasterMk cId="2820455644" sldId="2147483660"/>
-        </pc:sldMasterMkLst>
-        <pc:sldLayoutChg chg="del">
-          <pc:chgData name="Matthias De Ryck" userId="dbd2fdaa-03e2-4ab7-a04f-963a93ef2119" providerId="ADAL" clId="{E8319FBB-B360-4830-A840-38D7049C93AA}" dt="2022-09-14T11:52:11.568" v="2928" actId="47"/>
-          <pc:sldLayoutMkLst>
-            <pc:docMk/>
-            <pc:sldMasterMk cId="2820455644" sldId="2147483660"/>
-            <pc:sldLayoutMk cId="3190289789" sldId="2147483661"/>
-          </pc:sldLayoutMkLst>
-        </pc:sldLayoutChg>
-        <pc:sldLayoutChg chg="del">
-          <pc:chgData name="Matthias De Ryck" userId="dbd2fdaa-03e2-4ab7-a04f-963a93ef2119" providerId="ADAL" clId="{E8319FBB-B360-4830-A840-38D7049C93AA}" dt="2022-09-14T11:52:11.568" v="2928" actId="47"/>
-          <pc:sldLayoutMkLst>
-            <pc:docMk/>
-            <pc:sldMasterMk cId="2820455644" sldId="2147483660"/>
-            <pc:sldLayoutMk cId="2411692395" sldId="2147483662"/>
-          </pc:sldLayoutMkLst>
-        </pc:sldLayoutChg>
-        <pc:sldLayoutChg chg="del">
-          <pc:chgData name="Matthias De Ryck" userId="dbd2fdaa-03e2-4ab7-a04f-963a93ef2119" providerId="ADAL" clId="{E8319FBB-B360-4830-A840-38D7049C93AA}" dt="2022-09-14T11:52:11.568" v="2928" actId="47"/>
-          <pc:sldLayoutMkLst>
-            <pc:docMk/>
-            <pc:sldMasterMk cId="2820455644" sldId="2147483660"/>
-            <pc:sldLayoutMk cId="4050141678" sldId="2147483663"/>
-          </pc:sldLayoutMkLst>
-        </pc:sldLayoutChg>
-        <pc:sldLayoutChg chg="del">
-          <pc:chgData name="Matthias De Ryck" userId="dbd2fdaa-03e2-4ab7-a04f-963a93ef2119" providerId="ADAL" clId="{E8319FBB-B360-4830-A840-38D7049C93AA}" dt="2022-09-14T11:52:11.568" v="2928" actId="47"/>
-          <pc:sldLayoutMkLst>
-            <pc:docMk/>
-            <pc:sldMasterMk cId="2820455644" sldId="2147483660"/>
-            <pc:sldLayoutMk cId="2506819467" sldId="2147483664"/>
-          </pc:sldLayoutMkLst>
-        </pc:sldLayoutChg>
-        <pc:sldLayoutChg chg="del">
-          <pc:chgData name="Matthias De Ryck" userId="dbd2fdaa-03e2-4ab7-a04f-963a93ef2119" providerId="ADAL" clId="{E8319FBB-B360-4830-A840-38D7049C93AA}" dt="2022-09-14T11:52:11.568" v="2928" actId="47"/>
-          <pc:sldLayoutMkLst>
-            <pc:docMk/>
-            <pc:sldMasterMk cId="2820455644" sldId="2147483660"/>
-            <pc:sldLayoutMk cId="2646335078" sldId="2147483665"/>
-          </pc:sldLayoutMkLst>
-        </pc:sldLayoutChg>
-        <pc:sldLayoutChg chg="del">
-          <pc:chgData name="Matthias De Ryck" userId="dbd2fdaa-03e2-4ab7-a04f-963a93ef2119" providerId="ADAL" clId="{E8319FBB-B360-4830-A840-38D7049C93AA}" dt="2022-09-14T11:52:11.568" v="2928" actId="47"/>
-          <pc:sldLayoutMkLst>
-            <pc:docMk/>
-            <pc:sldMasterMk cId="2820455644" sldId="2147483660"/>
-            <pc:sldLayoutMk cId="3202867669" sldId="2147483666"/>
-          </pc:sldLayoutMkLst>
-        </pc:sldLayoutChg>
-        <pc:sldLayoutChg chg="del">
-          <pc:chgData name="Matthias De Ryck" userId="dbd2fdaa-03e2-4ab7-a04f-963a93ef2119" providerId="ADAL" clId="{E8319FBB-B360-4830-A840-38D7049C93AA}" dt="2022-09-14T11:52:11.568" v="2928" actId="47"/>
-          <pc:sldLayoutMkLst>
-            <pc:docMk/>
-            <pc:sldMasterMk cId="2820455644" sldId="2147483660"/>
-            <pc:sldLayoutMk cId="3926856818" sldId="2147483667"/>
-          </pc:sldLayoutMkLst>
-        </pc:sldLayoutChg>
-        <pc:sldLayoutChg chg="del">
-          <pc:chgData name="Matthias De Ryck" userId="dbd2fdaa-03e2-4ab7-a04f-963a93ef2119" providerId="ADAL" clId="{E8319FBB-B360-4830-A840-38D7049C93AA}" dt="2022-09-14T11:52:11.568" v="2928" actId="47"/>
-          <pc:sldLayoutMkLst>
-            <pc:docMk/>
-            <pc:sldMasterMk cId="2820455644" sldId="2147483660"/>
-            <pc:sldLayoutMk cId="2582050114" sldId="2147483668"/>
-          </pc:sldLayoutMkLst>
-        </pc:sldLayoutChg>
-        <pc:sldLayoutChg chg="del">
-          <pc:chgData name="Matthias De Ryck" userId="dbd2fdaa-03e2-4ab7-a04f-963a93ef2119" providerId="ADAL" clId="{E8319FBB-B360-4830-A840-38D7049C93AA}" dt="2022-09-14T11:52:11.568" v="2928" actId="47"/>
-          <pc:sldLayoutMkLst>
-            <pc:docMk/>
-            <pc:sldMasterMk cId="2820455644" sldId="2147483660"/>
-            <pc:sldLayoutMk cId="670711865" sldId="2147483669"/>
-          </pc:sldLayoutMkLst>
-        </pc:sldLayoutChg>
-        <pc:sldLayoutChg chg="del">
-          <pc:chgData name="Matthias De Ryck" userId="dbd2fdaa-03e2-4ab7-a04f-963a93ef2119" providerId="ADAL" clId="{E8319FBB-B360-4830-A840-38D7049C93AA}" dt="2022-09-14T11:52:11.568" v="2928" actId="47"/>
-          <pc:sldLayoutMkLst>
-            <pc:docMk/>
-            <pc:sldMasterMk cId="2820455644" sldId="2147483660"/>
-            <pc:sldLayoutMk cId="4202309847" sldId="2147483670"/>
-          </pc:sldLayoutMkLst>
-        </pc:sldLayoutChg>
-      </pc:sldMasterChg>
-    </pc:docChg>
-  </pc:docChgLst>
-  <pc:docChgLst>
-    <pc:chgData name="Jonas Lannoo" userId="b494a848-0cbe-426d-82db-f0c06b0d25da" providerId="ADAL" clId="{C4941B3E-C972-43BC-91B9-13B40A014580}"/>
-    <pc:docChg chg="undo redo custSel addSld delSld modSld sldOrd">
-      <pc:chgData name="Jonas Lannoo" userId="b494a848-0cbe-426d-82db-f0c06b0d25da" providerId="ADAL" clId="{C4941B3E-C972-43BC-91B9-13B40A014580}" dt="2024-05-07T08:53:52.449" v="1875" actId="20577"/>
-      <pc:docMkLst>
-        <pc:docMk/>
-      </pc:docMkLst>
-      <pc:sldChg chg="modSp mod">
-        <pc:chgData name="Jonas Lannoo" userId="b494a848-0cbe-426d-82db-f0c06b0d25da" providerId="ADAL" clId="{C4941B3E-C972-43BC-91B9-13B40A014580}" dt="2024-05-07T08:26:16.876" v="866" actId="20577"/>
-        <pc:sldMkLst>
-          <pc:docMk/>
-          <pc:sldMk cId="701984223" sldId="257"/>
-        </pc:sldMkLst>
-      </pc:sldChg>
-      <pc:sldChg chg="modSp mod">
-        <pc:chgData name="Jonas Lannoo" userId="b494a848-0cbe-426d-82db-f0c06b0d25da" providerId="ADAL" clId="{C4941B3E-C972-43BC-91B9-13B40A014580}" dt="2024-05-07T08:07:02.635" v="452" actId="27636"/>
-        <pc:sldMkLst>
-          <pc:docMk/>
-          <pc:sldMk cId="3689258070" sldId="258"/>
-        </pc:sldMkLst>
-      </pc:sldChg>
-      <pc:sldChg chg="del">
-        <pc:chgData name="Jonas Lannoo" userId="b494a848-0cbe-426d-82db-f0c06b0d25da" providerId="ADAL" clId="{C4941B3E-C972-43BC-91B9-13B40A014580}" dt="2024-05-07T08:07:06.221" v="453" actId="47"/>
-        <pc:sldMkLst>
-          <pc:docMk/>
-          <pc:sldMk cId="2340303385" sldId="259"/>
-        </pc:sldMkLst>
-      </pc:sldChg>
-      <pc:sldChg chg="del">
-        <pc:chgData name="Jonas Lannoo" userId="b494a848-0cbe-426d-82db-f0c06b0d25da" providerId="ADAL" clId="{C4941B3E-C972-43BC-91B9-13B40A014580}" dt="2024-05-07T08:07:29.231" v="456" actId="47"/>
-        <pc:sldMkLst>
-          <pc:docMk/>
-          <pc:sldMk cId="663993984" sldId="260"/>
-        </pc:sldMkLst>
-      </pc:sldChg>
-      <pc:sldChg chg="modSp add del mod">
-        <pc:chgData name="Jonas Lannoo" userId="b494a848-0cbe-426d-82db-f0c06b0d25da" providerId="ADAL" clId="{C4941B3E-C972-43BC-91B9-13B40A014580}" dt="2024-05-07T08:53:52.449" v="1875" actId="20577"/>
-        <pc:sldMkLst>
-          <pc:docMk/>
-          <pc:sldMk cId="2285246726" sldId="262"/>
-        </pc:sldMkLst>
-      </pc:sldChg>
-      <pc:sldChg chg="del">
-        <pc:chgData name="Jonas Lannoo" userId="b494a848-0cbe-426d-82db-f0c06b0d25da" providerId="ADAL" clId="{C4941B3E-C972-43BC-91B9-13B40A014580}" dt="2024-05-07T08:19:02.616" v="628" actId="47"/>
-        <pc:sldMkLst>
-          <pc:docMk/>
-          <pc:sldMk cId="823333162" sldId="263"/>
-        </pc:sldMkLst>
-      </pc:sldChg>
-      <pc:sldChg chg="del">
-        <pc:chgData name="Jonas Lannoo" userId="b494a848-0cbe-426d-82db-f0c06b0d25da" providerId="ADAL" clId="{C4941B3E-C972-43BC-91B9-13B40A014580}" dt="2024-05-07T08:18:57.112" v="627" actId="47"/>
-        <pc:sldMkLst>
-          <pc:docMk/>
-          <pc:sldMk cId="1356561651" sldId="264"/>
-        </pc:sldMkLst>
-      </pc:sldChg>
-      <pc:sldChg chg="modSp mod">
-        <pc:chgData name="Jonas Lannoo" userId="b494a848-0cbe-426d-82db-f0c06b0d25da" providerId="ADAL" clId="{C4941B3E-C972-43BC-91B9-13B40A014580}" dt="2024-05-07T07:53:06.840" v="82" actId="20577"/>
-        <pc:sldMkLst>
-          <pc:docMk/>
-          <pc:sldMk cId="4219707684" sldId="268"/>
-        </pc:sldMkLst>
-      </pc:sldChg>
-      <pc:sldChg chg="del">
-        <pc:chgData name="Jonas Lannoo" userId="b494a848-0cbe-426d-82db-f0c06b0d25da" providerId="ADAL" clId="{C4941B3E-C972-43BC-91B9-13B40A014580}" dt="2024-05-07T08:07:26.430" v="454" actId="47"/>
-        <pc:sldMkLst>
-          <pc:docMk/>
-          <pc:sldMk cId="316297392" sldId="271"/>
-        </pc:sldMkLst>
-      </pc:sldChg>
-      <pc:sldChg chg="modSp del mod">
-        <pc:chgData name="Jonas Lannoo" userId="b494a848-0cbe-426d-82db-f0c06b0d25da" providerId="ADAL" clId="{C4941B3E-C972-43BC-91B9-13B40A014580}" dt="2024-05-07T08:18:26.024" v="619" actId="47"/>
-        <pc:sldMkLst>
-          <pc:docMk/>
-          <pc:sldMk cId="1053869711" sldId="273"/>
-        </pc:sldMkLst>
-      </pc:sldChg>
-      <pc:sldChg chg="del">
-        <pc:chgData name="Jonas Lannoo" userId="b494a848-0cbe-426d-82db-f0c06b0d25da" providerId="ADAL" clId="{C4941B3E-C972-43BC-91B9-13B40A014580}" dt="2024-05-07T08:07:28.087" v="455" actId="47"/>
-        <pc:sldMkLst>
-          <pc:docMk/>
-          <pc:sldMk cId="335327928" sldId="274"/>
-        </pc:sldMkLst>
-      </pc:sldChg>
-      <pc:sldChg chg="modSp mod">
-        <pc:chgData name="Jonas Lannoo" userId="b494a848-0cbe-426d-82db-f0c06b0d25da" providerId="ADAL" clId="{C4941B3E-C972-43BC-91B9-13B40A014580}" dt="2024-05-07T08:22:28.697" v="780" actId="20577"/>
-        <pc:sldMkLst>
-          <pc:docMk/>
-          <pc:sldMk cId="348779335" sldId="275"/>
-        </pc:sldMkLst>
-      </pc:sldChg>
-      <pc:sldChg chg="modSp mod ord">
-        <pc:chgData name="Jonas Lannoo" userId="b494a848-0cbe-426d-82db-f0c06b0d25da" providerId="ADAL" clId="{C4941B3E-C972-43BC-91B9-13B40A014580}" dt="2024-05-07T08:22:53.028" v="787" actId="6549"/>
-        <pc:sldMkLst>
-          <pc:docMk/>
-          <pc:sldMk cId="2140520046" sldId="276"/>
-        </pc:sldMkLst>
-      </pc:sldChg>
-      <pc:sldChg chg="del">
-        <pc:chgData name="Jonas Lannoo" userId="b494a848-0cbe-426d-82db-f0c06b0d25da" providerId="ADAL" clId="{C4941B3E-C972-43BC-91B9-13B40A014580}" dt="2024-05-07T08:18:27.315" v="620" actId="47"/>
-        <pc:sldMkLst>
-          <pc:docMk/>
-          <pc:sldMk cId="2490205241" sldId="278"/>
-        </pc:sldMkLst>
-      </pc:sldChg>
-      <pc:sldChg chg="modSp mod">
-        <pc:chgData name="Jonas Lannoo" userId="b494a848-0cbe-426d-82db-f0c06b0d25da" providerId="ADAL" clId="{C4941B3E-C972-43BC-91B9-13B40A014580}" dt="2024-05-07T08:30:08.709" v="1017" actId="20577"/>
-        <pc:sldMkLst>
-          <pc:docMk/>
-          <pc:sldMk cId="584543639" sldId="279"/>
-        </pc:sldMkLst>
-      </pc:sldChg>
-      <pc:sldChg chg="del">
-        <pc:chgData name="Jonas Lannoo" userId="b494a848-0cbe-426d-82db-f0c06b0d25da" providerId="ADAL" clId="{C4941B3E-C972-43BC-91B9-13B40A014580}" dt="2024-05-07T08:20:41.622" v="656" actId="47"/>
-        <pc:sldMkLst>
-          <pc:docMk/>
-          <pc:sldMk cId="3646322024" sldId="281"/>
-        </pc:sldMkLst>
-      </pc:sldChg>
-      <pc:sldChg chg="del">
-        <pc:chgData name="Jonas Lannoo" userId="b494a848-0cbe-426d-82db-f0c06b0d25da" providerId="ADAL" clId="{C4941B3E-C972-43BC-91B9-13B40A014580}" dt="2024-05-07T08:18:47.874" v="624" actId="47"/>
-        <pc:sldMkLst>
-          <pc:docMk/>
-          <pc:sldMk cId="1848400503" sldId="282"/>
-        </pc:sldMkLst>
-      </pc:sldChg>
-      <pc:sldChg chg="del">
-        <pc:chgData name="Jonas Lannoo" userId="b494a848-0cbe-426d-82db-f0c06b0d25da" providerId="ADAL" clId="{C4941B3E-C972-43BC-91B9-13B40A014580}" dt="2024-05-07T08:18:46.457" v="623" actId="47"/>
-        <pc:sldMkLst>
-          <pc:docMk/>
-          <pc:sldMk cId="865258742" sldId="283"/>
-        </pc:sldMkLst>
-      </pc:sldChg>
-      <pc:sldChg chg="del">
-        <pc:chgData name="Jonas Lannoo" userId="b494a848-0cbe-426d-82db-f0c06b0d25da" providerId="ADAL" clId="{C4941B3E-C972-43BC-91B9-13B40A014580}" dt="2024-05-07T07:54:40.667" v="84" actId="47"/>
-        <pc:sldMkLst>
-          <pc:docMk/>
-          <pc:sldMk cId="2504399623" sldId="284"/>
-        </pc:sldMkLst>
-      </pc:sldChg>
-      <pc:sldChg chg="del">
-        <pc:chgData name="Jonas Lannoo" userId="b494a848-0cbe-426d-82db-f0c06b0d25da" providerId="ADAL" clId="{C4941B3E-C972-43BC-91B9-13B40A014580}" dt="2024-05-07T07:54:41.378" v="85" actId="47"/>
-        <pc:sldMkLst>
-          <pc:docMk/>
-          <pc:sldMk cId="3354553404" sldId="285"/>
-        </pc:sldMkLst>
-      </pc:sldChg>
-      <pc:sldChg chg="del">
-        <pc:chgData name="Jonas Lannoo" userId="b494a848-0cbe-426d-82db-f0c06b0d25da" providerId="ADAL" clId="{C4941B3E-C972-43BC-91B9-13B40A014580}" dt="2024-05-07T07:54:41.930" v="86" actId="47"/>
-        <pc:sldMkLst>
-          <pc:docMk/>
-          <pc:sldMk cId="1640376180" sldId="286"/>
-        </pc:sldMkLst>
-      </pc:sldChg>
-      <pc:sldChg chg="del">
-        <pc:chgData name="Jonas Lannoo" userId="b494a848-0cbe-426d-82db-f0c06b0d25da" providerId="ADAL" clId="{C4941B3E-C972-43BC-91B9-13B40A014580}" dt="2024-05-07T07:54:40.003" v="83" actId="47"/>
-        <pc:sldMkLst>
-          <pc:docMk/>
-          <pc:sldMk cId="3156387275" sldId="287"/>
-        </pc:sldMkLst>
-      </pc:sldChg>
-      <pc:sldChg chg="del">
-        <pc:chgData name="Jonas Lannoo" userId="b494a848-0cbe-426d-82db-f0c06b0d25da" providerId="ADAL" clId="{C4941B3E-C972-43BC-91B9-13B40A014580}" dt="2024-05-07T07:54:42.488" v="87" actId="47"/>
-        <pc:sldMkLst>
-          <pc:docMk/>
-          <pc:sldMk cId="3372689143" sldId="288"/>
-        </pc:sldMkLst>
-      </pc:sldChg>
-      <pc:sldChg chg="del">
-        <pc:chgData name="Jonas Lannoo" userId="b494a848-0cbe-426d-82db-f0c06b0d25da" providerId="ADAL" clId="{C4941B3E-C972-43BC-91B9-13B40A014580}" dt="2024-05-07T08:18:52.177" v="626" actId="47"/>
-        <pc:sldMkLst>
-          <pc:docMk/>
-          <pc:sldMk cId="3419238708" sldId="290"/>
-        </pc:sldMkLst>
-      </pc:sldChg>
-      <pc:sldChg chg="del">
-        <pc:chgData name="Jonas Lannoo" userId="b494a848-0cbe-426d-82db-f0c06b0d25da" providerId="ADAL" clId="{C4941B3E-C972-43BC-91B9-13B40A014580}" dt="2024-05-07T08:18:50.641" v="625" actId="47"/>
-        <pc:sldMkLst>
-          <pc:docMk/>
-          <pc:sldMk cId="4086276467" sldId="291"/>
-        </pc:sldMkLst>
-      </pc:sldChg>
-      <pc:sldChg chg="ord">
-        <pc:chgData name="Jonas Lannoo" userId="b494a848-0cbe-426d-82db-f0c06b0d25da" providerId="ADAL" clId="{C4941B3E-C972-43BC-91B9-13B40A014580}" dt="2024-05-07T08:18:44.080" v="622"/>
-        <pc:sldMkLst>
-          <pc:docMk/>
-          <pc:sldMk cId="2226251994" sldId="292"/>
-        </pc:sldMkLst>
-      </pc:sldChg>
-      <pc:sldChg chg="del">
-        <pc:chgData name="Jonas Lannoo" userId="b494a848-0cbe-426d-82db-f0c06b0d25da" providerId="ADAL" clId="{C4941B3E-C972-43BC-91B9-13B40A014580}" dt="2024-05-07T08:07:30.015" v="457" actId="47"/>
-        <pc:sldMkLst>
-          <pc:docMk/>
-          <pc:sldMk cId="388844441" sldId="293"/>
-        </pc:sldMkLst>
-      </pc:sldChg>
-      <pc:sldChg chg="new del">
-        <pc:chgData name="Jonas Lannoo" userId="b494a848-0cbe-426d-82db-f0c06b0d25da" providerId="ADAL" clId="{C4941B3E-C972-43BC-91B9-13B40A014580}" dt="2024-05-07T08:07:38.413" v="462" actId="680"/>
-        <pc:sldMkLst>
-          <pc:docMk/>
-          <pc:sldMk cId="1314353320" sldId="293"/>
-        </pc:sldMkLst>
-      </pc:sldChg>
-      <pc:sldChg chg="add">
-        <pc:chgData name="Jonas Lannoo" userId="b494a848-0cbe-426d-82db-f0c06b0d25da" providerId="ADAL" clId="{C4941B3E-C972-43BC-91B9-13B40A014580}" dt="2024-05-07T08:20:40.083" v="655"/>
-        <pc:sldMkLst>
-          <pc:docMk/>
-          <pc:sldMk cId="3685884622" sldId="293"/>
-        </pc:sldMkLst>
-      </pc:sldChg>
-      <pc:sldChg chg="del">
-        <pc:chgData name="Jonas Lannoo" userId="b494a848-0cbe-426d-82db-f0c06b0d25da" providerId="ADAL" clId="{C4941B3E-C972-43BC-91B9-13B40A014580}" dt="2024-05-07T08:07:30.648" v="458" actId="47"/>
-        <pc:sldMkLst>
-          <pc:docMk/>
-          <pc:sldMk cId="1449851617" sldId="294"/>
-        </pc:sldMkLst>
-      </pc:sldChg>
-      <pc:sldChg chg="modSp new mod">
-        <pc:chgData name="Jonas Lannoo" userId="b494a848-0cbe-426d-82db-f0c06b0d25da" providerId="ADAL" clId="{C4941B3E-C972-43BC-91B9-13B40A014580}" dt="2024-05-07T08:21:25.741" v="707" actId="20577"/>
-        <pc:sldMkLst>
-          <pc:docMk/>
-          <pc:sldMk cId="2497583591" sldId="294"/>
-        </pc:sldMkLst>
-      </pc:sldChg>
-      <pc:sldChg chg="modSp new mod">
-        <pc:chgData name="Jonas Lannoo" userId="b494a848-0cbe-426d-82db-f0c06b0d25da" providerId="ADAL" clId="{C4941B3E-C972-43BC-91B9-13B40A014580}" dt="2024-05-07T08:25:13.502" v="827" actId="20577"/>
-        <pc:sldMkLst>
-          <pc:docMk/>
-          <pc:sldMk cId="1031626746" sldId="295"/>
-        </pc:sldMkLst>
-      </pc:sldChg>
-      <pc:sldChg chg="del">
-        <pc:chgData name="Jonas Lannoo" userId="b494a848-0cbe-426d-82db-f0c06b0d25da" providerId="ADAL" clId="{C4941B3E-C972-43BC-91B9-13B40A014580}" dt="2024-05-07T08:07:31.060" v="459" actId="47"/>
-        <pc:sldMkLst>
-          <pc:docMk/>
-          <pc:sldMk cId="1058497470" sldId="295"/>
-        </pc:sldMkLst>
-      </pc:sldChg>
-      <pc:sldChg chg="modSp add mod ord">
-        <pc:chgData name="Jonas Lannoo" userId="b494a848-0cbe-426d-82db-f0c06b0d25da" providerId="ADAL" clId="{C4941B3E-C972-43BC-91B9-13B40A014580}" dt="2024-05-07T08:21:54.427" v="752"/>
-        <pc:sldMkLst>
-          <pc:docMk/>
-          <pc:sldMk cId="2348156456" sldId="296"/>
-        </pc:sldMkLst>
-      </pc:sldChg>
-      <pc:sldChg chg="modSp add mod">
-        <pc:chgData name="Jonas Lannoo" userId="b494a848-0cbe-426d-82db-f0c06b0d25da" providerId="ADAL" clId="{C4941B3E-C972-43BC-91B9-13B40A014580}" dt="2024-05-07T08:22:09.154" v="776" actId="20577"/>
-        <pc:sldMkLst>
-          <pc:docMk/>
-          <pc:sldMk cId="194528435" sldId="297"/>
-        </pc:sldMkLst>
-      </pc:sldChg>
-      <pc:sldChg chg="modSp add mod">
-        <pc:chgData name="Jonas Lannoo" userId="b494a848-0cbe-426d-82db-f0c06b0d25da" providerId="ADAL" clId="{C4941B3E-C972-43BC-91B9-13B40A014580}" dt="2024-05-07T08:25:27.691" v="850" actId="20577"/>
-        <pc:sldMkLst>
-          <pc:docMk/>
-          <pc:sldMk cId="2982944841" sldId="298"/>
-        </pc:sldMkLst>
-      </pc:sldChg>
-      <pc:sldChg chg="new">
-        <pc:chgData name="Jonas Lannoo" userId="b494a848-0cbe-426d-82db-f0c06b0d25da" providerId="ADAL" clId="{C4941B3E-C972-43BC-91B9-13B40A014580}" dt="2024-05-07T08:25:43.506" v="851" actId="680"/>
-        <pc:sldMkLst>
-          <pc:docMk/>
-          <pc:sldMk cId="344287150" sldId="299"/>
-        </pc:sldMkLst>
-      </pc:sldChg>
-      <pc:sldChg chg="modSp new mod">
-        <pc:chgData name="Jonas Lannoo" userId="b494a848-0cbe-426d-82db-f0c06b0d25da" providerId="ADAL" clId="{C4941B3E-C972-43BC-91B9-13B40A014580}" dt="2024-05-07T08:30:57.850" v="1050" actId="20577"/>
-        <pc:sldMkLst>
-          <pc:docMk/>
-          <pc:sldMk cId="2466982919" sldId="300"/>
-        </pc:sldMkLst>
-      </pc:sldChg>
-      <pc:sldChg chg="modSp new mod">
-        <pc:chgData name="Jonas Lannoo" userId="b494a848-0cbe-426d-82db-f0c06b0d25da" providerId="ADAL" clId="{C4941B3E-C972-43BC-91B9-13B40A014580}" dt="2024-05-07T08:43:46.289" v="1851" actId="20577"/>
-        <pc:sldMkLst>
-          <pc:docMk/>
-          <pc:sldMk cId="2793015207" sldId="301"/>
-        </pc:sldMkLst>
-      </pc:sldChg>
-    </pc:docChg>
-  </pc:docChgLst>
-  <pc:docChgLst>
-    <pc:chgData name="Alexander D'hoore" userId="S::alexander.dhoore_vives.be#ext#@kuleuven.onmicrosoft.com::7b68939d-9ec0-4921-8984-8d0d4b16a3e5" providerId="AD" clId="Web-{BDA0403A-D758-47CA-BEFE-2A2C50036FBA}"/>
-    <pc:docChg chg="modSld">
-      <pc:chgData name="Alexander D'hoore" userId="S::alexander.dhoore_vives.be#ext#@kuleuven.onmicrosoft.com::7b68939d-9ec0-4921-8984-8d0d4b16a3e5" providerId="AD" clId="Web-{BDA0403A-D758-47CA-BEFE-2A2C50036FBA}" dt="2023-11-22T20:46:50.597" v="832" actId="20577"/>
-      <pc:docMkLst>
-        <pc:docMk/>
-      </pc:docMkLst>
-      <pc:sldChg chg="modSp">
-        <pc:chgData name="Alexander D'hoore" userId="S::alexander.dhoore_vives.be#ext#@kuleuven.onmicrosoft.com::7b68939d-9ec0-4921-8984-8d0d4b16a3e5" providerId="AD" clId="Web-{BDA0403A-D758-47CA-BEFE-2A2C50036FBA}" dt="2023-11-22T19:45:11.656" v="443" actId="20577"/>
-        <pc:sldMkLst>
-          <pc:docMk/>
-          <pc:sldMk cId="3689258070" sldId="258"/>
-        </pc:sldMkLst>
-      </pc:sldChg>
-      <pc:sldChg chg="modSp">
-        <pc:chgData name="Alexander D'hoore" userId="S::alexander.dhoore_vives.be#ext#@kuleuven.onmicrosoft.com::7b68939d-9ec0-4921-8984-8d0d4b16a3e5" providerId="AD" clId="Web-{BDA0403A-D758-47CA-BEFE-2A2C50036FBA}" dt="2023-11-22T19:46:56.674" v="452" actId="1076"/>
-        <pc:sldMkLst>
-          <pc:docMk/>
-          <pc:sldMk cId="823333162" sldId="263"/>
-        </pc:sldMkLst>
-      </pc:sldChg>
-      <pc:sldChg chg="modSp">
-        <pc:chgData name="Alexander D'hoore" userId="S::alexander.dhoore_vives.be#ext#@kuleuven.onmicrosoft.com::7b68939d-9ec0-4921-8984-8d0d4b16a3e5" providerId="AD" clId="Web-{BDA0403A-D758-47CA-BEFE-2A2C50036FBA}" dt="2023-11-22T19:44:13.217" v="426" actId="20577"/>
-        <pc:sldMkLst>
-          <pc:docMk/>
-          <pc:sldMk cId="2140520046" sldId="276"/>
-        </pc:sldMkLst>
-      </pc:sldChg>
-      <pc:sldChg chg="addSp delSp modSp">
-        <pc:chgData name="Alexander D'hoore" userId="S::alexander.dhoore_vives.be#ext#@kuleuven.onmicrosoft.com::7b68939d-9ec0-4921-8984-8d0d4b16a3e5" providerId="AD" clId="Web-{BDA0403A-D758-47CA-BEFE-2A2C50036FBA}" dt="2023-11-22T20:46:50.597" v="832" actId="20577"/>
-        <pc:sldMkLst>
-          <pc:docMk/>
-          <pc:sldMk cId="3419238708" sldId="290"/>
-        </pc:sldMkLst>
-      </pc:sldChg>
-      <pc:sldChg chg="addSp modSp">
-        <pc:chgData name="Alexander D'hoore" userId="S::alexander.dhoore_vives.be#ext#@kuleuven.onmicrosoft.com::7b68939d-9ec0-4921-8984-8d0d4b16a3e5" providerId="AD" clId="Web-{BDA0403A-D758-47CA-BEFE-2A2C50036FBA}" dt="2023-11-22T20:39:13.151" v="795" actId="20577"/>
-        <pc:sldMkLst>
-          <pc:docMk/>
-          <pc:sldMk cId="4086276467" sldId="291"/>
-        </pc:sldMkLst>
-      </pc:sldChg>
-      <pc:sldChg chg="modSp">
-        <pc:chgData name="Alexander D'hoore" userId="S::alexander.dhoore_vives.be#ext#@kuleuven.onmicrosoft.com::7b68939d-9ec0-4921-8984-8d0d4b16a3e5" providerId="AD" clId="Web-{BDA0403A-D758-47CA-BEFE-2A2C50036FBA}" dt="2023-11-22T19:54:32.700" v="478" actId="20577"/>
-        <pc:sldMkLst>
-          <pc:docMk/>
-          <pc:sldMk cId="2226251994" sldId="292"/>
-        </pc:sldMkLst>
-      </pc:sldChg>
-      <pc:sldChg chg="addSp delSp modSp">
-        <pc:chgData name="Alexander D'hoore" userId="S::alexander.dhoore_vives.be#ext#@kuleuven.onmicrosoft.com::7b68939d-9ec0-4921-8984-8d0d4b16a3e5" providerId="AD" clId="Web-{BDA0403A-D758-47CA-BEFE-2A2C50036FBA}" dt="2023-11-22T19:45:54.501" v="451" actId="20577"/>
-        <pc:sldMkLst>
-          <pc:docMk/>
-          <pc:sldMk cId="1449851617" sldId="294"/>
-        </pc:sldMkLst>
-      </pc:sldChg>
-      <pc:sldChg chg="modSp">
-        <pc:chgData name="Alexander D'hoore" userId="S::alexander.dhoore_vives.be#ext#@kuleuven.onmicrosoft.com::7b68939d-9ec0-4921-8984-8d0d4b16a3e5" providerId="AD" clId="Web-{BDA0403A-D758-47CA-BEFE-2A2C50036FBA}" dt="2023-11-22T19:45:10.203" v="438" actId="20577"/>
-        <pc:sldMkLst>
-          <pc:docMk/>
-          <pc:sldMk cId="1058497470" sldId="295"/>
-        </pc:sldMkLst>
-      </pc:sldChg>
-    </pc:docChg>
-  </pc:docChgLst>
-  <pc:docChgLst>
-    <pc:chgData name="Lara Luys" userId="S::lara.luys@kuleuven.be::43fc1cb8-097a-46ef-9f63-bb4c9c2b6365" providerId="AD" clId="Web-{963CD039-869A-43C5-A8DE-4A5B1D01D2B8}"/>
-    <pc:docChg chg="modSld sldOrd">
-      <pc:chgData name="Lara Luys" userId="S::lara.luys@kuleuven.be::43fc1cb8-097a-46ef-9f63-bb4c9c2b6365" providerId="AD" clId="Web-{963CD039-869A-43C5-A8DE-4A5B1D01D2B8}" dt="2023-11-22T12:51:18.498" v="49"/>
-      <pc:docMkLst>
-        <pc:docMk/>
-      </pc:docMkLst>
-      <pc:sldChg chg="modSp">
-        <pc:chgData name="Lara Luys" userId="S::lara.luys@kuleuven.be::43fc1cb8-097a-46ef-9f63-bb4c9c2b6365" providerId="AD" clId="Web-{963CD039-869A-43C5-A8DE-4A5B1D01D2B8}" dt="2023-11-22T12:35:23.307" v="0" actId="1076"/>
-        <pc:sldMkLst>
-          <pc:docMk/>
-          <pc:sldMk cId="701984223" sldId="257"/>
-        </pc:sldMkLst>
-      </pc:sldChg>
-      <pc:sldChg chg="ord">
-        <pc:chgData name="Lara Luys" userId="S::lara.luys@kuleuven.be::43fc1cb8-097a-46ef-9f63-bb4c9c2b6365" providerId="AD" clId="Web-{963CD039-869A-43C5-A8DE-4A5B1D01D2B8}" dt="2023-11-22T12:51:18.498" v="49"/>
-        <pc:sldMkLst>
-          <pc:docMk/>
-          <pc:sldMk cId="823333162" sldId="263"/>
-        </pc:sldMkLst>
-      </pc:sldChg>
-      <pc:sldChg chg="ord">
-        <pc:chgData name="Lara Luys" userId="S::lara.luys@kuleuven.be::43fc1cb8-097a-46ef-9f63-bb4c9c2b6365" providerId="AD" clId="Web-{963CD039-869A-43C5-A8DE-4A5B1D01D2B8}" dt="2023-11-22T12:51:06.045" v="48"/>
-        <pc:sldMkLst>
-          <pc:docMk/>
-          <pc:sldMk cId="1356561651" sldId="264"/>
-        </pc:sldMkLst>
-      </pc:sldChg>
-      <pc:sldChg chg="modSp">
-        <pc:chgData name="Lara Luys" userId="S::lara.luys@kuleuven.be::43fc1cb8-097a-46ef-9f63-bb4c9c2b6365" providerId="AD" clId="Web-{963CD039-869A-43C5-A8DE-4A5B1D01D2B8}" dt="2023-11-22T12:49:59.136" v="47" actId="20577"/>
-        <pc:sldMkLst>
-          <pc:docMk/>
-          <pc:sldMk cId="865258742" sldId="283"/>
+        <pc:chgData name="Alexander D'hoore" userId="1e5b90a3-18e7-4451-ac53-847831bd2a02" providerId="ADAL" clId="{A0FC4194-28C3-418D-963B-253EE4EADB2F}" dt="2024-05-07T11:39:13.655" v="857" actId="20577"/>
+        <pc:sldMkLst>
+          <pc:docMk/>
+          <pc:sldMk cId="1794185935" sldId="302"/>
         </pc:sldMkLst>
       </pc:sldChg>
     </pc:docChg>
@@ -1856,6 +844,22 @@
     </pc:docChg>
   </pc:docChgLst>
   <pc:docChgLst>
+    <pc:chgData name="Alexander D'hoore" userId="S::alexander.dhoore_vives.be#ext#@kuleuven.onmicrosoft.com::7b68939d-9ec0-4921-8984-8d0d4b16a3e5" providerId="AD" clId="Web-{FD5E4177-46E3-182D-AE17-FC62E4FFAE73}"/>
+    <pc:docChg chg="modSld">
+      <pc:chgData name="Alexander D'hoore" userId="S::alexander.dhoore_vives.be#ext#@kuleuven.onmicrosoft.com::7b68939d-9ec0-4921-8984-8d0d4b16a3e5" providerId="AD" clId="Web-{FD5E4177-46E3-182D-AE17-FC62E4FFAE73}" dt="2023-11-22T20:53:32.851" v="32" actId="20577"/>
+      <pc:docMkLst>
+        <pc:docMk/>
+      </pc:docMkLst>
+      <pc:sldChg chg="modSp">
+        <pc:chgData name="Alexander D'hoore" userId="S::alexander.dhoore_vives.be#ext#@kuleuven.onmicrosoft.com::7b68939d-9ec0-4921-8984-8d0d4b16a3e5" providerId="AD" clId="Web-{FD5E4177-46E3-182D-AE17-FC62E4FFAE73}" dt="2023-11-22T20:53:32.851" v="32" actId="20577"/>
+        <pc:sldMkLst>
+          <pc:docMk/>
+          <pc:sldMk cId="1449851617" sldId="294"/>
+        </pc:sldMkLst>
+      </pc:sldChg>
+    </pc:docChg>
+  </pc:docChgLst>
+  <pc:docChgLst>
     <pc:chgData name="Jonas Lannoo" userId="S::jonas.lannoo@kuleuven.be::b494a848-0cbe-426d-82db-f0c06b0d25da" providerId="AD" clId="Web-{D5CB8A10-2C71-4367-99FD-8D2E0C35892E}"/>
     <pc:docChg chg="modSld">
       <pc:chgData name="Jonas Lannoo" userId="S::jonas.lannoo@kuleuven.be::b494a848-0cbe-426d-82db-f0c06b0d25da" providerId="AD" clId="Web-{D5CB8A10-2C71-4367-99FD-8D2E0C35892E}" dt="2023-11-22T14:49:38.463" v="18" actId="14100"/>
@@ -1879,89 +883,392 @@
     </pc:docChg>
   </pc:docChgLst>
   <pc:docChgLst>
-    <pc:chgData name="Alexander D'hoore" userId="1e5b90a3-18e7-4451-ac53-847831bd2a02" providerId="ADAL" clId="{A0FC4194-28C3-418D-963B-253EE4EADB2F}"/>
-    <pc:docChg chg="undo redo custSel addSld modSld">
-      <pc:chgData name="Alexander D'hoore" userId="1e5b90a3-18e7-4451-ac53-847831bd2a02" providerId="ADAL" clId="{A0FC4194-28C3-418D-963B-253EE4EADB2F}" dt="2024-05-07T14:06:10.277" v="1083" actId="20577"/>
+    <pc:chgData name="Jonas Lannoo" userId="S::jonas.lannoo@kuleuven.be::b494a848-0cbe-426d-82db-f0c06b0d25da" providerId="AD" clId="Web-{FC69FBA3-8444-45C6-B661-3B64B20AD8BF}"/>
+    <pc:docChg chg="modSld">
+      <pc:chgData name="Jonas Lannoo" userId="S::jonas.lannoo@kuleuven.be::b494a848-0cbe-426d-82db-f0c06b0d25da" providerId="AD" clId="Web-{FC69FBA3-8444-45C6-B661-3B64B20AD8BF}" dt="2023-11-20T08:03:47.984" v="13" actId="20577"/>
+      <pc:docMkLst>
+        <pc:docMk/>
+      </pc:docMkLst>
+      <pc:sldChg chg="modSp">
+        <pc:chgData name="Jonas Lannoo" userId="S::jonas.lannoo@kuleuven.be::b494a848-0cbe-426d-82db-f0c06b0d25da" providerId="AD" clId="Web-{FC69FBA3-8444-45C6-B661-3B64B20AD8BF}" dt="2023-11-20T08:03:47.984" v="13" actId="20577"/>
+        <pc:sldMkLst>
+          <pc:docMk/>
+          <pc:sldMk cId="701984223" sldId="257"/>
+        </pc:sldMkLst>
+      </pc:sldChg>
+      <pc:sldChg chg="modSp">
+        <pc:chgData name="Jonas Lannoo" userId="S::jonas.lannoo@kuleuven.be::b494a848-0cbe-426d-82db-f0c06b0d25da" providerId="AD" clId="Web-{FC69FBA3-8444-45C6-B661-3B64B20AD8BF}" dt="2023-11-20T08:03:04.732" v="2" actId="14100"/>
+        <pc:sldMkLst>
+          <pc:docMk/>
+          <pc:sldMk cId="4219707684" sldId="268"/>
+        </pc:sldMkLst>
+      </pc:sldChg>
+    </pc:docChg>
+  </pc:docChgLst>
+  <pc:docChgLst>
+    <pc:chgData name="Jonas Lannoo" userId="b494a848-0cbe-426d-82db-f0c06b0d25da" providerId="ADAL" clId="{C4941B3E-C972-43BC-91B9-13B40A014580}"/>
+    <pc:docChg chg="undo redo custSel addSld delSld modSld sldOrd">
+      <pc:chgData name="Jonas Lannoo" userId="b494a848-0cbe-426d-82db-f0c06b0d25da" providerId="ADAL" clId="{C4941B3E-C972-43BC-91B9-13B40A014580}" dt="2024-05-07T08:53:52.449" v="1875" actId="20577"/>
       <pc:docMkLst>
         <pc:docMk/>
       </pc:docMkLst>
       <pc:sldChg chg="modSp mod">
-        <pc:chgData name="Alexander D'hoore" userId="1e5b90a3-18e7-4451-ac53-847831bd2a02" providerId="ADAL" clId="{A0FC4194-28C3-418D-963B-253EE4EADB2F}" dt="2024-05-07T11:15:36.948" v="21" actId="20577"/>
+        <pc:chgData name="Jonas Lannoo" userId="b494a848-0cbe-426d-82db-f0c06b0d25da" providerId="ADAL" clId="{C4941B3E-C972-43BC-91B9-13B40A014580}" dt="2024-05-07T08:26:16.876" v="866" actId="20577"/>
         <pc:sldMkLst>
           <pc:docMk/>
           <pc:sldMk cId="701984223" sldId="257"/>
         </pc:sldMkLst>
       </pc:sldChg>
       <pc:sldChg chg="modSp mod">
-        <pc:chgData name="Alexander D'hoore" userId="1e5b90a3-18e7-4451-ac53-847831bd2a02" providerId="ADAL" clId="{A0FC4194-28C3-418D-963B-253EE4EADB2F}" dt="2024-05-07T14:06:10.277" v="1083" actId="20577"/>
+        <pc:chgData name="Jonas Lannoo" userId="b494a848-0cbe-426d-82db-f0c06b0d25da" providerId="ADAL" clId="{C4941B3E-C972-43BC-91B9-13B40A014580}" dt="2024-05-07T08:07:02.635" v="452" actId="27636"/>
+        <pc:sldMkLst>
+          <pc:docMk/>
+          <pc:sldMk cId="3689258070" sldId="258"/>
+        </pc:sldMkLst>
+      </pc:sldChg>
+      <pc:sldChg chg="del">
+        <pc:chgData name="Jonas Lannoo" userId="b494a848-0cbe-426d-82db-f0c06b0d25da" providerId="ADAL" clId="{C4941B3E-C972-43BC-91B9-13B40A014580}" dt="2024-05-07T08:07:06.221" v="453" actId="47"/>
+        <pc:sldMkLst>
+          <pc:docMk/>
+          <pc:sldMk cId="2340303385" sldId="259"/>
+        </pc:sldMkLst>
+      </pc:sldChg>
+      <pc:sldChg chg="del">
+        <pc:chgData name="Jonas Lannoo" userId="b494a848-0cbe-426d-82db-f0c06b0d25da" providerId="ADAL" clId="{C4941B3E-C972-43BC-91B9-13B40A014580}" dt="2024-05-07T08:07:29.231" v="456" actId="47"/>
+        <pc:sldMkLst>
+          <pc:docMk/>
+          <pc:sldMk cId="663993984" sldId="260"/>
+        </pc:sldMkLst>
+      </pc:sldChg>
+      <pc:sldChg chg="modSp add del mod">
+        <pc:chgData name="Jonas Lannoo" userId="b494a848-0cbe-426d-82db-f0c06b0d25da" providerId="ADAL" clId="{C4941B3E-C972-43BC-91B9-13B40A014580}" dt="2024-05-07T08:53:52.449" v="1875" actId="20577"/>
+        <pc:sldMkLst>
+          <pc:docMk/>
+          <pc:sldMk cId="2285246726" sldId="262"/>
+        </pc:sldMkLst>
+      </pc:sldChg>
+      <pc:sldChg chg="del">
+        <pc:chgData name="Jonas Lannoo" userId="b494a848-0cbe-426d-82db-f0c06b0d25da" providerId="ADAL" clId="{C4941B3E-C972-43BC-91B9-13B40A014580}" dt="2024-05-07T08:19:02.616" v="628" actId="47"/>
+        <pc:sldMkLst>
+          <pc:docMk/>
+          <pc:sldMk cId="823333162" sldId="263"/>
+        </pc:sldMkLst>
+      </pc:sldChg>
+      <pc:sldChg chg="del">
+        <pc:chgData name="Jonas Lannoo" userId="b494a848-0cbe-426d-82db-f0c06b0d25da" providerId="ADAL" clId="{C4941B3E-C972-43BC-91B9-13B40A014580}" dt="2024-05-07T08:18:57.112" v="627" actId="47"/>
+        <pc:sldMkLst>
+          <pc:docMk/>
+          <pc:sldMk cId="1356561651" sldId="264"/>
+        </pc:sldMkLst>
+      </pc:sldChg>
+      <pc:sldChg chg="modSp mod">
+        <pc:chgData name="Jonas Lannoo" userId="b494a848-0cbe-426d-82db-f0c06b0d25da" providerId="ADAL" clId="{C4941B3E-C972-43BC-91B9-13B40A014580}" dt="2024-05-07T07:53:06.840" v="82" actId="20577"/>
+        <pc:sldMkLst>
+          <pc:docMk/>
+          <pc:sldMk cId="4219707684" sldId="268"/>
+        </pc:sldMkLst>
+      </pc:sldChg>
+      <pc:sldChg chg="del">
+        <pc:chgData name="Jonas Lannoo" userId="b494a848-0cbe-426d-82db-f0c06b0d25da" providerId="ADAL" clId="{C4941B3E-C972-43BC-91B9-13B40A014580}" dt="2024-05-07T08:07:26.430" v="454" actId="47"/>
+        <pc:sldMkLst>
+          <pc:docMk/>
+          <pc:sldMk cId="316297392" sldId="271"/>
+        </pc:sldMkLst>
+      </pc:sldChg>
+      <pc:sldChg chg="modSp del mod">
+        <pc:chgData name="Jonas Lannoo" userId="b494a848-0cbe-426d-82db-f0c06b0d25da" providerId="ADAL" clId="{C4941B3E-C972-43BC-91B9-13B40A014580}" dt="2024-05-07T08:18:26.024" v="619" actId="47"/>
+        <pc:sldMkLst>
+          <pc:docMk/>
+          <pc:sldMk cId="1053869711" sldId="273"/>
+        </pc:sldMkLst>
+      </pc:sldChg>
+      <pc:sldChg chg="del">
+        <pc:chgData name="Jonas Lannoo" userId="b494a848-0cbe-426d-82db-f0c06b0d25da" providerId="ADAL" clId="{C4941B3E-C972-43BC-91B9-13B40A014580}" dt="2024-05-07T08:07:28.087" v="455" actId="47"/>
+        <pc:sldMkLst>
+          <pc:docMk/>
+          <pc:sldMk cId="335327928" sldId="274"/>
+        </pc:sldMkLst>
+      </pc:sldChg>
+      <pc:sldChg chg="modSp mod">
+        <pc:chgData name="Jonas Lannoo" userId="b494a848-0cbe-426d-82db-f0c06b0d25da" providerId="ADAL" clId="{C4941B3E-C972-43BC-91B9-13B40A014580}" dt="2024-05-07T08:22:28.697" v="780" actId="20577"/>
+        <pc:sldMkLst>
+          <pc:docMk/>
+          <pc:sldMk cId="348779335" sldId="275"/>
+        </pc:sldMkLst>
+      </pc:sldChg>
+      <pc:sldChg chg="modSp mod ord">
+        <pc:chgData name="Jonas Lannoo" userId="b494a848-0cbe-426d-82db-f0c06b0d25da" providerId="ADAL" clId="{C4941B3E-C972-43BC-91B9-13B40A014580}" dt="2024-05-07T08:22:53.028" v="787" actId="6549"/>
+        <pc:sldMkLst>
+          <pc:docMk/>
+          <pc:sldMk cId="2140520046" sldId="276"/>
+        </pc:sldMkLst>
+      </pc:sldChg>
+      <pc:sldChg chg="del">
+        <pc:chgData name="Jonas Lannoo" userId="b494a848-0cbe-426d-82db-f0c06b0d25da" providerId="ADAL" clId="{C4941B3E-C972-43BC-91B9-13B40A014580}" dt="2024-05-07T08:18:27.315" v="620" actId="47"/>
+        <pc:sldMkLst>
+          <pc:docMk/>
+          <pc:sldMk cId="2490205241" sldId="278"/>
+        </pc:sldMkLst>
+      </pc:sldChg>
+      <pc:sldChg chg="modSp mod">
+        <pc:chgData name="Jonas Lannoo" userId="b494a848-0cbe-426d-82db-f0c06b0d25da" providerId="ADAL" clId="{C4941B3E-C972-43BC-91B9-13B40A014580}" dt="2024-05-07T08:30:08.709" v="1017" actId="20577"/>
+        <pc:sldMkLst>
+          <pc:docMk/>
+          <pc:sldMk cId="584543639" sldId="279"/>
+        </pc:sldMkLst>
+      </pc:sldChg>
+      <pc:sldChg chg="del">
+        <pc:chgData name="Jonas Lannoo" userId="b494a848-0cbe-426d-82db-f0c06b0d25da" providerId="ADAL" clId="{C4941B3E-C972-43BC-91B9-13B40A014580}" dt="2024-05-07T08:20:41.622" v="656" actId="47"/>
+        <pc:sldMkLst>
+          <pc:docMk/>
+          <pc:sldMk cId="3646322024" sldId="281"/>
+        </pc:sldMkLst>
+      </pc:sldChg>
+      <pc:sldChg chg="del">
+        <pc:chgData name="Jonas Lannoo" userId="b494a848-0cbe-426d-82db-f0c06b0d25da" providerId="ADAL" clId="{C4941B3E-C972-43BC-91B9-13B40A014580}" dt="2024-05-07T08:18:47.874" v="624" actId="47"/>
+        <pc:sldMkLst>
+          <pc:docMk/>
+          <pc:sldMk cId="1848400503" sldId="282"/>
+        </pc:sldMkLst>
+      </pc:sldChg>
+      <pc:sldChg chg="del">
+        <pc:chgData name="Jonas Lannoo" userId="b494a848-0cbe-426d-82db-f0c06b0d25da" providerId="ADAL" clId="{C4941B3E-C972-43BC-91B9-13B40A014580}" dt="2024-05-07T08:18:46.457" v="623" actId="47"/>
+        <pc:sldMkLst>
+          <pc:docMk/>
+          <pc:sldMk cId="865258742" sldId="283"/>
+        </pc:sldMkLst>
+      </pc:sldChg>
+      <pc:sldChg chg="del">
+        <pc:chgData name="Jonas Lannoo" userId="b494a848-0cbe-426d-82db-f0c06b0d25da" providerId="ADAL" clId="{C4941B3E-C972-43BC-91B9-13B40A014580}" dt="2024-05-07T07:54:40.667" v="84" actId="47"/>
+        <pc:sldMkLst>
+          <pc:docMk/>
+          <pc:sldMk cId="2504399623" sldId="284"/>
+        </pc:sldMkLst>
+      </pc:sldChg>
+      <pc:sldChg chg="del">
+        <pc:chgData name="Jonas Lannoo" userId="b494a848-0cbe-426d-82db-f0c06b0d25da" providerId="ADAL" clId="{C4941B3E-C972-43BC-91B9-13B40A014580}" dt="2024-05-07T07:54:41.378" v="85" actId="47"/>
+        <pc:sldMkLst>
+          <pc:docMk/>
+          <pc:sldMk cId="3354553404" sldId="285"/>
+        </pc:sldMkLst>
+      </pc:sldChg>
+      <pc:sldChg chg="del">
+        <pc:chgData name="Jonas Lannoo" userId="b494a848-0cbe-426d-82db-f0c06b0d25da" providerId="ADAL" clId="{C4941B3E-C972-43BC-91B9-13B40A014580}" dt="2024-05-07T07:54:41.930" v="86" actId="47"/>
+        <pc:sldMkLst>
+          <pc:docMk/>
+          <pc:sldMk cId="1640376180" sldId="286"/>
+        </pc:sldMkLst>
+      </pc:sldChg>
+      <pc:sldChg chg="del">
+        <pc:chgData name="Jonas Lannoo" userId="b494a848-0cbe-426d-82db-f0c06b0d25da" providerId="ADAL" clId="{C4941B3E-C972-43BC-91B9-13B40A014580}" dt="2024-05-07T07:54:40.003" v="83" actId="47"/>
+        <pc:sldMkLst>
+          <pc:docMk/>
+          <pc:sldMk cId="3156387275" sldId="287"/>
+        </pc:sldMkLst>
+      </pc:sldChg>
+      <pc:sldChg chg="del">
+        <pc:chgData name="Jonas Lannoo" userId="b494a848-0cbe-426d-82db-f0c06b0d25da" providerId="ADAL" clId="{C4941B3E-C972-43BC-91B9-13B40A014580}" dt="2024-05-07T07:54:42.488" v="87" actId="47"/>
+        <pc:sldMkLst>
+          <pc:docMk/>
+          <pc:sldMk cId="3372689143" sldId="288"/>
+        </pc:sldMkLst>
+      </pc:sldChg>
+      <pc:sldChg chg="del">
+        <pc:chgData name="Jonas Lannoo" userId="b494a848-0cbe-426d-82db-f0c06b0d25da" providerId="ADAL" clId="{C4941B3E-C972-43BC-91B9-13B40A014580}" dt="2024-05-07T08:18:52.177" v="626" actId="47"/>
+        <pc:sldMkLst>
+          <pc:docMk/>
+          <pc:sldMk cId="3419238708" sldId="290"/>
+        </pc:sldMkLst>
+      </pc:sldChg>
+      <pc:sldChg chg="del">
+        <pc:chgData name="Jonas Lannoo" userId="b494a848-0cbe-426d-82db-f0c06b0d25da" providerId="ADAL" clId="{C4941B3E-C972-43BC-91B9-13B40A014580}" dt="2024-05-07T08:18:50.641" v="625" actId="47"/>
+        <pc:sldMkLst>
+          <pc:docMk/>
+          <pc:sldMk cId="4086276467" sldId="291"/>
+        </pc:sldMkLst>
+      </pc:sldChg>
+      <pc:sldChg chg="ord">
+        <pc:chgData name="Jonas Lannoo" userId="b494a848-0cbe-426d-82db-f0c06b0d25da" providerId="ADAL" clId="{C4941B3E-C972-43BC-91B9-13B40A014580}" dt="2024-05-07T08:18:44.080" v="622"/>
+        <pc:sldMkLst>
+          <pc:docMk/>
+          <pc:sldMk cId="2226251994" sldId="292"/>
+        </pc:sldMkLst>
+      </pc:sldChg>
+      <pc:sldChg chg="del">
+        <pc:chgData name="Jonas Lannoo" userId="b494a848-0cbe-426d-82db-f0c06b0d25da" providerId="ADAL" clId="{C4941B3E-C972-43BC-91B9-13B40A014580}" dt="2024-05-07T08:07:30.015" v="457" actId="47"/>
+        <pc:sldMkLst>
+          <pc:docMk/>
+          <pc:sldMk cId="388844441" sldId="293"/>
+        </pc:sldMkLst>
+      </pc:sldChg>
+      <pc:sldChg chg="new del">
+        <pc:chgData name="Jonas Lannoo" userId="b494a848-0cbe-426d-82db-f0c06b0d25da" providerId="ADAL" clId="{C4941B3E-C972-43BC-91B9-13B40A014580}" dt="2024-05-07T08:07:38.413" v="462" actId="680"/>
+        <pc:sldMkLst>
+          <pc:docMk/>
+          <pc:sldMk cId="1314353320" sldId="293"/>
+        </pc:sldMkLst>
+      </pc:sldChg>
+      <pc:sldChg chg="add">
+        <pc:chgData name="Jonas Lannoo" userId="b494a848-0cbe-426d-82db-f0c06b0d25da" providerId="ADAL" clId="{C4941B3E-C972-43BC-91B9-13B40A014580}" dt="2024-05-07T08:20:40.083" v="655"/>
+        <pc:sldMkLst>
+          <pc:docMk/>
+          <pc:sldMk cId="3685884622" sldId="293"/>
+        </pc:sldMkLst>
+      </pc:sldChg>
+      <pc:sldChg chg="del">
+        <pc:chgData name="Jonas Lannoo" userId="b494a848-0cbe-426d-82db-f0c06b0d25da" providerId="ADAL" clId="{C4941B3E-C972-43BC-91B9-13B40A014580}" dt="2024-05-07T08:07:30.648" v="458" actId="47"/>
+        <pc:sldMkLst>
+          <pc:docMk/>
+          <pc:sldMk cId="1449851617" sldId="294"/>
+        </pc:sldMkLst>
+      </pc:sldChg>
+      <pc:sldChg chg="modSp new mod">
+        <pc:chgData name="Jonas Lannoo" userId="b494a848-0cbe-426d-82db-f0c06b0d25da" providerId="ADAL" clId="{C4941B3E-C972-43BC-91B9-13B40A014580}" dt="2024-05-07T08:21:25.741" v="707" actId="20577"/>
         <pc:sldMkLst>
           <pc:docMk/>
           <pc:sldMk cId="2497583591" sldId="294"/>
         </pc:sldMkLst>
       </pc:sldChg>
-      <pc:sldChg chg="modSp mod">
-        <pc:chgData name="Alexander D'hoore" userId="1e5b90a3-18e7-4451-ac53-847831bd2a02" providerId="ADAL" clId="{A0FC4194-28C3-418D-963B-253EE4EADB2F}" dt="2024-05-07T12:10:09.520" v="1077" actId="20577"/>
+      <pc:sldChg chg="modSp new mod">
+        <pc:chgData name="Jonas Lannoo" userId="b494a848-0cbe-426d-82db-f0c06b0d25da" providerId="ADAL" clId="{C4941B3E-C972-43BC-91B9-13B40A014580}" dt="2024-05-07T08:25:13.502" v="827" actId="20577"/>
         <pc:sldMkLst>
           <pc:docMk/>
           <pc:sldMk cId="1031626746" sldId="295"/>
         </pc:sldMkLst>
       </pc:sldChg>
-      <pc:sldChg chg="modSp mod">
-        <pc:chgData name="Alexander D'hoore" userId="1e5b90a3-18e7-4451-ac53-847831bd2a02" providerId="ADAL" clId="{A0FC4194-28C3-418D-963B-253EE4EADB2F}" dt="2024-05-07T11:35:22.433" v="699" actId="20577"/>
+      <pc:sldChg chg="del">
+        <pc:chgData name="Jonas Lannoo" userId="b494a848-0cbe-426d-82db-f0c06b0d25da" providerId="ADAL" clId="{C4941B3E-C972-43BC-91B9-13B40A014580}" dt="2024-05-07T08:07:31.060" v="459" actId="47"/>
+        <pc:sldMkLst>
+          <pc:docMk/>
+          <pc:sldMk cId="1058497470" sldId="295"/>
+        </pc:sldMkLst>
+      </pc:sldChg>
+      <pc:sldChg chg="modSp add mod ord">
+        <pc:chgData name="Jonas Lannoo" userId="b494a848-0cbe-426d-82db-f0c06b0d25da" providerId="ADAL" clId="{C4941B3E-C972-43BC-91B9-13B40A014580}" dt="2024-05-07T08:21:54.427" v="752"/>
         <pc:sldMkLst>
           <pc:docMk/>
           <pc:sldMk cId="2348156456" sldId="296"/>
         </pc:sldMkLst>
       </pc:sldChg>
-      <pc:sldChg chg="modSp mod">
-        <pc:chgData name="Alexander D'hoore" userId="1e5b90a3-18e7-4451-ac53-847831bd2a02" providerId="ADAL" clId="{A0FC4194-28C3-418D-963B-253EE4EADB2F}" dt="2024-05-07T11:31:43.579" v="358" actId="20577"/>
+      <pc:sldChg chg="modSp add mod">
+        <pc:chgData name="Jonas Lannoo" userId="b494a848-0cbe-426d-82db-f0c06b0d25da" providerId="ADAL" clId="{C4941B3E-C972-43BC-91B9-13B40A014580}" dt="2024-05-07T08:22:09.154" v="776" actId="20577"/>
         <pc:sldMkLst>
           <pc:docMk/>
           <pc:sldMk cId="194528435" sldId="297"/>
         </pc:sldMkLst>
       </pc:sldChg>
-      <pc:sldChg chg="addSp delSp modSp mod setBg modClrScheme chgLayout">
-        <pc:chgData name="Alexander D'hoore" userId="1e5b90a3-18e7-4451-ac53-847831bd2a02" providerId="ADAL" clId="{A0FC4194-28C3-418D-963B-253EE4EADB2F}" dt="2024-05-07T11:17:08.521" v="47" actId="26606"/>
+      <pc:sldChg chg="modSp add mod">
+        <pc:chgData name="Jonas Lannoo" userId="b494a848-0cbe-426d-82db-f0c06b0d25da" providerId="ADAL" clId="{C4941B3E-C972-43BC-91B9-13B40A014580}" dt="2024-05-07T08:25:27.691" v="850" actId="20577"/>
+        <pc:sldMkLst>
+          <pc:docMk/>
+          <pc:sldMk cId="2982944841" sldId="298"/>
+        </pc:sldMkLst>
+      </pc:sldChg>
+      <pc:sldChg chg="new">
+        <pc:chgData name="Jonas Lannoo" userId="b494a848-0cbe-426d-82db-f0c06b0d25da" providerId="ADAL" clId="{C4941B3E-C972-43BC-91B9-13B40A014580}" dt="2024-05-07T08:25:43.506" v="851" actId="680"/>
         <pc:sldMkLst>
           <pc:docMk/>
           <pc:sldMk cId="344287150" sldId="299"/>
         </pc:sldMkLst>
       </pc:sldChg>
-      <pc:sldChg chg="modSp mod">
-        <pc:chgData name="Alexander D'hoore" userId="1e5b90a3-18e7-4451-ac53-847831bd2a02" providerId="ADAL" clId="{A0FC4194-28C3-418D-963B-253EE4EADB2F}" dt="2024-05-07T11:41:34.116" v="940" actId="20577"/>
+      <pc:sldChg chg="modSp new mod">
+        <pc:chgData name="Jonas Lannoo" userId="b494a848-0cbe-426d-82db-f0c06b0d25da" providerId="ADAL" clId="{C4941B3E-C972-43BC-91B9-13B40A014580}" dt="2024-05-07T08:30:57.850" v="1050" actId="20577"/>
         <pc:sldMkLst>
           <pc:docMk/>
           <pc:sldMk cId="2466982919" sldId="300"/>
         </pc:sldMkLst>
       </pc:sldChg>
-      <pc:sldChg chg="modSp mod">
-        <pc:chgData name="Alexander D'hoore" userId="1e5b90a3-18e7-4451-ac53-847831bd2a02" providerId="ADAL" clId="{A0FC4194-28C3-418D-963B-253EE4EADB2F}" dt="2024-05-07T11:41:43.714" v="943" actId="27636"/>
+      <pc:sldChg chg="modSp new mod">
+        <pc:chgData name="Jonas Lannoo" userId="b494a848-0cbe-426d-82db-f0c06b0d25da" providerId="ADAL" clId="{C4941B3E-C972-43BC-91B9-13B40A014580}" dt="2024-05-07T08:43:46.289" v="1851" actId="20577"/>
         <pc:sldMkLst>
           <pc:docMk/>
           <pc:sldMk cId="2793015207" sldId="301"/>
-        </pc:sldMkLst>
-      </pc:sldChg>
-      <pc:sldChg chg="modSp new mod">
-        <pc:chgData name="Alexander D'hoore" userId="1e5b90a3-18e7-4451-ac53-847831bd2a02" providerId="ADAL" clId="{A0FC4194-28C3-418D-963B-253EE4EADB2F}" dt="2024-05-07T11:39:13.655" v="857" actId="20577"/>
-        <pc:sldMkLst>
-          <pc:docMk/>
-          <pc:sldMk cId="1794185935" sldId="302"/>
         </pc:sldMkLst>
       </pc:sldChg>
     </pc:docChg>
   </pc:docChgLst>
   <pc:docChgLst>
-    <pc:chgData name="Lara Luys" userId="S::lara.luys@kuleuven.be::43fc1cb8-097a-46ef-9f63-bb4c9c2b6365" providerId="AD" clId="Web-{CD807968-A3FC-42BA-9E57-D729449CDC0E}"/>
-    <pc:docChg chg="modSld">
-      <pc:chgData name="Lara Luys" userId="S::lara.luys@kuleuven.be::43fc1cb8-097a-46ef-9f63-bb4c9c2b6365" providerId="AD" clId="Web-{CD807968-A3FC-42BA-9E57-D729449CDC0E}" dt="2023-11-23T08:28:05.728" v="3" actId="20577"/>
+    <pc:chgData name="Lara Luys" userId="43fc1cb8-097a-46ef-9f63-bb4c9c2b6365" providerId="ADAL" clId="{0471078A-1961-4683-9E85-FC444105E513}"/>
+    <pc:docChg chg="undo custSel addSld modSld">
+      <pc:chgData name="Lara Luys" userId="43fc1cb8-097a-46ef-9f63-bb4c9c2b6365" providerId="ADAL" clId="{0471078A-1961-4683-9E85-FC444105E513}" dt="2023-11-22T19:01:10.730" v="3733" actId="1076"/>
       <pc:docMkLst>
         <pc:docMk/>
       </pc:docMkLst>
-      <pc:sldChg chg="modSp">
-        <pc:chgData name="Lara Luys" userId="S::lara.luys@kuleuven.be::43fc1cb8-097a-46ef-9f63-bb4c9c2b6365" providerId="AD" clId="Web-{CD807968-A3FC-42BA-9E57-D729449CDC0E}" dt="2023-11-23T08:28:05.728" v="3" actId="20577"/>
-        <pc:sldMkLst>
-          <pc:docMk/>
-          <pc:sldMk cId="2504399623" sldId="284"/>
+      <pc:sldChg chg="delSp modSp mod">
+        <pc:chgData name="Lara Luys" userId="43fc1cb8-097a-46ef-9f63-bb4c9c2b6365" providerId="ADAL" clId="{0471078A-1961-4683-9E85-FC444105E513}" dt="2023-11-22T14:15:35.371" v="2232" actId="20577"/>
+        <pc:sldMkLst>
+          <pc:docMk/>
+          <pc:sldMk cId="823333162" sldId="263"/>
+        </pc:sldMkLst>
+      </pc:sldChg>
+      <pc:sldChg chg="modSp mod">
+        <pc:chgData name="Lara Luys" userId="43fc1cb8-097a-46ef-9f63-bb4c9c2b6365" providerId="ADAL" clId="{0471078A-1961-4683-9E85-FC444105E513}" dt="2023-11-22T14:37:53.806" v="2272" actId="27636"/>
+        <pc:sldMkLst>
+          <pc:docMk/>
+          <pc:sldMk cId="4219707684" sldId="268"/>
+        </pc:sldMkLst>
+      </pc:sldChg>
+      <pc:sldChg chg="delSp modSp mod modShow">
+        <pc:chgData name="Lara Luys" userId="43fc1cb8-097a-46ef-9f63-bb4c9c2b6365" providerId="ADAL" clId="{0471078A-1961-4683-9E85-FC444105E513}" dt="2023-11-22T16:09:12.225" v="3261" actId="478"/>
+        <pc:sldMkLst>
+          <pc:docMk/>
+          <pc:sldMk cId="3750285839" sldId="269"/>
+        </pc:sldMkLst>
+      </pc:sldChg>
+      <pc:sldChg chg="mod modShow">
+        <pc:chgData name="Lara Luys" userId="43fc1cb8-097a-46ef-9f63-bb4c9c2b6365" providerId="ADAL" clId="{0471078A-1961-4683-9E85-FC444105E513}" dt="2023-11-22T16:10:31.990" v="3262" actId="729"/>
+        <pc:sldMkLst>
+          <pc:docMk/>
+          <pc:sldMk cId="1053869711" sldId="273"/>
+        </pc:sldMkLst>
+      </pc:sldChg>
+      <pc:sldChg chg="delSp modSp mod">
+        <pc:chgData name="Lara Luys" userId="43fc1cb8-097a-46ef-9f63-bb4c9c2b6365" providerId="ADAL" clId="{0471078A-1961-4683-9E85-FC444105E513}" dt="2023-11-22T14:32:33.958" v="2238" actId="20577"/>
+        <pc:sldMkLst>
+          <pc:docMk/>
+          <pc:sldMk cId="2140520046" sldId="276"/>
+        </pc:sldMkLst>
+      </pc:sldChg>
+      <pc:sldChg chg="modSp mod">
+        <pc:chgData name="Lara Luys" userId="43fc1cb8-097a-46ef-9f63-bb4c9c2b6365" providerId="ADAL" clId="{0471078A-1961-4683-9E85-FC444105E513}" dt="2023-11-22T14:37:53.802" v="2271" actId="27636"/>
+        <pc:sldMkLst>
+          <pc:docMk/>
+          <pc:sldMk cId="3646322024" sldId="281"/>
+        </pc:sldMkLst>
+      </pc:sldChg>
+      <pc:sldChg chg="addSp modSp mod modShow">
+        <pc:chgData name="Lara Luys" userId="43fc1cb8-097a-46ef-9f63-bb4c9c2b6365" providerId="ADAL" clId="{0471078A-1961-4683-9E85-FC444105E513}" dt="2023-11-22T16:07:55.879" v="3254" actId="20577"/>
+        <pc:sldMkLst>
+          <pc:docMk/>
+          <pc:sldMk cId="865258742" sldId="283"/>
+        </pc:sldMkLst>
+      </pc:sldChg>
+      <pc:sldChg chg="modSp mod">
+        <pc:chgData name="Lara Luys" userId="43fc1cb8-097a-46ef-9f63-bb4c9c2b6365" providerId="ADAL" clId="{0471078A-1961-4683-9E85-FC444105E513}" dt="2023-11-22T14:37:53.810" v="2273" actId="27636"/>
+        <pc:sldMkLst>
+          <pc:docMk/>
+          <pc:sldMk cId="3372689143" sldId="288"/>
+        </pc:sldMkLst>
+      </pc:sldChg>
+      <pc:sldChg chg="addSp delSp modSp mod">
+        <pc:chgData name="Lara Luys" userId="43fc1cb8-097a-46ef-9f63-bb4c9c2b6365" providerId="ADAL" clId="{0471078A-1961-4683-9E85-FC444105E513}" dt="2023-11-22T19:01:10.730" v="3733" actId="1076"/>
+        <pc:sldMkLst>
+          <pc:docMk/>
+          <pc:sldMk cId="4086276467" sldId="291"/>
+        </pc:sldMkLst>
+      </pc:sldChg>
+      <pc:sldChg chg="modSp add mod">
+        <pc:chgData name="Lara Luys" userId="43fc1cb8-097a-46ef-9f63-bb4c9c2b6365" providerId="ADAL" clId="{0471078A-1961-4683-9E85-FC444105E513}" dt="2023-11-22T16:08:24.071" v="3259" actId="113"/>
+        <pc:sldMkLst>
+          <pc:docMk/>
+          <pc:sldMk cId="2226251994" sldId="292"/>
+        </pc:sldMkLst>
+      </pc:sldChg>
+      <pc:sldChg chg="addSp delSp modSp mod">
+        <pc:chgData name="Lara Luys" userId="43fc1cb8-097a-46ef-9f63-bb4c9c2b6365" providerId="ADAL" clId="{0471078A-1961-4683-9E85-FC444105E513}" dt="2023-11-22T17:18:34.490" v="3691" actId="20577"/>
+        <pc:sldMkLst>
+          <pc:docMk/>
+          <pc:sldMk cId="388844441" sldId="293"/>
         </pc:sldMkLst>
       </pc:sldChg>
     </pc:docChg>
@@ -2067,223 +1374,79 @@
     </pc:docChg>
   </pc:docChgLst>
   <pc:docChgLst>
-    <pc:chgData name="Jonas Lannoo" userId="S::jonas.lannoo@kuleuven.be::b494a848-0cbe-426d-82db-f0c06b0d25da" providerId="AD" clId="Web-{FC69FBA3-8444-45C6-B661-3B64B20AD8BF}"/>
+    <pc:chgData name="Lara Luys" userId="S::lara.luys@kuleuven.be::43fc1cb8-097a-46ef-9f63-bb4c9c2b6365" providerId="AD" clId="Web-{E213CD14-144C-4EA7-8F4C-39D645C5A95A}"/>
     <pc:docChg chg="modSld">
-      <pc:chgData name="Jonas Lannoo" userId="S::jonas.lannoo@kuleuven.be::b494a848-0cbe-426d-82db-f0c06b0d25da" providerId="AD" clId="Web-{FC69FBA3-8444-45C6-B661-3B64B20AD8BF}" dt="2023-11-20T08:03:47.984" v="13" actId="20577"/>
+      <pc:chgData name="Lara Luys" userId="S::lara.luys@kuleuven.be::43fc1cb8-097a-46ef-9f63-bb4c9c2b6365" providerId="AD" clId="Web-{E213CD14-144C-4EA7-8F4C-39D645C5A95A}" dt="2023-11-22T19:10:07.554" v="4" actId="1076"/>
+      <pc:docMkLst>
+        <pc:docMk/>
+      </pc:docMkLst>
+      <pc:sldChg chg="addSp delSp modSp">
+        <pc:chgData name="Lara Luys" userId="S::lara.luys@kuleuven.be::43fc1cb8-097a-46ef-9f63-bb4c9c2b6365" providerId="AD" clId="Web-{E213CD14-144C-4EA7-8F4C-39D645C5A95A}" dt="2023-11-22T19:10:07.554" v="4" actId="1076"/>
+        <pc:sldMkLst>
+          <pc:docMk/>
+          <pc:sldMk cId="388844441" sldId="293"/>
+        </pc:sldMkLst>
+      </pc:sldChg>
+    </pc:docChg>
+  </pc:docChgLst>
+  <pc:docChgLst>
+    <pc:chgData name="Alexander D'hoore" userId="S::alexander.dhoore_vives.be#ext#@kuleuven.onmicrosoft.com::7b68939d-9ec0-4921-8984-8d0d4b16a3e5" providerId="AD" clId="Web-{BDA0403A-D758-47CA-BEFE-2A2C50036FBA}"/>
+    <pc:docChg chg="modSld">
+      <pc:chgData name="Alexander D'hoore" userId="S::alexander.dhoore_vives.be#ext#@kuleuven.onmicrosoft.com::7b68939d-9ec0-4921-8984-8d0d4b16a3e5" providerId="AD" clId="Web-{BDA0403A-D758-47CA-BEFE-2A2C50036FBA}" dt="2023-11-22T20:46:50.597" v="832" actId="20577"/>
       <pc:docMkLst>
         <pc:docMk/>
       </pc:docMkLst>
       <pc:sldChg chg="modSp">
-        <pc:chgData name="Jonas Lannoo" userId="S::jonas.lannoo@kuleuven.be::b494a848-0cbe-426d-82db-f0c06b0d25da" providerId="AD" clId="Web-{FC69FBA3-8444-45C6-B661-3B64B20AD8BF}" dt="2023-11-20T08:03:47.984" v="13" actId="20577"/>
-        <pc:sldMkLst>
-          <pc:docMk/>
-          <pc:sldMk cId="701984223" sldId="257"/>
+        <pc:chgData name="Alexander D'hoore" userId="S::alexander.dhoore_vives.be#ext#@kuleuven.onmicrosoft.com::7b68939d-9ec0-4921-8984-8d0d4b16a3e5" providerId="AD" clId="Web-{BDA0403A-D758-47CA-BEFE-2A2C50036FBA}" dt="2023-11-22T19:45:11.656" v="443" actId="20577"/>
+        <pc:sldMkLst>
+          <pc:docMk/>
+          <pc:sldMk cId="3689258070" sldId="258"/>
         </pc:sldMkLst>
       </pc:sldChg>
       <pc:sldChg chg="modSp">
-        <pc:chgData name="Jonas Lannoo" userId="S::jonas.lannoo@kuleuven.be::b494a848-0cbe-426d-82db-f0c06b0d25da" providerId="AD" clId="Web-{FC69FBA3-8444-45C6-B661-3B64B20AD8BF}" dt="2023-11-20T08:03:04.732" v="2" actId="14100"/>
-        <pc:sldMkLst>
-          <pc:docMk/>
-          <pc:sldMk cId="4219707684" sldId="268"/>
-        </pc:sldMkLst>
-      </pc:sldChg>
-    </pc:docChg>
-  </pc:docChgLst>
-  <pc:docChgLst>
-    <pc:chgData name="Alexander D'hoore" userId="S::alexander.dhoore_vives.be#ext#@kuleuven.onmicrosoft.com::7b68939d-9ec0-4921-8984-8d0d4b16a3e5" providerId="AD" clId="Web-{FD5E4177-46E3-182D-AE17-FC62E4FFAE73}"/>
-    <pc:docChg chg="modSld">
-      <pc:chgData name="Alexander D'hoore" userId="S::alexander.dhoore_vives.be#ext#@kuleuven.onmicrosoft.com::7b68939d-9ec0-4921-8984-8d0d4b16a3e5" providerId="AD" clId="Web-{FD5E4177-46E3-182D-AE17-FC62E4FFAE73}" dt="2023-11-22T20:53:32.851" v="32" actId="20577"/>
-      <pc:docMkLst>
-        <pc:docMk/>
-      </pc:docMkLst>
+        <pc:chgData name="Alexander D'hoore" userId="S::alexander.dhoore_vives.be#ext#@kuleuven.onmicrosoft.com::7b68939d-9ec0-4921-8984-8d0d4b16a3e5" providerId="AD" clId="Web-{BDA0403A-D758-47CA-BEFE-2A2C50036FBA}" dt="2023-11-22T19:46:56.674" v="452" actId="1076"/>
+        <pc:sldMkLst>
+          <pc:docMk/>
+          <pc:sldMk cId="823333162" sldId="263"/>
+        </pc:sldMkLst>
+      </pc:sldChg>
       <pc:sldChg chg="modSp">
-        <pc:chgData name="Alexander D'hoore" userId="S::alexander.dhoore_vives.be#ext#@kuleuven.onmicrosoft.com::7b68939d-9ec0-4921-8984-8d0d4b16a3e5" providerId="AD" clId="Web-{FD5E4177-46E3-182D-AE17-FC62E4FFAE73}" dt="2023-11-22T20:53:32.851" v="32" actId="20577"/>
+        <pc:chgData name="Alexander D'hoore" userId="S::alexander.dhoore_vives.be#ext#@kuleuven.onmicrosoft.com::7b68939d-9ec0-4921-8984-8d0d4b16a3e5" providerId="AD" clId="Web-{BDA0403A-D758-47CA-BEFE-2A2C50036FBA}" dt="2023-11-22T19:44:13.217" v="426" actId="20577"/>
+        <pc:sldMkLst>
+          <pc:docMk/>
+          <pc:sldMk cId="2140520046" sldId="276"/>
+        </pc:sldMkLst>
+      </pc:sldChg>
+      <pc:sldChg chg="addSp delSp modSp">
+        <pc:chgData name="Alexander D'hoore" userId="S::alexander.dhoore_vives.be#ext#@kuleuven.onmicrosoft.com::7b68939d-9ec0-4921-8984-8d0d4b16a3e5" providerId="AD" clId="Web-{BDA0403A-D758-47CA-BEFE-2A2C50036FBA}" dt="2023-11-22T20:46:50.597" v="832" actId="20577"/>
+        <pc:sldMkLst>
+          <pc:docMk/>
+          <pc:sldMk cId="3419238708" sldId="290"/>
+        </pc:sldMkLst>
+      </pc:sldChg>
+      <pc:sldChg chg="addSp modSp">
+        <pc:chgData name="Alexander D'hoore" userId="S::alexander.dhoore_vives.be#ext#@kuleuven.onmicrosoft.com::7b68939d-9ec0-4921-8984-8d0d4b16a3e5" providerId="AD" clId="Web-{BDA0403A-D758-47CA-BEFE-2A2C50036FBA}" dt="2023-11-22T20:39:13.151" v="795" actId="20577"/>
+        <pc:sldMkLst>
+          <pc:docMk/>
+          <pc:sldMk cId="4086276467" sldId="291"/>
+        </pc:sldMkLst>
+      </pc:sldChg>
+      <pc:sldChg chg="modSp">
+        <pc:chgData name="Alexander D'hoore" userId="S::alexander.dhoore_vives.be#ext#@kuleuven.onmicrosoft.com::7b68939d-9ec0-4921-8984-8d0d4b16a3e5" providerId="AD" clId="Web-{BDA0403A-D758-47CA-BEFE-2A2C50036FBA}" dt="2023-11-22T19:54:32.700" v="478" actId="20577"/>
+        <pc:sldMkLst>
+          <pc:docMk/>
+          <pc:sldMk cId="2226251994" sldId="292"/>
+        </pc:sldMkLst>
+      </pc:sldChg>
+      <pc:sldChg chg="addSp delSp modSp">
+        <pc:chgData name="Alexander D'hoore" userId="S::alexander.dhoore_vives.be#ext#@kuleuven.onmicrosoft.com::7b68939d-9ec0-4921-8984-8d0d4b16a3e5" providerId="AD" clId="Web-{BDA0403A-D758-47CA-BEFE-2A2C50036FBA}" dt="2023-11-22T19:45:54.501" v="451" actId="20577"/>
         <pc:sldMkLst>
           <pc:docMk/>
           <pc:sldMk cId="1449851617" sldId="294"/>
         </pc:sldMkLst>
       </pc:sldChg>
-    </pc:docChg>
-  </pc:docChgLst>
-  <pc:docChgLst>
-    <pc:chgData name="Jonas Lannoo" userId="S::jonas.lannoo@kuleuven.be::b494a848-0cbe-426d-82db-f0c06b0d25da" providerId="AD" clId="Web-{EEFBA288-A64D-48E6-9962-568A85C1F3BE}"/>
-    <pc:docChg chg="modSld sldOrd">
-      <pc:chgData name="Jonas Lannoo" userId="S::jonas.lannoo@kuleuven.be::b494a848-0cbe-426d-82db-f0c06b0d25da" providerId="AD" clId="Web-{EEFBA288-A64D-48E6-9962-568A85C1F3BE}" dt="2023-11-22T21:41:01.241" v="95"/>
-      <pc:docMkLst>
-        <pc:docMk/>
-      </pc:docMkLst>
-      <pc:sldChg chg="modNotes">
-        <pc:chgData name="Jonas Lannoo" userId="S::jonas.lannoo@kuleuven.be::b494a848-0cbe-426d-82db-f0c06b0d25da" providerId="AD" clId="Web-{EEFBA288-A64D-48E6-9962-568A85C1F3BE}" dt="2023-11-22T21:41:01.241" v="95"/>
-        <pc:sldMkLst>
-          <pc:docMk/>
-          <pc:sldMk cId="701984223" sldId="257"/>
-        </pc:sldMkLst>
-      </pc:sldChg>
-      <pc:sldChg chg="modSp modNotes">
-        <pc:chgData name="Jonas Lannoo" userId="S::jonas.lannoo@kuleuven.be::b494a848-0cbe-426d-82db-f0c06b0d25da" providerId="AD" clId="Web-{EEFBA288-A64D-48E6-9962-568A85C1F3BE}" dt="2023-11-22T21:27:01.040" v="18"/>
-        <pc:sldMkLst>
-          <pc:docMk/>
-          <pc:sldMk cId="3689258070" sldId="258"/>
-        </pc:sldMkLst>
-      </pc:sldChg>
-      <pc:sldChg chg="modSp modNotes">
-        <pc:chgData name="Jonas Lannoo" userId="S::jonas.lannoo@kuleuven.be::b494a848-0cbe-426d-82db-f0c06b0d25da" providerId="AD" clId="Web-{EEFBA288-A64D-48E6-9962-568A85C1F3BE}" dt="2023-11-22T21:27:03.634" v="20"/>
-        <pc:sldMkLst>
-          <pc:docMk/>
-          <pc:sldMk cId="2340303385" sldId="259"/>
-        </pc:sldMkLst>
-      </pc:sldChg>
-      <pc:sldChg chg="ord modNotes">
-        <pc:chgData name="Jonas Lannoo" userId="S::jonas.lannoo@kuleuven.be::b494a848-0cbe-426d-82db-f0c06b0d25da" providerId="AD" clId="Web-{EEFBA288-A64D-48E6-9962-568A85C1F3BE}" dt="2023-11-22T21:27:20.619" v="29"/>
-        <pc:sldMkLst>
-          <pc:docMk/>
-          <pc:sldMk cId="663993984" sldId="260"/>
-        </pc:sldMkLst>
-      </pc:sldChg>
-      <pc:sldChg chg="modSp modNotes">
-        <pc:chgData name="Jonas Lannoo" userId="S::jonas.lannoo@kuleuven.be::b494a848-0cbe-426d-82db-f0c06b0d25da" providerId="AD" clId="Web-{EEFBA288-A64D-48E6-9962-568A85C1F3BE}" dt="2023-11-22T21:27:04.509" v="21"/>
-        <pc:sldMkLst>
-          <pc:docMk/>
-          <pc:sldMk cId="805026401" sldId="261"/>
-        </pc:sldMkLst>
-      </pc:sldChg>
-      <pc:sldChg chg="modSp modNotes">
-        <pc:chgData name="Jonas Lannoo" userId="S::jonas.lannoo@kuleuven.be::b494a848-0cbe-426d-82db-f0c06b0d25da" providerId="AD" clId="Web-{EEFBA288-A64D-48E6-9962-568A85C1F3BE}" dt="2023-11-22T21:27:44.433" v="35"/>
-        <pc:sldMkLst>
-          <pc:docMk/>
-          <pc:sldMk cId="823333162" sldId="263"/>
-        </pc:sldMkLst>
-      </pc:sldChg>
-      <pc:sldChg chg="modNotes">
-        <pc:chgData name="Jonas Lannoo" userId="S::jonas.lannoo@kuleuven.be::b494a848-0cbe-426d-82db-f0c06b0d25da" providerId="AD" clId="Web-{EEFBA288-A64D-48E6-9962-568A85C1F3BE}" dt="2023-11-22T21:28:38.684" v="42"/>
-        <pc:sldMkLst>
-          <pc:docMk/>
-          <pc:sldMk cId="1356561651" sldId="264"/>
-        </pc:sldMkLst>
-      </pc:sldChg>
-      <pc:sldChg chg="modNotes">
-        <pc:chgData name="Jonas Lannoo" userId="S::jonas.lannoo@kuleuven.be::b494a848-0cbe-426d-82db-f0c06b0d25da" providerId="AD" clId="Web-{EEFBA288-A64D-48E6-9962-568A85C1F3BE}" dt="2023-11-22T21:40:56.569" v="84"/>
-        <pc:sldMkLst>
-          <pc:docMk/>
-          <pc:sldMk cId="4219707684" sldId="268"/>
-        </pc:sldMkLst>
-      </pc:sldChg>
-      <pc:sldChg chg="modSp modNotes">
-        <pc:chgData name="Jonas Lannoo" userId="S::jonas.lannoo@kuleuven.be::b494a848-0cbe-426d-82db-f0c06b0d25da" providerId="AD" clId="Web-{EEFBA288-A64D-48E6-9962-568A85C1F3BE}" dt="2023-11-22T21:27:06.509" v="23"/>
-        <pc:sldMkLst>
-          <pc:docMk/>
-          <pc:sldMk cId="3372035890" sldId="270"/>
-        </pc:sldMkLst>
-      </pc:sldChg>
-      <pc:sldChg chg="modSp modNotes">
-        <pc:chgData name="Jonas Lannoo" userId="S::jonas.lannoo@kuleuven.be::b494a848-0cbe-426d-82db-f0c06b0d25da" providerId="AD" clId="Web-{EEFBA288-A64D-48E6-9962-568A85C1F3BE}" dt="2023-11-22T21:27:16.588" v="26"/>
-        <pc:sldMkLst>
-          <pc:docMk/>
-          <pc:sldMk cId="316297392" sldId="271"/>
-        </pc:sldMkLst>
-      </pc:sldChg>
-      <pc:sldChg chg="modNotes">
-        <pc:chgData name="Jonas Lannoo" userId="S::jonas.lannoo@kuleuven.be::b494a848-0cbe-426d-82db-f0c06b0d25da" providerId="AD" clId="Web-{EEFBA288-A64D-48E6-9962-568A85C1F3BE}" dt="2023-11-22T21:31:42.878" v="63"/>
-        <pc:sldMkLst>
-          <pc:docMk/>
-          <pc:sldMk cId="1053869711" sldId="273"/>
-        </pc:sldMkLst>
-      </pc:sldChg>
-      <pc:sldChg chg="modSp ord modNotes">
-        <pc:chgData name="Jonas Lannoo" userId="S::jonas.lannoo@kuleuven.be::b494a848-0cbe-426d-82db-f0c06b0d25da" providerId="AD" clId="Web-{EEFBA288-A64D-48E6-9962-568A85C1F3BE}" dt="2023-11-22T21:27:17.900" v="28"/>
-        <pc:sldMkLst>
-          <pc:docMk/>
-          <pc:sldMk cId="335327928" sldId="274"/>
-        </pc:sldMkLst>
-      </pc:sldChg>
-      <pc:sldChg chg="modNotes">
-        <pc:chgData name="Jonas Lannoo" userId="S::jonas.lannoo@kuleuven.be::b494a848-0cbe-426d-82db-f0c06b0d25da" providerId="AD" clId="Web-{EEFBA288-A64D-48E6-9962-568A85C1F3BE}" dt="2023-11-22T21:31:39.112" v="56"/>
-        <pc:sldMkLst>
-          <pc:docMk/>
-          <pc:sldMk cId="348779335" sldId="275"/>
-        </pc:sldMkLst>
-      </pc:sldChg>
-      <pc:sldChg chg="modSp modNotes">
-        <pc:chgData name="Jonas Lannoo" userId="S::jonas.lannoo@kuleuven.be::b494a848-0cbe-426d-82db-f0c06b0d25da" providerId="AD" clId="Web-{EEFBA288-A64D-48E6-9962-568A85C1F3BE}" dt="2023-11-22T21:27:39.151" v="33"/>
-        <pc:sldMkLst>
-          <pc:docMk/>
-          <pc:sldMk cId="2140520046" sldId="276"/>
-        </pc:sldMkLst>
-      </pc:sldChg>
-      <pc:sldChg chg="modSp modNotes">
-        <pc:chgData name="Jonas Lannoo" userId="S::jonas.lannoo@kuleuven.be::b494a848-0cbe-426d-82db-f0c06b0d25da" providerId="AD" clId="Web-{EEFBA288-A64D-48E6-9962-568A85C1F3BE}" dt="2023-11-22T21:27:37.042" v="31"/>
-        <pc:sldMkLst>
-          <pc:docMk/>
-          <pc:sldMk cId="3765658475" sldId="277"/>
-        </pc:sldMkLst>
-      </pc:sldChg>
-      <pc:sldChg chg="modNotes">
-        <pc:chgData name="Jonas Lannoo" userId="S::jonas.lannoo@kuleuven.be::b494a848-0cbe-426d-82db-f0c06b0d25da" providerId="AD" clId="Web-{EEFBA288-A64D-48E6-9962-568A85C1F3BE}" dt="2023-11-22T21:31:45.347" v="64"/>
-        <pc:sldMkLst>
-          <pc:docMk/>
-          <pc:sldMk cId="2490205241" sldId="278"/>
-        </pc:sldMkLst>
-      </pc:sldChg>
-      <pc:sldChg chg="modNotes">
-        <pc:chgData name="Jonas Lannoo" userId="S::jonas.lannoo@kuleuven.be::b494a848-0cbe-426d-82db-f0c06b0d25da" providerId="AD" clId="Web-{EEFBA288-A64D-48E6-9962-568A85C1F3BE}" dt="2023-11-22T21:31:47.863" v="66"/>
-        <pc:sldMkLst>
-          <pc:docMk/>
-          <pc:sldMk cId="584543639" sldId="279"/>
-        </pc:sldMkLst>
-      </pc:sldChg>
-      <pc:sldChg chg="modNotes">
-        <pc:chgData name="Jonas Lannoo" userId="S::jonas.lannoo@kuleuven.be::b494a848-0cbe-426d-82db-f0c06b0d25da" providerId="AD" clId="Web-{EEFBA288-A64D-48E6-9962-568A85C1F3BE}" dt="2023-11-22T21:31:50.722" v="68"/>
-        <pc:sldMkLst>
-          <pc:docMk/>
-          <pc:sldMk cId="262782385" sldId="280"/>
-        </pc:sldMkLst>
-      </pc:sldChg>
-      <pc:sldChg chg="modNotes">
-        <pc:chgData name="Jonas Lannoo" userId="S::jonas.lannoo@kuleuven.be::b494a848-0cbe-426d-82db-f0c06b0d25da" providerId="AD" clId="Web-{EEFBA288-A64D-48E6-9962-568A85C1F3BE}" dt="2023-11-22T21:32:14.957" v="71"/>
-        <pc:sldMkLst>
-          <pc:docMk/>
-          <pc:sldMk cId="3646322024" sldId="281"/>
-        </pc:sldMkLst>
-      </pc:sldChg>
-      <pc:sldChg chg="modNotes">
-        <pc:chgData name="Jonas Lannoo" userId="S::jonas.lannoo@kuleuven.be::b494a848-0cbe-426d-82db-f0c06b0d25da" providerId="AD" clId="Web-{EEFBA288-A64D-48E6-9962-568A85C1F3BE}" dt="2023-11-22T21:26:59.947" v="17"/>
-        <pc:sldMkLst>
-          <pc:docMk/>
-          <pc:sldMk cId="3372689143" sldId="288"/>
-        </pc:sldMkLst>
-      </pc:sldChg>
-      <pc:sldChg chg="modNotes">
-        <pc:chgData name="Jonas Lannoo" userId="S::jonas.lannoo@kuleuven.be::b494a848-0cbe-426d-82db-f0c06b0d25da" providerId="AD" clId="Web-{EEFBA288-A64D-48E6-9962-568A85C1F3BE}" dt="2023-11-22T21:34:19.243" v="77"/>
-        <pc:sldMkLst>
-          <pc:docMk/>
-          <pc:sldMk cId="3419238708" sldId="290"/>
-        </pc:sldMkLst>
-      </pc:sldChg>
       <pc:sldChg chg="modSp">
-        <pc:chgData name="Jonas Lannoo" userId="S::jonas.lannoo@kuleuven.be::b494a848-0cbe-426d-82db-f0c06b0d25da" providerId="AD" clId="Web-{EEFBA288-A64D-48E6-9962-568A85C1F3BE}" dt="2023-11-22T20:36:19.554" v="3" actId="1076"/>
-        <pc:sldMkLst>
-          <pc:docMk/>
-          <pc:sldMk cId="4086276467" sldId="291"/>
-        </pc:sldMkLst>
-      </pc:sldChg>
-      <pc:sldChg chg="modNotes">
-        <pc:chgData name="Jonas Lannoo" userId="S::jonas.lannoo@kuleuven.be::b494a848-0cbe-426d-82db-f0c06b0d25da" providerId="AD" clId="Web-{EEFBA288-A64D-48E6-9962-568A85C1F3BE}" dt="2023-11-22T21:31:35.956" v="52"/>
-        <pc:sldMkLst>
-          <pc:docMk/>
-          <pc:sldMk cId="2226251994" sldId="292"/>
-        </pc:sldMkLst>
-      </pc:sldChg>
-    </pc:docChg>
-  </pc:docChgLst>
-  <pc:docChgLst>
-    <pc:chgData name="Arno Schoutteten" userId="S::arno.schoutteten_vives.be#ext#@kuleuven.onmicrosoft.com::495f3e62-7f18-4b7d-956f-0281900c945c" providerId="AD" clId="Web-{B8CF46E2-A280-485A-BA9B-8092C511BF88}"/>
-    <pc:docChg chg="modSld">
-      <pc:chgData name="Arno Schoutteten" userId="S::arno.schoutteten_vives.be#ext#@kuleuven.onmicrosoft.com::495f3e62-7f18-4b7d-956f-0281900c945c" providerId="AD" clId="Web-{B8CF46E2-A280-485A-BA9B-8092C511BF88}" dt="2023-11-22T16:40:12.315" v="11" actId="20577"/>
-      <pc:docMkLst>
-        <pc:docMk/>
-      </pc:docMkLst>
-      <pc:sldChg chg="addSp delSp modSp">
-        <pc:chgData name="Arno Schoutteten" userId="S::arno.schoutteten_vives.be#ext#@kuleuven.onmicrosoft.com::495f3e62-7f18-4b7d-956f-0281900c945c" providerId="AD" clId="Web-{B8CF46E2-A280-485A-BA9B-8092C511BF88}" dt="2023-11-22T16:40:12.315" v="11" actId="20577"/>
+        <pc:chgData name="Alexander D'hoore" userId="S::alexander.dhoore_vives.be#ext#@kuleuven.onmicrosoft.com::7b68939d-9ec0-4921-8984-8d0d4b16a3e5" providerId="AD" clId="Web-{BDA0403A-D758-47CA-BEFE-2A2C50036FBA}" dt="2023-11-22T19:45:10.203" v="438" actId="20577"/>
         <pc:sldMkLst>
           <pc:docMk/>
           <pc:sldMk cId="1058497470" sldId="295"/>
@@ -2478,9 +1641,202 @@
     </pc:docChg>
   </pc:docChgLst>
   <pc:docChgLst>
+    <pc:chgData name="Alexander D'hoore" userId="1e5b90a3-18e7-4451-ac53-847831bd2a02" providerId="ADAL" clId="{821A677A-779B-4C7C-901A-48EC05BFCA23}"/>
+    <pc:docChg chg="undo redo custSel addSld delSld modSld sldOrd">
+      <pc:chgData name="Alexander D'hoore" userId="1e5b90a3-18e7-4451-ac53-847831bd2a02" providerId="ADAL" clId="{821A677A-779B-4C7C-901A-48EC05BFCA23}" dt="2023-11-23T08:47:30.085" v="1552" actId="20577"/>
+      <pc:docMkLst>
+        <pc:docMk/>
+      </pc:docMkLst>
+      <pc:sldChg chg="modSp mod">
+        <pc:chgData name="Alexander D'hoore" userId="1e5b90a3-18e7-4451-ac53-847831bd2a02" providerId="ADAL" clId="{821A677A-779B-4C7C-901A-48EC05BFCA23}" dt="2023-11-23T08:46:48.852" v="1545" actId="20577"/>
+        <pc:sldMkLst>
+          <pc:docMk/>
+          <pc:sldMk cId="3689258070" sldId="258"/>
+        </pc:sldMkLst>
+      </pc:sldChg>
+      <pc:sldChg chg="modSp mod">
+        <pc:chgData name="Alexander D'hoore" userId="1e5b90a3-18e7-4451-ac53-847831bd2a02" providerId="ADAL" clId="{821A677A-779B-4C7C-901A-48EC05BFCA23}" dt="2023-11-23T08:46:56.429" v="1546" actId="20577"/>
+        <pc:sldMkLst>
+          <pc:docMk/>
+          <pc:sldMk cId="2340303385" sldId="259"/>
+        </pc:sldMkLst>
+      </pc:sldChg>
+      <pc:sldChg chg="modSp mod">
+        <pc:chgData name="Alexander D'hoore" userId="1e5b90a3-18e7-4451-ac53-847831bd2a02" providerId="ADAL" clId="{821A677A-779B-4C7C-901A-48EC05BFCA23}" dt="2023-11-23T07:50:07.015" v="1508" actId="20577"/>
+        <pc:sldMkLst>
+          <pc:docMk/>
+          <pc:sldMk cId="663993984" sldId="260"/>
+        </pc:sldMkLst>
+      </pc:sldChg>
+      <pc:sldChg chg="modSp mod">
+        <pc:chgData name="Alexander D'hoore" userId="1e5b90a3-18e7-4451-ac53-847831bd2a02" providerId="ADAL" clId="{821A677A-779B-4C7C-901A-48EC05BFCA23}" dt="2023-11-23T08:47:02.961" v="1547" actId="20577"/>
+        <pc:sldMkLst>
+          <pc:docMk/>
+          <pc:sldMk cId="805026401" sldId="261"/>
+        </pc:sldMkLst>
+      </pc:sldChg>
+      <pc:sldChg chg="modSp mod">
+        <pc:chgData name="Alexander D'hoore" userId="1e5b90a3-18e7-4451-ac53-847831bd2a02" providerId="ADAL" clId="{821A677A-779B-4C7C-901A-48EC05BFCA23}" dt="2023-11-23T07:53:18.230" v="1515" actId="20577"/>
+        <pc:sldMkLst>
+          <pc:docMk/>
+          <pc:sldMk cId="2285246726" sldId="262"/>
+        </pc:sldMkLst>
+      </pc:sldChg>
+      <pc:sldChg chg="modSp mod">
+        <pc:chgData name="Alexander D'hoore" userId="1e5b90a3-18e7-4451-ac53-847831bd2a02" providerId="ADAL" clId="{821A677A-779B-4C7C-901A-48EC05BFCA23}" dt="2023-11-23T08:47:30.085" v="1552" actId="20577"/>
+        <pc:sldMkLst>
+          <pc:docMk/>
+          <pc:sldMk cId="823333162" sldId="263"/>
+        </pc:sldMkLst>
+      </pc:sldChg>
+      <pc:sldChg chg="modSp mod ord">
+        <pc:chgData name="Alexander D'hoore" userId="1e5b90a3-18e7-4451-ac53-847831bd2a02" providerId="ADAL" clId="{821A677A-779B-4C7C-901A-48EC05BFCA23}" dt="2023-11-22T16:26:35.228" v="1499" actId="20577"/>
+        <pc:sldMkLst>
+          <pc:docMk/>
+          <pc:sldMk cId="1356561651" sldId="264"/>
+        </pc:sldMkLst>
+      </pc:sldChg>
+      <pc:sldChg chg="addSp modSp del mod">
+        <pc:chgData name="Alexander D'hoore" userId="1e5b90a3-18e7-4451-ac53-847831bd2a02" providerId="ADAL" clId="{821A677A-779B-4C7C-901A-48EC05BFCA23}" dt="2023-11-22T16:30:05.945" v="1500" actId="2696"/>
+        <pc:sldMkLst>
+          <pc:docMk/>
+          <pc:sldMk cId="3750285839" sldId="269"/>
+        </pc:sldMkLst>
+      </pc:sldChg>
+      <pc:sldChg chg="modSp mod">
+        <pc:chgData name="Alexander D'hoore" userId="1e5b90a3-18e7-4451-ac53-847831bd2a02" providerId="ADAL" clId="{821A677A-779B-4C7C-901A-48EC05BFCA23}" dt="2023-11-23T08:47:06.811" v="1548" actId="20577"/>
+        <pc:sldMkLst>
+          <pc:docMk/>
+          <pc:sldMk cId="3372035890" sldId="270"/>
+        </pc:sldMkLst>
+      </pc:sldChg>
+      <pc:sldChg chg="modSp mod">
+        <pc:chgData name="Alexander D'hoore" userId="1e5b90a3-18e7-4451-ac53-847831bd2a02" providerId="ADAL" clId="{821A677A-779B-4C7C-901A-48EC05BFCA23}" dt="2023-11-23T08:47:09.799" v="1549" actId="20577"/>
+        <pc:sldMkLst>
+          <pc:docMk/>
+          <pc:sldMk cId="316297392" sldId="271"/>
+        </pc:sldMkLst>
+      </pc:sldChg>
+      <pc:sldChg chg="addSp delSp modSp mod modShow">
+        <pc:chgData name="Alexander D'hoore" userId="1e5b90a3-18e7-4451-ac53-847831bd2a02" providerId="ADAL" clId="{821A677A-779B-4C7C-901A-48EC05BFCA23}" dt="2023-11-22T16:31:30.908" v="1503" actId="729"/>
+        <pc:sldMkLst>
+          <pc:docMk/>
+          <pc:sldMk cId="1053869711" sldId="273"/>
+        </pc:sldMkLst>
+      </pc:sldChg>
+      <pc:sldChg chg="modSp mod">
+        <pc:chgData name="Alexander D'hoore" userId="1e5b90a3-18e7-4451-ac53-847831bd2a02" providerId="ADAL" clId="{821A677A-779B-4C7C-901A-48EC05BFCA23}" dt="2023-11-23T08:47:14.336" v="1550" actId="20577"/>
+        <pc:sldMkLst>
+          <pc:docMk/>
+          <pc:sldMk cId="335327928" sldId="274"/>
+        </pc:sldMkLst>
+      </pc:sldChg>
+      <pc:sldChg chg="modSp mod">
+        <pc:chgData name="Alexander D'hoore" userId="1e5b90a3-18e7-4451-ac53-847831bd2a02" providerId="ADAL" clId="{821A677A-779B-4C7C-901A-48EC05BFCA23}" dt="2023-11-23T08:47:25.326" v="1551" actId="20577"/>
+        <pc:sldMkLst>
+          <pc:docMk/>
+          <pc:sldMk cId="2140520046" sldId="276"/>
+        </pc:sldMkLst>
+      </pc:sldChg>
+      <pc:sldChg chg="modSp mod ord">
+        <pc:chgData name="Alexander D'hoore" userId="1e5b90a3-18e7-4451-ac53-847831bd2a02" providerId="ADAL" clId="{821A677A-779B-4C7C-901A-48EC05BFCA23}" dt="2023-11-23T07:53:26.373" v="1516" actId="20577"/>
+        <pc:sldMkLst>
+          <pc:docMk/>
+          <pc:sldMk cId="3765658475" sldId="277"/>
+        </pc:sldMkLst>
+      </pc:sldChg>
+      <pc:sldChg chg="addSp modSp mod">
+        <pc:chgData name="Alexander D'hoore" userId="1e5b90a3-18e7-4451-ac53-847831bd2a02" providerId="ADAL" clId="{821A677A-779B-4C7C-901A-48EC05BFCA23}" dt="2023-11-22T16:11:04.440" v="1340" actId="1076"/>
+        <pc:sldMkLst>
+          <pc:docMk/>
+          <pc:sldMk cId="1848400503" sldId="282"/>
+        </pc:sldMkLst>
+      </pc:sldChg>
+      <pc:sldChg chg="addSp modSp mod">
+        <pc:chgData name="Alexander D'hoore" userId="1e5b90a3-18e7-4451-ac53-847831bd2a02" providerId="ADAL" clId="{821A677A-779B-4C7C-901A-48EC05BFCA23}" dt="2023-11-22T16:11:12.937" v="1342" actId="1076"/>
+        <pc:sldMkLst>
+          <pc:docMk/>
+          <pc:sldMk cId="865258742" sldId="283"/>
+        </pc:sldMkLst>
+      </pc:sldChg>
+      <pc:sldChg chg="del">
+        <pc:chgData name="Alexander D'hoore" userId="1e5b90a3-18e7-4451-ac53-847831bd2a02" providerId="ADAL" clId="{821A677A-779B-4C7C-901A-48EC05BFCA23}" dt="2023-11-22T14:31:37.645" v="532" actId="2696"/>
+        <pc:sldMkLst>
+          <pc:docMk/>
+          <pc:sldMk cId="2439136216" sldId="289"/>
+        </pc:sldMkLst>
+      </pc:sldChg>
+      <pc:sldChg chg="addSp delSp modSp mod">
+        <pc:chgData name="Alexander D'hoore" userId="1e5b90a3-18e7-4451-ac53-847831bd2a02" providerId="ADAL" clId="{821A677A-779B-4C7C-901A-48EC05BFCA23}" dt="2023-11-23T08:46:10.878" v="1544" actId="1076"/>
+        <pc:sldMkLst>
+          <pc:docMk/>
+          <pc:sldMk cId="3419238708" sldId="290"/>
+        </pc:sldMkLst>
+      </pc:sldChg>
+      <pc:sldChg chg="modSp mod">
+        <pc:chgData name="Alexander D'hoore" userId="1e5b90a3-18e7-4451-ac53-847831bd2a02" providerId="ADAL" clId="{821A677A-779B-4C7C-901A-48EC05BFCA23}" dt="2023-11-22T16:07:28.898" v="1328" actId="20577"/>
+        <pc:sldMkLst>
+          <pc:docMk/>
+          <pc:sldMk cId="2226251994" sldId="292"/>
+        </pc:sldMkLst>
+      </pc:sldChg>
+      <pc:sldChg chg="modSp new mod">
+        <pc:chgData name="Alexander D'hoore" userId="1e5b90a3-18e7-4451-ac53-847831bd2a02" providerId="ADAL" clId="{821A677A-779B-4C7C-901A-48EC05BFCA23}" dt="2023-11-22T16:15:16.965" v="1392"/>
+        <pc:sldMkLst>
+          <pc:docMk/>
+          <pc:sldMk cId="388844441" sldId="293"/>
+        </pc:sldMkLst>
+      </pc:sldChg>
+      <pc:sldChg chg="modSp add mod">
+        <pc:chgData name="Alexander D'hoore" userId="1e5b90a3-18e7-4451-ac53-847831bd2a02" providerId="ADAL" clId="{821A677A-779B-4C7C-901A-48EC05BFCA23}" dt="2023-11-22T16:15:25.955" v="1394"/>
+        <pc:sldMkLst>
+          <pc:docMk/>
+          <pc:sldMk cId="1449851617" sldId="294"/>
+        </pc:sldMkLst>
+      </pc:sldChg>
+      <pc:sldChg chg="modSp add mod">
+        <pc:chgData name="Alexander D'hoore" userId="1e5b90a3-18e7-4451-ac53-847831bd2a02" providerId="ADAL" clId="{821A677A-779B-4C7C-901A-48EC05BFCA23}" dt="2023-11-22T16:15:37.420" v="1398" actId="20577"/>
+        <pc:sldMkLst>
+          <pc:docMk/>
+          <pc:sldMk cId="1058497470" sldId="295"/>
+        </pc:sldMkLst>
+      </pc:sldChg>
+    </pc:docChg>
+  </pc:docChgLst>
+  <pc:docChgLst>
+    <pc:chgData name="Jonas Lannoo" userId="S::jonas.lannoo@kuleuven.be::b494a848-0cbe-426d-82db-f0c06b0d25da" providerId="AD" clId="Web-{03FCF854-3B21-4452-AF14-6B4FD720ECFF}"/>
+    <pc:docChg chg="modSld sldOrd">
+      <pc:chgData name="Jonas Lannoo" userId="S::jonas.lannoo@kuleuven.be::b494a848-0cbe-426d-82db-f0c06b0d25da" providerId="AD" clId="Web-{03FCF854-3B21-4452-AF14-6B4FD720ECFF}" dt="2023-11-22T12:50:29.635" v="2" actId="14100"/>
+      <pc:docMkLst>
+        <pc:docMk/>
+      </pc:docMkLst>
+      <pc:sldChg chg="ord">
+        <pc:chgData name="Jonas Lannoo" userId="S::jonas.lannoo@kuleuven.be::b494a848-0cbe-426d-82db-f0c06b0d25da" providerId="AD" clId="Web-{03FCF854-3B21-4452-AF14-6B4FD720ECFF}" dt="2023-11-22T12:49:36.539" v="1"/>
+        <pc:sldMkLst>
+          <pc:docMk/>
+          <pc:sldMk cId="1356561651" sldId="264"/>
+        </pc:sldMkLst>
+      </pc:sldChg>
+      <pc:sldChg chg="ord">
+        <pc:chgData name="Jonas Lannoo" userId="S::jonas.lannoo@kuleuven.be::b494a848-0cbe-426d-82db-f0c06b0d25da" providerId="AD" clId="Web-{03FCF854-3B21-4452-AF14-6B4FD720ECFF}" dt="2023-11-22T12:49:31.914" v="0"/>
+        <pc:sldMkLst>
+          <pc:docMk/>
+          <pc:sldMk cId="3765658475" sldId="277"/>
+        </pc:sldMkLst>
+      </pc:sldChg>
+      <pc:sldChg chg="modSp">
+        <pc:chgData name="Jonas Lannoo" userId="S::jonas.lannoo@kuleuven.be::b494a848-0cbe-426d-82db-f0c06b0d25da" providerId="AD" clId="Web-{03FCF854-3B21-4452-AF14-6B4FD720ECFF}" dt="2023-11-22T12:50:29.635" v="2" actId="14100"/>
+        <pc:sldMkLst>
+          <pc:docMk/>
+          <pc:sldMk cId="3646322024" sldId="281"/>
+        </pc:sldMkLst>
+      </pc:sldChg>
+    </pc:docChg>
+  </pc:docChgLst>
+  <pc:docChgLst>
     <pc:chgData name="Simon Stijnen" userId="f343b1ee-1f13-4d48-aaa0-a80ae7039109" providerId="ADAL" clId="{F184083C-1B50-4FC3-84B6-2BF735BF4C5D}"/>
-    <pc:docChg chg="modSld">
-      <pc:chgData name="Simon Stijnen" userId="f343b1ee-1f13-4d48-aaa0-a80ae7039109" providerId="ADAL" clId="{F184083C-1B50-4FC3-84B6-2BF735BF4C5D}" dt="2024-12-16T10:13:34.939" v="33" actId="20577"/>
+    <pc:docChg chg="addSld delSld modSld sldOrd">
+      <pc:chgData name="Simon Stijnen" userId="f343b1ee-1f13-4d48-aaa0-a80ae7039109" providerId="ADAL" clId="{F184083C-1B50-4FC3-84B6-2BF735BF4C5D}" dt="2024-12-16T11:48:42.951" v="40"/>
       <pc:docMkLst>
         <pc:docMk/>
       </pc:docMkLst>
@@ -2529,20 +1885,720 @@
           </ac:spMkLst>
         </pc:spChg>
       </pc:sldChg>
+      <pc:sldChg chg="add ord">
+        <pc:chgData name="Simon Stijnen" userId="f343b1ee-1f13-4d48-aaa0-a80ae7039109" providerId="ADAL" clId="{F184083C-1B50-4FC3-84B6-2BF735BF4C5D}" dt="2024-12-16T11:48:42.951" v="40"/>
+        <pc:sldMkLst>
+          <pc:docMk/>
+          <pc:sldMk cId="387218137" sldId="266"/>
+        </pc:sldMkLst>
+      </pc:sldChg>
+      <pc:sldChg chg="add del">
+        <pc:chgData name="Simon Stijnen" userId="f343b1ee-1f13-4d48-aaa0-a80ae7039109" providerId="ADAL" clId="{F184083C-1B50-4FC3-84B6-2BF735BF4C5D}" dt="2024-12-16T11:47:31.312" v="35"/>
+        <pc:sldMkLst>
+          <pc:docMk/>
+          <pc:sldMk cId="695201204" sldId="266"/>
+        </pc:sldMkLst>
+      </pc:sldChg>
     </pc:docChg>
   </pc:docChgLst>
   <pc:docChgLst>
-    <pc:chgData name="Lara Luys" userId="S::lara.luys@kuleuven.be::43fc1cb8-097a-46ef-9f63-bb4c9c2b6365" providerId="AD" clId="Web-{E213CD14-144C-4EA7-8F4C-39D645C5A95A}"/>
-    <pc:docChg chg="modSld">
-      <pc:chgData name="Lara Luys" userId="S::lara.luys@kuleuven.be::43fc1cb8-097a-46ef-9f63-bb4c9c2b6365" providerId="AD" clId="Web-{E213CD14-144C-4EA7-8F4C-39D645C5A95A}" dt="2023-11-22T19:10:07.554" v="4" actId="1076"/>
+    <pc:chgData name="Jonas Lannoo" userId="S::jonas.lannoo@kuleuven.be::b494a848-0cbe-426d-82db-f0c06b0d25da" providerId="AD" clId="Web-{F843E932-6A0F-450F-99D5-1F5A12F4027D}"/>
+    <pc:docChg chg="sldOrd">
+      <pc:chgData name="Jonas Lannoo" userId="S::jonas.lannoo@kuleuven.be::b494a848-0cbe-426d-82db-f0c06b0d25da" providerId="AD" clId="Web-{F843E932-6A0F-450F-99D5-1F5A12F4027D}" dt="2023-11-20T09:59:47.633" v="0"/>
+      <pc:docMkLst>
+        <pc:docMk/>
+      </pc:docMkLst>
+      <pc:sldChg chg="ord">
+        <pc:chgData name="Jonas Lannoo" userId="S::jonas.lannoo@kuleuven.be::b494a848-0cbe-426d-82db-f0c06b0d25da" providerId="AD" clId="Web-{F843E932-6A0F-450F-99D5-1F5A12F4027D}" dt="2023-11-20T09:59:47.633" v="0"/>
+        <pc:sldMkLst>
+          <pc:docMk/>
+          <pc:sldMk cId="1053869711" sldId="273"/>
+        </pc:sldMkLst>
+      </pc:sldChg>
+    </pc:docChg>
+  </pc:docChgLst>
+  <pc:docChgLst>
+    <pc:chgData name="Nigel Belderbos" userId="S::r0992536@student.vives.be::cd809dc1-2585-45f9-aa93-4a2a537c4fcf" providerId="AD" clId="Web-{A4B97DC2-6E76-2813-F639-069E9F01213F}"/>
+    <pc:docChg chg="addSld delSld modSld">
+      <pc:chgData name="Nigel Belderbos" userId="S::r0992536@student.vives.be::cd809dc1-2585-45f9-aa93-4a2a537c4fcf" providerId="AD" clId="Web-{A4B97DC2-6E76-2813-F639-069E9F01213F}" dt="2024-12-16T11:47:58.361" v="264"/>
       <pc:docMkLst>
         <pc:docMk/>
       </pc:docMkLst>
       <pc:sldChg chg="addSp delSp modSp">
-        <pc:chgData name="Lara Luys" userId="S::lara.luys@kuleuven.be::43fc1cb8-097a-46ef-9f63-bb4c9c2b6365" providerId="AD" clId="Web-{E213CD14-144C-4EA7-8F4C-39D645C5A95A}" dt="2023-11-22T19:10:07.554" v="4" actId="1076"/>
-        <pc:sldMkLst>
-          <pc:docMk/>
-          <pc:sldMk cId="388844441" sldId="293"/>
+        <pc:chgData name="Nigel Belderbos" userId="S::r0992536@student.vives.be::cd809dc1-2585-45f9-aa93-4a2a537c4fcf" providerId="AD" clId="Web-{A4B97DC2-6E76-2813-F639-069E9F01213F}" dt="2024-12-16T11:47:53.142" v="262" actId="20577"/>
+        <pc:sldMkLst>
+          <pc:docMk/>
+          <pc:sldMk cId="4172982090" sldId="265"/>
+        </pc:sldMkLst>
+        <pc:spChg chg="mod">
+          <ac:chgData name="Nigel Belderbos" userId="S::r0992536@student.vives.be::cd809dc1-2585-45f9-aa93-4a2a537c4fcf" providerId="AD" clId="Web-{A4B97DC2-6E76-2813-F639-069E9F01213F}" dt="2024-12-16T11:47:53.142" v="262" actId="20577"/>
+          <ac:spMkLst>
+            <pc:docMk/>
+            <pc:sldMk cId="4172982090" sldId="265"/>
+            <ac:spMk id="4" creationId="{9DA53156-9B5E-6A5E-D5CC-882C49FFE96B}"/>
+          </ac:spMkLst>
+        </pc:spChg>
+        <pc:spChg chg="add mod">
+          <ac:chgData name="Nigel Belderbos" userId="S::r0992536@student.vives.be::cd809dc1-2585-45f9-aa93-4a2a537c4fcf" providerId="AD" clId="Web-{A4B97DC2-6E76-2813-F639-069E9F01213F}" dt="2024-12-16T11:40:18.799" v="17"/>
+          <ac:spMkLst>
+            <pc:docMk/>
+            <pc:sldMk cId="4172982090" sldId="265"/>
+            <ac:spMk id="5" creationId="{47D180CC-2FA5-3BA6-05D7-6C1D15901E95}"/>
+          </ac:spMkLst>
+        </pc:spChg>
+        <pc:picChg chg="mod">
+          <ac:chgData name="Nigel Belderbos" userId="S::r0992536@student.vives.be::cd809dc1-2585-45f9-aa93-4a2a537c4fcf" providerId="AD" clId="Web-{A4B97DC2-6E76-2813-F639-069E9F01213F}" dt="2024-12-16T11:47:51.158" v="239" actId="1076"/>
+          <ac:picMkLst>
+            <pc:docMk/>
+            <pc:sldMk cId="4172982090" sldId="265"/>
+            <ac:picMk id="7" creationId="{053181A6-665E-D9BC-C7FC-E871C29418AF}"/>
+          </ac:picMkLst>
+        </pc:picChg>
+        <pc:picChg chg="del">
+          <ac:chgData name="Nigel Belderbos" userId="S::r0992536@student.vives.be::cd809dc1-2585-45f9-aa93-4a2a537c4fcf" providerId="AD" clId="Web-{A4B97DC2-6E76-2813-F639-069E9F01213F}" dt="2024-12-16T11:40:18.799" v="17"/>
+          <ac:picMkLst>
+            <pc:docMk/>
+            <pc:sldMk cId="4172982090" sldId="265"/>
+            <ac:picMk id="22" creationId="{F41CF54F-0E79-BDB2-CC36-7D9DB6391F58}"/>
+          </ac:picMkLst>
+        </pc:picChg>
+      </pc:sldChg>
+      <pc:sldChg chg="add del replId">
+        <pc:chgData name="Nigel Belderbos" userId="S::r0992536@student.vives.be::cd809dc1-2585-45f9-aa93-4a2a537c4fcf" providerId="AD" clId="Web-{A4B97DC2-6E76-2813-F639-069E9F01213F}" dt="2024-12-16T11:47:58.361" v="264"/>
+        <pc:sldMkLst>
+          <pc:docMk/>
+          <pc:sldMk cId="1519558492" sldId="266"/>
+        </pc:sldMkLst>
+      </pc:sldChg>
+    </pc:docChg>
+  </pc:docChgLst>
+  <pc:docChgLst>
+    <pc:chgData name="Lara Luys" userId="S::lara.luys@kuleuven.be::43fc1cb8-097a-46ef-9f63-bb4c9c2b6365" providerId="AD" clId="Web-{CD807968-A3FC-42BA-9E57-D729449CDC0E}"/>
+    <pc:docChg chg="modSld">
+      <pc:chgData name="Lara Luys" userId="S::lara.luys@kuleuven.be::43fc1cb8-097a-46ef-9f63-bb4c9c2b6365" providerId="AD" clId="Web-{CD807968-A3FC-42BA-9E57-D729449CDC0E}" dt="2023-11-23T08:28:05.728" v="3" actId="20577"/>
+      <pc:docMkLst>
+        <pc:docMk/>
+      </pc:docMkLst>
+      <pc:sldChg chg="modSp">
+        <pc:chgData name="Lara Luys" userId="S::lara.luys@kuleuven.be::43fc1cb8-097a-46ef-9f63-bb4c9c2b6365" providerId="AD" clId="Web-{CD807968-A3FC-42BA-9E57-D729449CDC0E}" dt="2023-11-23T08:28:05.728" v="3" actId="20577"/>
+        <pc:sldMkLst>
+          <pc:docMk/>
+          <pc:sldMk cId="2504399623" sldId="284"/>
+        </pc:sldMkLst>
+      </pc:sldChg>
+    </pc:docChg>
+  </pc:docChgLst>
+  <pc:docChgLst>
+    <pc:chgData name="Jonas Lannoo" userId="S::jonas.lannoo@kuleuven.be::b494a848-0cbe-426d-82db-f0c06b0d25da" providerId="AD" clId="Web-{EEFBA288-A64D-48E6-9962-568A85C1F3BE}"/>
+    <pc:docChg chg="modSld sldOrd">
+      <pc:chgData name="Jonas Lannoo" userId="S::jonas.lannoo@kuleuven.be::b494a848-0cbe-426d-82db-f0c06b0d25da" providerId="AD" clId="Web-{EEFBA288-A64D-48E6-9962-568A85C1F3BE}" dt="2023-11-22T21:41:01.241" v="95"/>
+      <pc:docMkLst>
+        <pc:docMk/>
+      </pc:docMkLst>
+      <pc:sldChg chg="modNotes">
+        <pc:chgData name="Jonas Lannoo" userId="S::jonas.lannoo@kuleuven.be::b494a848-0cbe-426d-82db-f0c06b0d25da" providerId="AD" clId="Web-{EEFBA288-A64D-48E6-9962-568A85C1F3BE}" dt="2023-11-22T21:41:01.241" v="95"/>
+        <pc:sldMkLst>
+          <pc:docMk/>
+          <pc:sldMk cId="701984223" sldId="257"/>
+        </pc:sldMkLst>
+      </pc:sldChg>
+      <pc:sldChg chg="modSp modNotes">
+        <pc:chgData name="Jonas Lannoo" userId="S::jonas.lannoo@kuleuven.be::b494a848-0cbe-426d-82db-f0c06b0d25da" providerId="AD" clId="Web-{EEFBA288-A64D-48E6-9962-568A85C1F3BE}" dt="2023-11-22T21:27:01.040" v="18"/>
+        <pc:sldMkLst>
+          <pc:docMk/>
+          <pc:sldMk cId="3689258070" sldId="258"/>
+        </pc:sldMkLst>
+      </pc:sldChg>
+      <pc:sldChg chg="modSp modNotes">
+        <pc:chgData name="Jonas Lannoo" userId="S::jonas.lannoo@kuleuven.be::b494a848-0cbe-426d-82db-f0c06b0d25da" providerId="AD" clId="Web-{EEFBA288-A64D-48E6-9962-568A85C1F3BE}" dt="2023-11-22T21:27:03.634" v="20"/>
+        <pc:sldMkLst>
+          <pc:docMk/>
+          <pc:sldMk cId="2340303385" sldId="259"/>
+        </pc:sldMkLst>
+      </pc:sldChg>
+      <pc:sldChg chg="ord modNotes">
+        <pc:chgData name="Jonas Lannoo" userId="S::jonas.lannoo@kuleuven.be::b494a848-0cbe-426d-82db-f0c06b0d25da" providerId="AD" clId="Web-{EEFBA288-A64D-48E6-9962-568A85C1F3BE}" dt="2023-11-22T21:27:20.619" v="29"/>
+        <pc:sldMkLst>
+          <pc:docMk/>
+          <pc:sldMk cId="663993984" sldId="260"/>
+        </pc:sldMkLst>
+      </pc:sldChg>
+      <pc:sldChg chg="modSp modNotes">
+        <pc:chgData name="Jonas Lannoo" userId="S::jonas.lannoo@kuleuven.be::b494a848-0cbe-426d-82db-f0c06b0d25da" providerId="AD" clId="Web-{EEFBA288-A64D-48E6-9962-568A85C1F3BE}" dt="2023-11-22T21:27:04.509" v="21"/>
+        <pc:sldMkLst>
+          <pc:docMk/>
+          <pc:sldMk cId="805026401" sldId="261"/>
+        </pc:sldMkLst>
+      </pc:sldChg>
+      <pc:sldChg chg="modSp modNotes">
+        <pc:chgData name="Jonas Lannoo" userId="S::jonas.lannoo@kuleuven.be::b494a848-0cbe-426d-82db-f0c06b0d25da" providerId="AD" clId="Web-{EEFBA288-A64D-48E6-9962-568A85C1F3BE}" dt="2023-11-22T21:27:44.433" v="35"/>
+        <pc:sldMkLst>
+          <pc:docMk/>
+          <pc:sldMk cId="823333162" sldId="263"/>
+        </pc:sldMkLst>
+      </pc:sldChg>
+      <pc:sldChg chg="modNotes">
+        <pc:chgData name="Jonas Lannoo" userId="S::jonas.lannoo@kuleuven.be::b494a848-0cbe-426d-82db-f0c06b0d25da" providerId="AD" clId="Web-{EEFBA288-A64D-48E6-9962-568A85C1F3BE}" dt="2023-11-22T21:28:38.684" v="42"/>
+        <pc:sldMkLst>
+          <pc:docMk/>
+          <pc:sldMk cId="1356561651" sldId="264"/>
+        </pc:sldMkLst>
+      </pc:sldChg>
+      <pc:sldChg chg="modNotes">
+        <pc:chgData name="Jonas Lannoo" userId="S::jonas.lannoo@kuleuven.be::b494a848-0cbe-426d-82db-f0c06b0d25da" providerId="AD" clId="Web-{EEFBA288-A64D-48E6-9962-568A85C1F3BE}" dt="2023-11-22T21:40:56.569" v="84"/>
+        <pc:sldMkLst>
+          <pc:docMk/>
+          <pc:sldMk cId="4219707684" sldId="268"/>
+        </pc:sldMkLst>
+      </pc:sldChg>
+      <pc:sldChg chg="modSp modNotes">
+        <pc:chgData name="Jonas Lannoo" userId="S::jonas.lannoo@kuleuven.be::b494a848-0cbe-426d-82db-f0c06b0d25da" providerId="AD" clId="Web-{EEFBA288-A64D-48E6-9962-568A85C1F3BE}" dt="2023-11-22T21:27:06.509" v="23"/>
+        <pc:sldMkLst>
+          <pc:docMk/>
+          <pc:sldMk cId="3372035890" sldId="270"/>
+        </pc:sldMkLst>
+      </pc:sldChg>
+      <pc:sldChg chg="modSp modNotes">
+        <pc:chgData name="Jonas Lannoo" userId="S::jonas.lannoo@kuleuven.be::b494a848-0cbe-426d-82db-f0c06b0d25da" providerId="AD" clId="Web-{EEFBA288-A64D-48E6-9962-568A85C1F3BE}" dt="2023-11-22T21:27:16.588" v="26"/>
+        <pc:sldMkLst>
+          <pc:docMk/>
+          <pc:sldMk cId="316297392" sldId="271"/>
+        </pc:sldMkLst>
+      </pc:sldChg>
+      <pc:sldChg chg="modNotes">
+        <pc:chgData name="Jonas Lannoo" userId="S::jonas.lannoo@kuleuven.be::b494a848-0cbe-426d-82db-f0c06b0d25da" providerId="AD" clId="Web-{EEFBA288-A64D-48E6-9962-568A85C1F3BE}" dt="2023-11-22T21:31:42.878" v="63"/>
+        <pc:sldMkLst>
+          <pc:docMk/>
+          <pc:sldMk cId="1053869711" sldId="273"/>
+        </pc:sldMkLst>
+      </pc:sldChg>
+      <pc:sldChg chg="modSp ord modNotes">
+        <pc:chgData name="Jonas Lannoo" userId="S::jonas.lannoo@kuleuven.be::b494a848-0cbe-426d-82db-f0c06b0d25da" providerId="AD" clId="Web-{EEFBA288-A64D-48E6-9962-568A85C1F3BE}" dt="2023-11-22T21:27:17.900" v="28"/>
+        <pc:sldMkLst>
+          <pc:docMk/>
+          <pc:sldMk cId="335327928" sldId="274"/>
+        </pc:sldMkLst>
+      </pc:sldChg>
+      <pc:sldChg chg="modNotes">
+        <pc:chgData name="Jonas Lannoo" userId="S::jonas.lannoo@kuleuven.be::b494a848-0cbe-426d-82db-f0c06b0d25da" providerId="AD" clId="Web-{EEFBA288-A64D-48E6-9962-568A85C1F3BE}" dt="2023-11-22T21:31:39.112" v="56"/>
+        <pc:sldMkLst>
+          <pc:docMk/>
+          <pc:sldMk cId="348779335" sldId="275"/>
+        </pc:sldMkLst>
+      </pc:sldChg>
+      <pc:sldChg chg="modSp modNotes">
+        <pc:chgData name="Jonas Lannoo" userId="S::jonas.lannoo@kuleuven.be::b494a848-0cbe-426d-82db-f0c06b0d25da" providerId="AD" clId="Web-{EEFBA288-A64D-48E6-9962-568A85C1F3BE}" dt="2023-11-22T21:27:39.151" v="33"/>
+        <pc:sldMkLst>
+          <pc:docMk/>
+          <pc:sldMk cId="2140520046" sldId="276"/>
+        </pc:sldMkLst>
+      </pc:sldChg>
+      <pc:sldChg chg="modSp modNotes">
+        <pc:chgData name="Jonas Lannoo" userId="S::jonas.lannoo@kuleuven.be::b494a848-0cbe-426d-82db-f0c06b0d25da" providerId="AD" clId="Web-{EEFBA288-A64D-48E6-9962-568A85C1F3BE}" dt="2023-11-22T21:27:37.042" v="31"/>
+        <pc:sldMkLst>
+          <pc:docMk/>
+          <pc:sldMk cId="3765658475" sldId="277"/>
+        </pc:sldMkLst>
+      </pc:sldChg>
+      <pc:sldChg chg="modNotes">
+        <pc:chgData name="Jonas Lannoo" userId="S::jonas.lannoo@kuleuven.be::b494a848-0cbe-426d-82db-f0c06b0d25da" providerId="AD" clId="Web-{EEFBA288-A64D-48E6-9962-568A85C1F3BE}" dt="2023-11-22T21:31:45.347" v="64"/>
+        <pc:sldMkLst>
+          <pc:docMk/>
+          <pc:sldMk cId="2490205241" sldId="278"/>
+        </pc:sldMkLst>
+      </pc:sldChg>
+      <pc:sldChg chg="modNotes">
+        <pc:chgData name="Jonas Lannoo" userId="S::jonas.lannoo@kuleuven.be::b494a848-0cbe-426d-82db-f0c06b0d25da" providerId="AD" clId="Web-{EEFBA288-A64D-48E6-9962-568A85C1F3BE}" dt="2023-11-22T21:31:47.863" v="66"/>
+        <pc:sldMkLst>
+          <pc:docMk/>
+          <pc:sldMk cId="584543639" sldId="279"/>
+        </pc:sldMkLst>
+      </pc:sldChg>
+      <pc:sldChg chg="modNotes">
+        <pc:chgData name="Jonas Lannoo" userId="S::jonas.lannoo@kuleuven.be::b494a848-0cbe-426d-82db-f0c06b0d25da" providerId="AD" clId="Web-{EEFBA288-A64D-48E6-9962-568A85C1F3BE}" dt="2023-11-22T21:31:50.722" v="68"/>
+        <pc:sldMkLst>
+          <pc:docMk/>
+          <pc:sldMk cId="262782385" sldId="280"/>
+        </pc:sldMkLst>
+      </pc:sldChg>
+      <pc:sldChg chg="modNotes">
+        <pc:chgData name="Jonas Lannoo" userId="S::jonas.lannoo@kuleuven.be::b494a848-0cbe-426d-82db-f0c06b0d25da" providerId="AD" clId="Web-{EEFBA288-A64D-48E6-9962-568A85C1F3BE}" dt="2023-11-22T21:32:14.957" v="71"/>
+        <pc:sldMkLst>
+          <pc:docMk/>
+          <pc:sldMk cId="3646322024" sldId="281"/>
+        </pc:sldMkLst>
+      </pc:sldChg>
+      <pc:sldChg chg="modNotes">
+        <pc:chgData name="Jonas Lannoo" userId="S::jonas.lannoo@kuleuven.be::b494a848-0cbe-426d-82db-f0c06b0d25da" providerId="AD" clId="Web-{EEFBA288-A64D-48E6-9962-568A85C1F3BE}" dt="2023-11-22T21:26:59.947" v="17"/>
+        <pc:sldMkLst>
+          <pc:docMk/>
+          <pc:sldMk cId="3372689143" sldId="288"/>
+        </pc:sldMkLst>
+      </pc:sldChg>
+      <pc:sldChg chg="modNotes">
+        <pc:chgData name="Jonas Lannoo" userId="S::jonas.lannoo@kuleuven.be::b494a848-0cbe-426d-82db-f0c06b0d25da" providerId="AD" clId="Web-{EEFBA288-A64D-48E6-9962-568A85C1F3BE}" dt="2023-11-22T21:34:19.243" v="77"/>
+        <pc:sldMkLst>
+          <pc:docMk/>
+          <pc:sldMk cId="3419238708" sldId="290"/>
+        </pc:sldMkLst>
+      </pc:sldChg>
+      <pc:sldChg chg="modSp">
+        <pc:chgData name="Jonas Lannoo" userId="S::jonas.lannoo@kuleuven.be::b494a848-0cbe-426d-82db-f0c06b0d25da" providerId="AD" clId="Web-{EEFBA288-A64D-48E6-9962-568A85C1F3BE}" dt="2023-11-22T20:36:19.554" v="3" actId="1076"/>
+        <pc:sldMkLst>
+          <pc:docMk/>
+          <pc:sldMk cId="4086276467" sldId="291"/>
+        </pc:sldMkLst>
+      </pc:sldChg>
+      <pc:sldChg chg="modNotes">
+        <pc:chgData name="Jonas Lannoo" userId="S::jonas.lannoo@kuleuven.be::b494a848-0cbe-426d-82db-f0c06b0d25da" providerId="AD" clId="Web-{EEFBA288-A64D-48E6-9962-568A85C1F3BE}" dt="2023-11-22T21:31:35.956" v="52"/>
+        <pc:sldMkLst>
+          <pc:docMk/>
+          <pc:sldMk cId="2226251994" sldId="292"/>
+        </pc:sldMkLst>
+      </pc:sldChg>
+    </pc:docChg>
+  </pc:docChgLst>
+  <pc:docChgLst>
+    <pc:chgData name="Jonas Lannoo" userId="S::jonas.lannoo@kuleuven.be::b494a848-0cbe-426d-82db-f0c06b0d25da" providerId="AD" clId="Web-{8296E4C6-247E-435E-AC4C-4C828D007AF7}"/>
+    <pc:docChg chg="sldOrd">
+      <pc:chgData name="Jonas Lannoo" userId="S::jonas.lannoo@kuleuven.be::b494a848-0cbe-426d-82db-f0c06b0d25da" providerId="AD" clId="Web-{8296E4C6-247E-435E-AC4C-4C828D007AF7}" dt="2023-11-22T22:53:31.024" v="1"/>
+      <pc:docMkLst>
+        <pc:docMk/>
+      </pc:docMkLst>
+      <pc:sldChg chg="ord">
+        <pc:chgData name="Jonas Lannoo" userId="S::jonas.lannoo@kuleuven.be::b494a848-0cbe-426d-82db-f0c06b0d25da" providerId="AD" clId="Web-{8296E4C6-247E-435E-AC4C-4C828D007AF7}" dt="2023-11-22T22:53:31.024" v="1"/>
+        <pc:sldMkLst>
+          <pc:docMk/>
+          <pc:sldMk cId="823333162" sldId="263"/>
+        </pc:sldMkLst>
+      </pc:sldChg>
+    </pc:docChg>
+  </pc:docChgLst>
+  <pc:docChgLst>
+    <pc:chgData name="Arno Schoutteten" userId="S::arno.schoutteten_vives.be#ext#@kuleuven.onmicrosoft.com::495f3e62-7f18-4b7d-956f-0281900c945c" providerId="AD" clId="Web-{B8CF46E2-A280-485A-BA9B-8092C511BF88}"/>
+    <pc:docChg chg="modSld">
+      <pc:chgData name="Arno Schoutteten" userId="S::arno.schoutteten_vives.be#ext#@kuleuven.onmicrosoft.com::495f3e62-7f18-4b7d-956f-0281900c945c" providerId="AD" clId="Web-{B8CF46E2-A280-485A-BA9B-8092C511BF88}" dt="2023-11-22T16:40:12.315" v="11" actId="20577"/>
+      <pc:docMkLst>
+        <pc:docMk/>
+      </pc:docMkLst>
+      <pc:sldChg chg="addSp delSp modSp">
+        <pc:chgData name="Arno Schoutteten" userId="S::arno.schoutteten_vives.be#ext#@kuleuven.onmicrosoft.com::495f3e62-7f18-4b7d-956f-0281900c945c" providerId="AD" clId="Web-{B8CF46E2-A280-485A-BA9B-8092C511BF88}" dt="2023-11-22T16:40:12.315" v="11" actId="20577"/>
+        <pc:sldMkLst>
+          <pc:docMk/>
+          <pc:sldMk cId="1058497470" sldId="295"/>
+        </pc:sldMkLst>
+      </pc:sldChg>
+    </pc:docChg>
+  </pc:docChgLst>
+  <pc:docChgLst>
+    <pc:chgData name="Lara Luys" userId="S::lara.luys@kuleuven.be::43fc1cb8-097a-46ef-9f63-bb4c9c2b6365" providerId="AD" clId="Web-{963CD039-869A-43C5-A8DE-4A5B1D01D2B8}"/>
+    <pc:docChg chg="modSld sldOrd">
+      <pc:chgData name="Lara Luys" userId="S::lara.luys@kuleuven.be::43fc1cb8-097a-46ef-9f63-bb4c9c2b6365" providerId="AD" clId="Web-{963CD039-869A-43C5-A8DE-4A5B1D01D2B8}" dt="2023-11-22T12:51:18.498" v="49"/>
+      <pc:docMkLst>
+        <pc:docMk/>
+      </pc:docMkLst>
+      <pc:sldChg chg="modSp">
+        <pc:chgData name="Lara Luys" userId="S::lara.luys@kuleuven.be::43fc1cb8-097a-46ef-9f63-bb4c9c2b6365" providerId="AD" clId="Web-{963CD039-869A-43C5-A8DE-4A5B1D01D2B8}" dt="2023-11-22T12:35:23.307" v="0" actId="1076"/>
+        <pc:sldMkLst>
+          <pc:docMk/>
+          <pc:sldMk cId="701984223" sldId="257"/>
+        </pc:sldMkLst>
+      </pc:sldChg>
+      <pc:sldChg chg="ord">
+        <pc:chgData name="Lara Luys" userId="S::lara.luys@kuleuven.be::43fc1cb8-097a-46ef-9f63-bb4c9c2b6365" providerId="AD" clId="Web-{963CD039-869A-43C5-A8DE-4A5B1D01D2B8}" dt="2023-11-22T12:51:18.498" v="49"/>
+        <pc:sldMkLst>
+          <pc:docMk/>
+          <pc:sldMk cId="823333162" sldId="263"/>
+        </pc:sldMkLst>
+      </pc:sldChg>
+      <pc:sldChg chg="ord">
+        <pc:chgData name="Lara Luys" userId="S::lara.luys@kuleuven.be::43fc1cb8-097a-46ef-9f63-bb4c9c2b6365" providerId="AD" clId="Web-{963CD039-869A-43C5-A8DE-4A5B1D01D2B8}" dt="2023-11-22T12:51:06.045" v="48"/>
+        <pc:sldMkLst>
+          <pc:docMk/>
+          <pc:sldMk cId="1356561651" sldId="264"/>
+        </pc:sldMkLst>
+      </pc:sldChg>
+      <pc:sldChg chg="modSp">
+        <pc:chgData name="Lara Luys" userId="S::lara.luys@kuleuven.be::43fc1cb8-097a-46ef-9f63-bb4c9c2b6365" providerId="AD" clId="Web-{963CD039-869A-43C5-A8DE-4A5B1D01D2B8}" dt="2023-11-22T12:49:59.136" v="47" actId="20577"/>
+        <pc:sldMkLst>
+          <pc:docMk/>
+          <pc:sldMk cId="865258742" sldId="283"/>
+        </pc:sldMkLst>
+      </pc:sldChg>
+    </pc:docChg>
+  </pc:docChgLst>
+  <pc:docChgLst>
+    <pc:chgData name="Matthias De Ryck" userId="dbd2fdaa-03e2-4ab7-a04f-963a93ef2119" providerId="ADAL" clId="{E8319FBB-B360-4830-A840-38D7049C93AA}"/>
+    <pc:docChg chg="undo custSel addSld delSld modSld sldOrd delMainMaster">
+      <pc:chgData name="Matthias De Ryck" userId="dbd2fdaa-03e2-4ab7-a04f-963a93ef2119" providerId="ADAL" clId="{E8319FBB-B360-4830-A840-38D7049C93AA}" dt="2022-10-13T07:51:29.214" v="6243" actId="47"/>
+      <pc:docMkLst>
+        <pc:docMk/>
+      </pc:docMkLst>
+      <pc:sldChg chg="modSp del mod">
+        <pc:chgData name="Matthias De Ryck" userId="dbd2fdaa-03e2-4ab7-a04f-963a93ef2119" providerId="ADAL" clId="{E8319FBB-B360-4830-A840-38D7049C93AA}" dt="2022-09-14T11:03:50.082" v="1449" actId="47"/>
+        <pc:sldMkLst>
+          <pc:docMk/>
+          <pc:sldMk cId="729570970" sldId="256"/>
+        </pc:sldMkLst>
+      </pc:sldChg>
+      <pc:sldChg chg="modSp new mod">
+        <pc:chgData name="Matthias De Ryck" userId="dbd2fdaa-03e2-4ab7-a04f-963a93ef2119" providerId="ADAL" clId="{E8319FBB-B360-4830-A840-38D7049C93AA}" dt="2022-10-03T13:32:54.960" v="5219" actId="20577"/>
+        <pc:sldMkLst>
+          <pc:docMk/>
+          <pc:sldMk cId="3689258070" sldId="258"/>
+        </pc:sldMkLst>
+      </pc:sldChg>
+      <pc:sldChg chg="modSp add mod">
+        <pc:chgData name="Matthias De Ryck" userId="dbd2fdaa-03e2-4ab7-a04f-963a93ef2119" providerId="ADAL" clId="{E8319FBB-B360-4830-A840-38D7049C93AA}" dt="2022-10-03T13:37:36.280" v="5258" actId="113"/>
+        <pc:sldMkLst>
+          <pc:docMk/>
+          <pc:sldMk cId="2340303385" sldId="259"/>
+        </pc:sldMkLst>
+      </pc:sldChg>
+      <pc:sldChg chg="modSp add mod ord">
+        <pc:chgData name="Matthias De Ryck" userId="dbd2fdaa-03e2-4ab7-a04f-963a93ef2119" providerId="ADAL" clId="{E8319FBB-B360-4830-A840-38D7049C93AA}" dt="2022-10-10T12:35:15.032" v="5753" actId="20577"/>
+        <pc:sldMkLst>
+          <pc:docMk/>
+          <pc:sldMk cId="663993984" sldId="260"/>
+        </pc:sldMkLst>
+      </pc:sldChg>
+      <pc:sldChg chg="addSp delSp modSp add mod ord">
+        <pc:chgData name="Matthias De Ryck" userId="dbd2fdaa-03e2-4ab7-a04f-963a93ef2119" providerId="ADAL" clId="{E8319FBB-B360-4830-A840-38D7049C93AA}" dt="2022-10-11T07:10:05.620" v="6222" actId="20577"/>
+        <pc:sldMkLst>
+          <pc:docMk/>
+          <pc:sldMk cId="805026401" sldId="261"/>
+        </pc:sldMkLst>
+      </pc:sldChg>
+      <pc:sldChg chg="delSp modSp add mod">
+        <pc:chgData name="Matthias De Ryck" userId="dbd2fdaa-03e2-4ab7-a04f-963a93ef2119" providerId="ADAL" clId="{E8319FBB-B360-4830-A840-38D7049C93AA}" dt="2022-10-10T12:36:39.523" v="5762" actId="27636"/>
+        <pc:sldMkLst>
+          <pc:docMk/>
+          <pc:sldMk cId="2285246726" sldId="262"/>
+        </pc:sldMkLst>
+      </pc:sldChg>
+      <pc:sldChg chg="addSp delSp modSp add mod ord">
+        <pc:chgData name="Matthias De Ryck" userId="dbd2fdaa-03e2-4ab7-a04f-963a93ef2119" providerId="ADAL" clId="{E8319FBB-B360-4830-A840-38D7049C93AA}" dt="2022-10-10T12:43:41.530" v="6069" actId="20577"/>
+        <pc:sldMkLst>
+          <pc:docMk/>
+          <pc:sldMk cId="823333162" sldId="263"/>
+        </pc:sldMkLst>
+      </pc:sldChg>
+      <pc:sldChg chg="modSp add mod">
+        <pc:chgData name="Matthias De Ryck" userId="dbd2fdaa-03e2-4ab7-a04f-963a93ef2119" providerId="ADAL" clId="{E8319FBB-B360-4830-A840-38D7049C93AA}" dt="2022-09-26T18:30:26.637" v="5008" actId="20577"/>
+        <pc:sldMkLst>
+          <pc:docMk/>
+          <pc:sldMk cId="1356561651" sldId="264"/>
+        </pc:sldMkLst>
+      </pc:sldChg>
+      <pc:sldChg chg="modSp add del mod">
+        <pc:chgData name="Matthias De Ryck" userId="dbd2fdaa-03e2-4ab7-a04f-963a93ef2119" providerId="ADAL" clId="{E8319FBB-B360-4830-A840-38D7049C93AA}" dt="2022-09-14T09:53:12.620" v="430" actId="47"/>
+        <pc:sldMkLst>
+          <pc:docMk/>
+          <pc:sldMk cId="1507354702" sldId="264"/>
+        </pc:sldMkLst>
+      </pc:sldChg>
+      <pc:sldChg chg="modSp add del mod">
+        <pc:chgData name="Matthias De Ryck" userId="dbd2fdaa-03e2-4ab7-a04f-963a93ef2119" providerId="ADAL" clId="{E8319FBB-B360-4830-A840-38D7049C93AA}" dt="2022-10-11T06:48:42.209" v="6148" actId="47"/>
+        <pc:sldMkLst>
+          <pc:docMk/>
+          <pc:sldMk cId="3135182459" sldId="265"/>
+        </pc:sldMkLst>
+      </pc:sldChg>
+      <pc:sldChg chg="addSp delSp modSp add del mod ord modShow">
+        <pc:chgData name="Matthias De Ryck" userId="dbd2fdaa-03e2-4ab7-a04f-963a93ef2119" providerId="ADAL" clId="{E8319FBB-B360-4830-A840-38D7049C93AA}" dt="2022-10-10T13:12:50.717" v="6146" actId="729"/>
+        <pc:sldMkLst>
+          <pc:docMk/>
+          <pc:sldMk cId="1662569675" sldId="266"/>
+        </pc:sldMkLst>
+      </pc:sldChg>
+      <pc:sldChg chg="add del">
+        <pc:chgData name="Matthias De Ryck" userId="dbd2fdaa-03e2-4ab7-a04f-963a93ef2119" providerId="ADAL" clId="{E8319FBB-B360-4830-A840-38D7049C93AA}" dt="2022-09-14T09:54:03.231" v="482" actId="47"/>
+        <pc:sldMkLst>
+          <pc:docMk/>
+          <pc:sldMk cId="3800904000" sldId="266"/>
+        </pc:sldMkLst>
+      </pc:sldChg>
+      <pc:sldChg chg="addSp modSp add mod">
+        <pc:chgData name="Matthias De Ryck" userId="dbd2fdaa-03e2-4ab7-a04f-963a93ef2119" providerId="ADAL" clId="{E8319FBB-B360-4830-A840-38D7049C93AA}" dt="2022-10-11T07:13:48.537" v="6242"/>
+        <pc:sldMkLst>
+          <pc:docMk/>
+          <pc:sldMk cId="992936327" sldId="267"/>
+        </pc:sldMkLst>
+      </pc:sldChg>
+      <pc:sldChg chg="addSp modSp add mod">
+        <pc:chgData name="Matthias De Ryck" userId="dbd2fdaa-03e2-4ab7-a04f-963a93ef2119" providerId="ADAL" clId="{E8319FBB-B360-4830-A840-38D7049C93AA}" dt="2022-10-11T07:13:27.479" v="6233" actId="1076"/>
+        <pc:sldMkLst>
+          <pc:docMk/>
+          <pc:sldMk cId="4219707684" sldId="268"/>
+        </pc:sldMkLst>
+      </pc:sldChg>
+      <pc:sldChg chg="modSp add del mod">
+        <pc:chgData name="Matthias De Ryck" userId="dbd2fdaa-03e2-4ab7-a04f-963a93ef2119" providerId="ADAL" clId="{E8319FBB-B360-4830-A840-38D7049C93AA}" dt="2022-09-14T11:05:30.082" v="1503" actId="47"/>
+        <pc:sldMkLst>
+          <pc:docMk/>
+          <pc:sldMk cId="605187288" sldId="269"/>
+        </pc:sldMkLst>
+      </pc:sldChg>
+      <pc:sldChg chg="addSp delSp modSp add mod">
+        <pc:chgData name="Matthias De Ryck" userId="dbd2fdaa-03e2-4ab7-a04f-963a93ef2119" providerId="ADAL" clId="{E8319FBB-B360-4830-A840-38D7049C93AA}" dt="2022-10-10T12:47:24.136" v="6091" actId="14100"/>
+        <pc:sldMkLst>
+          <pc:docMk/>
+          <pc:sldMk cId="3750285839" sldId="269"/>
+        </pc:sldMkLst>
+      </pc:sldChg>
+      <pc:sldChg chg="addSp delSp modSp new mod ord">
+        <pc:chgData name="Matthias De Ryck" userId="dbd2fdaa-03e2-4ab7-a04f-963a93ef2119" providerId="ADAL" clId="{E8319FBB-B360-4830-A840-38D7049C93AA}" dt="2022-10-10T12:30:46.678" v="5649"/>
+        <pc:sldMkLst>
+          <pc:docMk/>
+          <pc:sldMk cId="3372035890" sldId="270"/>
+        </pc:sldMkLst>
+      </pc:sldChg>
+      <pc:sldChg chg="addSp delSp modSp new mod modClrScheme chgLayout">
+        <pc:chgData name="Matthias De Ryck" userId="dbd2fdaa-03e2-4ab7-a04f-963a93ef2119" providerId="ADAL" clId="{E8319FBB-B360-4830-A840-38D7049C93AA}" dt="2022-10-10T12:34:27.283" v="5752" actId="20577"/>
+        <pc:sldMkLst>
+          <pc:docMk/>
+          <pc:sldMk cId="316297392" sldId="271"/>
+        </pc:sldMkLst>
+      </pc:sldChg>
+      <pc:sldChg chg="modSp add del mod">
+        <pc:chgData name="Matthias De Ryck" userId="dbd2fdaa-03e2-4ab7-a04f-963a93ef2119" providerId="ADAL" clId="{E8319FBB-B360-4830-A840-38D7049C93AA}" dt="2022-10-11T06:48:44.109" v="6149" actId="47"/>
+        <pc:sldMkLst>
+          <pc:docMk/>
+          <pc:sldMk cId="1627780156" sldId="272"/>
+        </pc:sldMkLst>
+      </pc:sldChg>
+      <pc:sldChg chg="delSp modSp add del mod">
+        <pc:chgData name="Matthias De Ryck" userId="dbd2fdaa-03e2-4ab7-a04f-963a93ef2119" providerId="ADAL" clId="{E8319FBB-B360-4830-A840-38D7049C93AA}" dt="2022-09-14T11:52:11.568" v="2928" actId="47"/>
+        <pc:sldMkLst>
+          <pc:docMk/>
+          <pc:sldMk cId="2081187526" sldId="272"/>
+        </pc:sldMkLst>
+      </pc:sldChg>
+      <pc:sldChg chg="addSp delSp modSp new del mod">
+        <pc:chgData name="Matthias De Ryck" userId="dbd2fdaa-03e2-4ab7-a04f-963a93ef2119" providerId="ADAL" clId="{E8319FBB-B360-4830-A840-38D7049C93AA}" dt="2022-09-14T12:05:28.617" v="3428" actId="47"/>
+        <pc:sldMkLst>
+          <pc:docMk/>
+          <pc:sldMk cId="2617602330" sldId="272"/>
+        </pc:sldMkLst>
+      </pc:sldChg>
+      <pc:sldChg chg="addSp delSp modSp add mod chgLayout">
+        <pc:chgData name="Matthias De Ryck" userId="dbd2fdaa-03e2-4ab7-a04f-963a93ef2119" providerId="ADAL" clId="{E8319FBB-B360-4830-A840-38D7049C93AA}" dt="2022-10-10T12:48:22.058" v="6094" actId="207"/>
+        <pc:sldMkLst>
+          <pc:docMk/>
+          <pc:sldMk cId="1053869711" sldId="273"/>
+        </pc:sldMkLst>
+      </pc:sldChg>
+      <pc:sldChg chg="addSp delSp modSp add mod">
+        <pc:chgData name="Matthias De Ryck" userId="dbd2fdaa-03e2-4ab7-a04f-963a93ef2119" providerId="ADAL" clId="{E8319FBB-B360-4830-A840-38D7049C93AA}" dt="2022-10-03T13:49:32.888" v="5416" actId="1076"/>
+        <pc:sldMkLst>
+          <pc:docMk/>
+          <pc:sldMk cId="335327928" sldId="274"/>
+        </pc:sldMkLst>
+      </pc:sldChg>
+      <pc:sldChg chg="modSp new mod">
+        <pc:chgData name="Matthias De Ryck" userId="dbd2fdaa-03e2-4ab7-a04f-963a93ef2119" providerId="ADAL" clId="{E8319FBB-B360-4830-A840-38D7049C93AA}" dt="2022-10-04T07:26:29.226" v="5594" actId="20577"/>
+        <pc:sldMkLst>
+          <pc:docMk/>
+          <pc:sldMk cId="348779335" sldId="275"/>
+        </pc:sldMkLst>
+      </pc:sldChg>
+      <pc:sldChg chg="modSp add mod">
+        <pc:chgData name="Matthias De Ryck" userId="dbd2fdaa-03e2-4ab7-a04f-963a93ef2119" providerId="ADAL" clId="{E8319FBB-B360-4830-A840-38D7049C93AA}" dt="2022-10-10T12:45:24.634" v="6074" actId="27636"/>
+        <pc:sldMkLst>
+          <pc:docMk/>
+          <pc:sldMk cId="2140520046" sldId="276"/>
+        </pc:sldMkLst>
+      </pc:sldChg>
+      <pc:sldChg chg="addSp delSp modSp add del mod">
+        <pc:chgData name="Matthias De Ryck" userId="dbd2fdaa-03e2-4ab7-a04f-963a93ef2119" providerId="ADAL" clId="{E8319FBB-B360-4830-A840-38D7049C93AA}" dt="2022-10-10T12:29:52.779" v="5620" actId="47"/>
+        <pc:sldMkLst>
+          <pc:docMk/>
+          <pc:sldMk cId="2287158440" sldId="276"/>
+        </pc:sldMkLst>
+      </pc:sldChg>
+      <pc:sldChg chg="modSp add mod">
+        <pc:chgData name="Matthias De Ryck" userId="dbd2fdaa-03e2-4ab7-a04f-963a93ef2119" providerId="ADAL" clId="{E8319FBB-B360-4830-A840-38D7049C93AA}" dt="2022-10-11T06:49:05.879" v="6171" actId="20577"/>
+        <pc:sldMkLst>
+          <pc:docMk/>
+          <pc:sldMk cId="3765658475" sldId="277"/>
+        </pc:sldMkLst>
+      </pc:sldChg>
+      <pc:sldChg chg="modSp add mod">
+        <pc:chgData name="Matthias De Ryck" userId="dbd2fdaa-03e2-4ab7-a04f-963a93ef2119" providerId="ADAL" clId="{E8319FBB-B360-4830-A840-38D7049C93AA}" dt="2022-10-11T06:49:16.712" v="6176" actId="20577"/>
+        <pc:sldMkLst>
+          <pc:docMk/>
+          <pc:sldMk cId="2490205241" sldId="278"/>
+        </pc:sldMkLst>
+      </pc:sldChg>
+      <pc:sldChg chg="add">
+        <pc:chgData name="Matthias De Ryck" userId="dbd2fdaa-03e2-4ab7-a04f-963a93ef2119" providerId="ADAL" clId="{E8319FBB-B360-4830-A840-38D7049C93AA}" dt="2022-10-11T06:48:39.412" v="6147"/>
+        <pc:sldMkLst>
+          <pc:docMk/>
+          <pc:sldMk cId="584543639" sldId="279"/>
+        </pc:sldMkLst>
+      </pc:sldChg>
+      <pc:sldChg chg="add">
+        <pc:chgData name="Matthias De Ryck" userId="dbd2fdaa-03e2-4ab7-a04f-963a93ef2119" providerId="ADAL" clId="{E8319FBB-B360-4830-A840-38D7049C93AA}" dt="2022-10-11T06:48:39.412" v="6147"/>
+        <pc:sldMkLst>
+          <pc:docMk/>
+          <pc:sldMk cId="262782385" sldId="280"/>
+        </pc:sldMkLst>
+      </pc:sldChg>
+      <pc:sldChg chg="modSp new del mod">
+        <pc:chgData name="Matthias De Ryck" userId="dbd2fdaa-03e2-4ab7-a04f-963a93ef2119" providerId="ADAL" clId="{E8319FBB-B360-4830-A840-38D7049C93AA}" dt="2022-10-13T07:51:29.214" v="6243" actId="47"/>
+        <pc:sldMkLst>
+          <pc:docMk/>
+          <pc:sldMk cId="2190411907" sldId="281"/>
+        </pc:sldMkLst>
+      </pc:sldChg>
+      <pc:sldMasterChg chg="del delSldLayout">
+        <pc:chgData name="Matthias De Ryck" userId="dbd2fdaa-03e2-4ab7-a04f-963a93ef2119" providerId="ADAL" clId="{E8319FBB-B360-4830-A840-38D7049C93AA}" dt="2022-09-14T11:52:11.568" v="2928" actId="47"/>
+        <pc:sldMasterMkLst>
+          <pc:docMk/>
+          <pc:sldMasterMk cId="2820455644" sldId="2147483660"/>
+        </pc:sldMasterMkLst>
+        <pc:sldLayoutChg chg="del">
+          <pc:chgData name="Matthias De Ryck" userId="dbd2fdaa-03e2-4ab7-a04f-963a93ef2119" providerId="ADAL" clId="{E8319FBB-B360-4830-A840-38D7049C93AA}" dt="2022-09-14T11:52:11.568" v="2928" actId="47"/>
+          <pc:sldLayoutMkLst>
+            <pc:docMk/>
+            <pc:sldMasterMk cId="2820455644" sldId="2147483660"/>
+            <pc:sldLayoutMk cId="3190289789" sldId="2147483661"/>
+          </pc:sldLayoutMkLst>
+        </pc:sldLayoutChg>
+        <pc:sldLayoutChg chg="del">
+          <pc:chgData name="Matthias De Ryck" userId="dbd2fdaa-03e2-4ab7-a04f-963a93ef2119" providerId="ADAL" clId="{E8319FBB-B360-4830-A840-38D7049C93AA}" dt="2022-09-14T11:52:11.568" v="2928" actId="47"/>
+          <pc:sldLayoutMkLst>
+            <pc:docMk/>
+            <pc:sldMasterMk cId="2820455644" sldId="2147483660"/>
+            <pc:sldLayoutMk cId="2411692395" sldId="2147483662"/>
+          </pc:sldLayoutMkLst>
+        </pc:sldLayoutChg>
+        <pc:sldLayoutChg chg="del">
+          <pc:chgData name="Matthias De Ryck" userId="dbd2fdaa-03e2-4ab7-a04f-963a93ef2119" providerId="ADAL" clId="{E8319FBB-B360-4830-A840-38D7049C93AA}" dt="2022-09-14T11:52:11.568" v="2928" actId="47"/>
+          <pc:sldLayoutMkLst>
+            <pc:docMk/>
+            <pc:sldMasterMk cId="2820455644" sldId="2147483660"/>
+            <pc:sldLayoutMk cId="4050141678" sldId="2147483663"/>
+          </pc:sldLayoutMkLst>
+        </pc:sldLayoutChg>
+        <pc:sldLayoutChg chg="del">
+          <pc:chgData name="Matthias De Ryck" userId="dbd2fdaa-03e2-4ab7-a04f-963a93ef2119" providerId="ADAL" clId="{E8319FBB-B360-4830-A840-38D7049C93AA}" dt="2022-09-14T11:52:11.568" v="2928" actId="47"/>
+          <pc:sldLayoutMkLst>
+            <pc:docMk/>
+            <pc:sldMasterMk cId="2820455644" sldId="2147483660"/>
+            <pc:sldLayoutMk cId="2506819467" sldId="2147483664"/>
+          </pc:sldLayoutMkLst>
+        </pc:sldLayoutChg>
+        <pc:sldLayoutChg chg="del">
+          <pc:chgData name="Matthias De Ryck" userId="dbd2fdaa-03e2-4ab7-a04f-963a93ef2119" providerId="ADAL" clId="{E8319FBB-B360-4830-A840-38D7049C93AA}" dt="2022-09-14T11:52:11.568" v="2928" actId="47"/>
+          <pc:sldLayoutMkLst>
+            <pc:docMk/>
+            <pc:sldMasterMk cId="2820455644" sldId="2147483660"/>
+            <pc:sldLayoutMk cId="2646335078" sldId="2147483665"/>
+          </pc:sldLayoutMkLst>
+        </pc:sldLayoutChg>
+        <pc:sldLayoutChg chg="del">
+          <pc:chgData name="Matthias De Ryck" userId="dbd2fdaa-03e2-4ab7-a04f-963a93ef2119" providerId="ADAL" clId="{E8319FBB-B360-4830-A840-38D7049C93AA}" dt="2022-09-14T11:52:11.568" v="2928" actId="47"/>
+          <pc:sldLayoutMkLst>
+            <pc:docMk/>
+            <pc:sldMasterMk cId="2820455644" sldId="2147483660"/>
+            <pc:sldLayoutMk cId="3202867669" sldId="2147483666"/>
+          </pc:sldLayoutMkLst>
+        </pc:sldLayoutChg>
+        <pc:sldLayoutChg chg="del">
+          <pc:chgData name="Matthias De Ryck" userId="dbd2fdaa-03e2-4ab7-a04f-963a93ef2119" providerId="ADAL" clId="{E8319FBB-B360-4830-A840-38D7049C93AA}" dt="2022-09-14T11:52:11.568" v="2928" actId="47"/>
+          <pc:sldLayoutMkLst>
+            <pc:docMk/>
+            <pc:sldMasterMk cId="2820455644" sldId="2147483660"/>
+            <pc:sldLayoutMk cId="3926856818" sldId="2147483667"/>
+          </pc:sldLayoutMkLst>
+        </pc:sldLayoutChg>
+        <pc:sldLayoutChg chg="del">
+          <pc:chgData name="Matthias De Ryck" userId="dbd2fdaa-03e2-4ab7-a04f-963a93ef2119" providerId="ADAL" clId="{E8319FBB-B360-4830-A840-38D7049C93AA}" dt="2022-09-14T11:52:11.568" v="2928" actId="47"/>
+          <pc:sldLayoutMkLst>
+            <pc:docMk/>
+            <pc:sldMasterMk cId="2820455644" sldId="2147483660"/>
+            <pc:sldLayoutMk cId="2582050114" sldId="2147483668"/>
+          </pc:sldLayoutMkLst>
+        </pc:sldLayoutChg>
+        <pc:sldLayoutChg chg="del">
+          <pc:chgData name="Matthias De Ryck" userId="dbd2fdaa-03e2-4ab7-a04f-963a93ef2119" providerId="ADAL" clId="{E8319FBB-B360-4830-A840-38D7049C93AA}" dt="2022-09-14T11:52:11.568" v="2928" actId="47"/>
+          <pc:sldLayoutMkLst>
+            <pc:docMk/>
+            <pc:sldMasterMk cId="2820455644" sldId="2147483660"/>
+            <pc:sldLayoutMk cId="670711865" sldId="2147483669"/>
+          </pc:sldLayoutMkLst>
+        </pc:sldLayoutChg>
+        <pc:sldLayoutChg chg="del">
+          <pc:chgData name="Matthias De Ryck" userId="dbd2fdaa-03e2-4ab7-a04f-963a93ef2119" providerId="ADAL" clId="{E8319FBB-B360-4830-A840-38D7049C93AA}" dt="2022-09-14T11:52:11.568" v="2928" actId="47"/>
+          <pc:sldLayoutMkLst>
+            <pc:docMk/>
+            <pc:sldMasterMk cId="2820455644" sldId="2147483660"/>
+            <pc:sldLayoutMk cId="4202309847" sldId="2147483670"/>
+          </pc:sldLayoutMkLst>
+        </pc:sldLayoutChg>
+      </pc:sldMasterChg>
+    </pc:docChg>
+  </pc:docChgLst>
+  <pc:docChgLst>
+    <pc:chgData name="Nigel Belderbos" userId="S::r0992536@student.vives.be::cd809dc1-2585-45f9-aa93-4a2a537c4fcf" providerId="AD" clId="Web-{F3D82920-4BE4-5352-86B0-78D3540B7B78}"/>
+    <pc:docChg chg="delSld sldOrd">
+      <pc:chgData name="Nigel Belderbos" userId="S::r0992536@student.vives.be::cd809dc1-2585-45f9-aa93-4a2a537c4fcf" providerId="AD" clId="Web-{F3D82920-4BE4-5352-86B0-78D3540B7B78}" dt="2024-12-15T20:50:18.832" v="2"/>
+      <pc:docMkLst>
+        <pc:docMk/>
+      </pc:docMkLst>
+      <pc:sldChg chg="ord">
+        <pc:chgData name="Nigel Belderbos" userId="S::r0992536@student.vives.be::cd809dc1-2585-45f9-aa93-4a2a537c4fcf" providerId="AD" clId="Web-{F3D82920-4BE4-5352-86B0-78D3540B7B78}" dt="2024-12-15T20:48:56.453" v="1"/>
+        <pc:sldMkLst>
+          <pc:docMk/>
+          <pc:sldMk cId="1944854468" sldId="260"/>
+        </pc:sldMkLst>
+      </pc:sldChg>
+      <pc:sldChg chg="del">
+        <pc:chgData name="Nigel Belderbos" userId="S::r0992536@student.vives.be::cd809dc1-2585-45f9-aa93-4a2a537c4fcf" providerId="AD" clId="Web-{F3D82920-4BE4-5352-86B0-78D3540B7B78}" dt="2024-12-15T20:50:18.832" v="2"/>
+        <pc:sldMkLst>
+          <pc:docMk/>
+          <pc:sldMk cId="2718005643" sldId="261"/>
+        </pc:sldMkLst>
+      </pc:sldChg>
+    </pc:docChg>
+  </pc:docChgLst>
+  <pc:docChgLst>
+    <pc:chgData name="Nigel Belderbos" userId="S::r0992536@student.vives.be::cd809dc1-2585-45f9-aa93-4a2a537c4fcf" providerId="AD" clId="Web-{04AAB961-62EB-792C-1C09-43486CB6965E}"/>
+    <pc:docChg chg="modSld">
+      <pc:chgData name="Nigel Belderbos" userId="S::r0992536@student.vives.be::cd809dc1-2585-45f9-aa93-4a2a537c4fcf" providerId="AD" clId="Web-{04AAB961-62EB-792C-1C09-43486CB6965E}" dt="2024-12-16T09:22:16.334" v="43" actId="20577"/>
+      <pc:docMkLst>
+        <pc:docMk/>
+      </pc:docMkLst>
+      <pc:sldChg chg="modSp">
+        <pc:chgData name="Nigel Belderbos" userId="S::r0992536@student.vives.be::cd809dc1-2585-45f9-aa93-4a2a537c4fcf" providerId="AD" clId="Web-{04AAB961-62EB-792C-1C09-43486CB6965E}" dt="2024-12-16T09:22:16.334" v="43" actId="20577"/>
+        <pc:sldMkLst>
+          <pc:docMk/>
+          <pc:sldMk cId="3409515868" sldId="258"/>
+        </pc:sldMkLst>
+        <pc:spChg chg="mod">
+          <ac:chgData name="Nigel Belderbos" userId="S::r0992536@student.vives.be::cd809dc1-2585-45f9-aa93-4a2a537c4fcf" providerId="AD" clId="Web-{04AAB961-62EB-792C-1C09-43486CB6965E}" dt="2024-12-16T09:22:16.334" v="43" actId="20577"/>
+          <ac:spMkLst>
+            <pc:docMk/>
+            <pc:sldMk cId="3409515868" sldId="258"/>
+            <ac:spMk id="3" creationId="{0776A7CF-C602-A761-918D-E93EACF2F047}"/>
+          </ac:spMkLst>
+        </pc:spChg>
+      </pc:sldChg>
+    </pc:docChg>
+  </pc:docChgLst>
+  <pc:docChgLst>
+    <pc:chgData name="Arno Schoutteten" userId="595e7415-dec7-4ebd-8465-6da7d6bfafec" providerId="ADAL" clId="{470849C3-6F4A-4E43-B2CA-CDD937ED7DA0}"/>
+    <pc:docChg chg="custSel modSld">
+      <pc:chgData name="Arno Schoutteten" userId="595e7415-dec7-4ebd-8465-6da7d6bfafec" providerId="ADAL" clId="{470849C3-6F4A-4E43-B2CA-CDD937ED7DA0}" dt="2023-11-22T16:47:54.619" v="324"/>
+      <pc:docMkLst>
+        <pc:docMk/>
+      </pc:docMkLst>
+      <pc:sldChg chg="modSp mod">
+        <pc:chgData name="Arno Schoutteten" userId="595e7415-dec7-4ebd-8465-6da7d6bfafec" providerId="ADAL" clId="{470849C3-6F4A-4E43-B2CA-CDD937ED7DA0}" dt="2023-11-22T16:47:54.619" v="324"/>
+        <pc:sldMkLst>
+          <pc:docMk/>
+          <pc:sldMk cId="1058497470" sldId="295"/>
         </pc:sldMkLst>
       </pc:sldChg>
     </pc:docChg>
@@ -3075,7 +3131,7 @@
           <a:lstStyle/>
           <a:p>
             <a:r>
-              <a:rPr lang="en-US" dirty="0"/>
+              <a:rPr lang="en-US"/>
               <a:t>Click to edit Master title style</a:t>
             </a:r>
           </a:p>
@@ -3104,35 +3160,35 @@
           <a:p>
             <a:pPr lvl="0"/>
             <a:r>
-              <a:rPr lang="en-US" dirty="0"/>
+              <a:rPr lang="en-US"/>
               <a:t>Click to edit Master text styles</a:t>
             </a:r>
           </a:p>
           <a:p>
             <a:pPr lvl="1"/>
             <a:r>
-              <a:rPr lang="en-US" dirty="0"/>
+              <a:rPr lang="en-US"/>
               <a:t>Second level</a:t>
             </a:r>
           </a:p>
           <a:p>
             <a:pPr lvl="2"/>
             <a:r>
-              <a:rPr lang="en-US" dirty="0"/>
+              <a:rPr lang="en-US"/>
               <a:t>Third level</a:t>
             </a:r>
           </a:p>
           <a:p>
             <a:pPr lvl="3"/>
             <a:r>
-              <a:rPr lang="en-US" dirty="0"/>
+              <a:rPr lang="en-US"/>
               <a:t>Fourth level</a:t>
             </a:r>
           </a:p>
           <a:p>
             <a:pPr lvl="4"/>
             <a:r>
-              <a:rPr lang="en-US" dirty="0"/>
+              <a:rPr lang="en-US"/>
               <a:t>Fifth level</a:t>
             </a:r>
           </a:p>
@@ -3360,7 +3416,7 @@
               <a:defRPr/>
             </a:pPr>
             <a:r>
-              <a:rPr lang="nl-NL" sz="1200" kern="1200" noProof="0" dirty="0">
+              <a:rPr lang="nl-NL" sz="1200" kern="1200" noProof="0">
                 <a:solidFill>
                   <a:schemeClr val="tx1">
                     <a:tint val="75000"/>
@@ -3372,7 +3428,7 @@
               </a:rPr>
               <a:t>Summer School 2024 – Industrial AI</a:t>
             </a:r>
-            <a:endParaRPr lang="en-GB" sz="1200" kern="1200" noProof="0" dirty="0">
+            <a:endParaRPr lang="en-GB" sz="1200" kern="1200" noProof="0">
               <a:solidFill>
                 <a:schemeClr val="tx1">
                   <a:tint val="75000"/>
@@ -3556,7 +3612,7 @@
               </a:pPr>
               <a:t>‹#›</a:t>
             </a:fld>
-            <a:endParaRPr lang="nl-BE" sz="1200" kern="1200" noProof="0" dirty="0">
+            <a:endParaRPr lang="nl-BE" sz="1200" kern="1200" noProof="0">
               <a:solidFill>
                 <a:schemeClr val="bg1"/>
               </a:solidFill>
@@ -3644,7 +3700,7 @@
           </a:lstStyle>
           <a:p>
             <a:r>
-              <a:rPr lang="en-US" dirty="0"/>
+              <a:rPr lang="en-US"/>
               <a:t>Click to edit Master title style</a:t>
             </a:r>
           </a:p>
@@ -3707,10 +3763,10 @@
           <a:p>
             <a:pPr lvl="0"/>
             <a:r>
-              <a:rPr lang="en-US" dirty="0" err="1"/>
+              <a:rPr lang="en-US" err="1"/>
               <a:t>Afbeelding</a:t>
             </a:r>
-            <a:endParaRPr lang="en-US" dirty="0"/>
+            <a:endParaRPr lang="en-US"/>
           </a:p>
         </p:txBody>
       </p:sp>
@@ -3786,35 +3842,35 @@
           <a:p>
             <a:pPr lvl="0"/>
             <a:r>
-              <a:rPr lang="en-US" dirty="0"/>
+              <a:rPr lang="en-US"/>
               <a:t>Click to edit Master text styles</a:t>
             </a:r>
           </a:p>
           <a:p>
             <a:pPr lvl="1"/>
             <a:r>
-              <a:rPr lang="en-US" dirty="0"/>
+              <a:rPr lang="en-US"/>
               <a:t>Second level</a:t>
             </a:r>
           </a:p>
           <a:p>
             <a:pPr lvl="2"/>
             <a:r>
-              <a:rPr lang="en-US" dirty="0"/>
+              <a:rPr lang="en-US"/>
               <a:t>Third level</a:t>
             </a:r>
           </a:p>
           <a:p>
             <a:pPr lvl="3"/>
             <a:r>
-              <a:rPr lang="en-US" dirty="0"/>
+              <a:rPr lang="en-US"/>
               <a:t>Fourth level</a:t>
             </a:r>
           </a:p>
           <a:p>
             <a:pPr lvl="4"/>
             <a:r>
-              <a:rPr lang="en-US" dirty="0"/>
+              <a:rPr lang="en-US"/>
               <a:t>Fifth level</a:t>
             </a:r>
           </a:p>
@@ -4042,7 +4098,7 @@
               <a:defRPr/>
             </a:pPr>
             <a:r>
-              <a:rPr lang="nl-NL" sz="1200" kern="1200" noProof="0" dirty="0">
+              <a:rPr lang="nl-NL" sz="1200" kern="1200" noProof="0">
                 <a:solidFill>
                   <a:schemeClr val="tx1">
                     <a:tint val="75000"/>
@@ -4054,7 +4110,7 @@
               </a:rPr>
               <a:t>Summer School 2024 – Industrial AI</a:t>
             </a:r>
-            <a:endParaRPr lang="en-GB" sz="1200" kern="1200" noProof="0" dirty="0">
+            <a:endParaRPr lang="en-GB" sz="1200" kern="1200" noProof="0">
               <a:solidFill>
                 <a:schemeClr val="tx1">
                   <a:tint val="75000"/>
@@ -4238,7 +4294,7 @@
               </a:pPr>
               <a:t>‹#›</a:t>
             </a:fld>
-            <a:endParaRPr lang="nl-BE" sz="1200" kern="1200" noProof="0" dirty="0">
+            <a:endParaRPr lang="nl-BE" sz="1200" kern="1200" noProof="0">
               <a:solidFill>
                 <a:schemeClr val="bg1"/>
               </a:solidFill>
@@ -4433,7 +4489,7 @@
           <a:p>
             <a:pPr lvl="0"/>
             <a:r>
-              <a:rPr lang="en-US" dirty="0"/>
+              <a:rPr lang="en-US"/>
               <a:t>Click to edit Master text styles</a:t>
             </a:r>
           </a:p>
@@ -4843,7 +4899,7 @@
               <a:defRPr/>
             </a:pPr>
             <a:r>
-              <a:rPr lang="nl-NL" sz="1200" kern="1200" noProof="0" dirty="0">
+              <a:rPr lang="nl-NL" sz="1200" kern="1200" noProof="0">
                 <a:solidFill>
                   <a:schemeClr val="tx1">
                     <a:tint val="75000"/>
@@ -4855,7 +4911,7 @@
               </a:rPr>
               <a:t>Summer School 2024 – Industrial AI</a:t>
             </a:r>
-            <a:endParaRPr lang="en-GB" sz="1200" kern="1200" noProof="0" dirty="0">
+            <a:endParaRPr lang="en-GB" sz="1200" kern="1200" noProof="0">
               <a:solidFill>
                 <a:schemeClr val="tx1">
                   <a:tint val="75000"/>
@@ -5039,7 +5095,7 @@
               </a:pPr>
               <a:t>‹#›</a:t>
             </a:fld>
-            <a:endParaRPr lang="nl-BE" sz="1200" kern="1200" noProof="0" dirty="0">
+            <a:endParaRPr lang="nl-BE" sz="1200" kern="1200" noProof="0">
               <a:solidFill>
                 <a:schemeClr val="bg1"/>
               </a:solidFill>
@@ -5601,7 +5657,7 @@
               <a:defRPr/>
             </a:pPr>
             <a:r>
-              <a:rPr lang="nl-NL" sz="1200" kern="1200" noProof="0" dirty="0">
+              <a:rPr lang="nl-NL" sz="1200" kern="1200" noProof="0">
                 <a:solidFill>
                   <a:schemeClr val="tx1">
                     <a:tint val="75000"/>
@@ -5613,7 +5669,7 @@
               </a:rPr>
               <a:t>Summer School 2024 – Industrial AI</a:t>
             </a:r>
-            <a:endParaRPr lang="en-GB" sz="1200" kern="1200" noProof="0" dirty="0">
+            <a:endParaRPr lang="en-GB" sz="1200" kern="1200" noProof="0">
               <a:solidFill>
                 <a:schemeClr val="tx1">
                   <a:tint val="75000"/>
@@ -5797,7 +5853,7 @@
               </a:pPr>
               <a:t>‹#›</a:t>
             </a:fld>
-            <a:endParaRPr lang="nl-BE" sz="1200" kern="1200" noProof="0" dirty="0">
+            <a:endParaRPr lang="nl-BE" sz="1200" kern="1200" noProof="0">
               <a:solidFill>
                 <a:schemeClr val="bg1"/>
               </a:solidFill>
@@ -6060,7 +6116,7 @@
               <a:defRPr/>
             </a:pPr>
             <a:r>
-              <a:rPr lang="nl-NL" sz="1200" kern="1200" noProof="0" dirty="0">
+              <a:rPr lang="nl-NL" sz="1200" kern="1200" noProof="0">
                 <a:solidFill>
                   <a:schemeClr val="tx1">
                     <a:tint val="75000"/>
@@ -6072,7 +6128,7 @@
               </a:rPr>
               <a:t>Summer School 2024 – Industrial AI</a:t>
             </a:r>
-            <a:endParaRPr lang="en-GB" sz="1200" kern="1200" noProof="0" dirty="0">
+            <a:endParaRPr lang="en-GB" sz="1200" kern="1200" noProof="0">
               <a:solidFill>
                 <a:schemeClr val="tx1">
                   <a:tint val="75000"/>
@@ -6256,7 +6312,7 @@
               </a:pPr>
               <a:t>‹#›</a:t>
             </a:fld>
-            <a:endParaRPr lang="nl-BE" sz="1200" kern="1200" noProof="0" dirty="0">
+            <a:endParaRPr lang="nl-BE" sz="1200" kern="1200" noProof="0">
               <a:solidFill>
                 <a:schemeClr val="bg1"/>
               </a:solidFill>
@@ -6334,7 +6390,7 @@
           <a:lstStyle/>
           <a:p>
             <a:r>
-              <a:rPr lang="en-US" dirty="0"/>
+              <a:rPr lang="en-US"/>
               <a:t>Click to edit Master title style</a:t>
             </a:r>
           </a:p>
@@ -6373,35 +6429,35 @@
           <a:p>
             <a:pPr lvl="0"/>
             <a:r>
-              <a:rPr lang="en-US" dirty="0"/>
+              <a:rPr lang="en-US"/>
               <a:t>Click to edit Master text styles</a:t>
             </a:r>
           </a:p>
           <a:p>
             <a:pPr lvl="1"/>
             <a:r>
-              <a:rPr lang="en-US" dirty="0"/>
+              <a:rPr lang="en-US"/>
               <a:t>Second level</a:t>
             </a:r>
           </a:p>
           <a:p>
             <a:pPr lvl="2"/>
             <a:r>
-              <a:rPr lang="en-US" dirty="0"/>
+              <a:rPr lang="en-US"/>
               <a:t>Third level</a:t>
             </a:r>
           </a:p>
           <a:p>
             <a:pPr lvl="3"/>
             <a:r>
-              <a:rPr lang="en-US" dirty="0"/>
+              <a:rPr lang="en-US"/>
               <a:t>Fourth level</a:t>
             </a:r>
           </a:p>
           <a:p>
             <a:pPr lvl="4"/>
             <a:r>
-              <a:rPr lang="en-US" dirty="0"/>
+              <a:rPr lang="en-US"/>
               <a:t>Fifth level</a:t>
             </a:r>
           </a:p>
@@ -6822,7 +6878,7 @@
           <a:lstStyle/>
           <a:p>
             <a:r>
-              <a:rPr lang="nl-BE" dirty="0"/>
+              <a:rPr lang="nl-BE"/>
               <a:t>2D Game</a:t>
             </a:r>
           </a:p>
@@ -6852,16 +6908,16 @@
           <a:lstStyle/>
           <a:p>
             <a:r>
-              <a:rPr lang="nl-NL" b="1" dirty="0"/>
+              <a:rPr lang="nl-NL" b="1"/>
               <a:t>Een 2D survival game met een gegenereerde wereld en </a:t>
             </a:r>
           </a:p>
           <a:p>
             <a:r>
-              <a:rPr lang="nl-NL" b="1" dirty="0"/>
+              <a:rPr lang="nl-NL" b="1"/>
               <a:t>slimme vijanden</a:t>
             </a:r>
-            <a:endParaRPr lang="nl-BE" dirty="0"/>
+            <a:endParaRPr lang="nl-BE"/>
           </a:p>
           <a:p>
             <a:pPr>
@@ -6870,15 +6926,15 @@
               </a:lnSpc>
             </a:pPr>
             <a:r>
-              <a:rPr lang="nl-BE" dirty="0"/>
+              <a:rPr lang="nl-BE"/>
               <a:t>Door Nigel </a:t>
             </a:r>
             <a:r>
-              <a:rPr lang="nl-BE" dirty="0" err="1"/>
+              <a:rPr lang="nl-BE" err="1"/>
               <a:t>Belderbos</a:t>
             </a:r>
             <a:r>
-              <a:rPr lang="nl-BE" dirty="0"/>
+              <a:rPr lang="nl-BE"/>
               <a:t> en Simon Stijnen</a:t>
             </a:r>
           </a:p>
@@ -6888,6 +6944,177 @@
     <p:extLst>
       <p:ext uri="{BB962C8B-B14F-4D97-AF65-F5344CB8AC3E}">
         <p14:creationId xmlns:p14="http://schemas.microsoft.com/office/powerpoint/2010/main" val="2710940697"/>
+      </p:ext>
+    </p:extLst>
+  </p:cSld>
+  <p:clrMapOvr>
+    <a:masterClrMapping/>
+  </p:clrMapOvr>
+</p:sld>
+</file>
+
+<file path=ppt/slides/slide10.xml><?xml version="1.0" encoding="utf-8"?>
+<p:sld xmlns:a="http://schemas.openxmlformats.org/drawingml/2006/main" xmlns:r="http://schemas.openxmlformats.org/officeDocument/2006/relationships" xmlns:p="http://schemas.openxmlformats.org/presentationml/2006/main">
+  <p:cSld>
+    <p:spTree>
+      <p:nvGrpSpPr>
+        <p:cNvPr id="1" name=""/>
+        <p:cNvGrpSpPr/>
+        <p:nvPr/>
+      </p:nvGrpSpPr>
+      <p:grpSpPr>
+        <a:xfrm>
+          <a:off x="0" y="0"/>
+          <a:ext cx="0" cy="0"/>
+          <a:chOff x="0" y="0"/>
+          <a:chExt cx="0" cy="0"/>
+        </a:xfrm>
+      </p:grpSpPr>
+      <p:sp>
+        <p:nvSpPr>
+          <p:cNvPr id="2" name="Titel 1">
+            <a:extLst>
+              <a:ext uri="{FF2B5EF4-FFF2-40B4-BE49-F238E27FC236}">
+                <a16:creationId xmlns:a16="http://schemas.microsoft.com/office/drawing/2014/main" id="{B6CF48A1-A3AA-63D4-3A89-1565BB17F2E5}"/>
+              </a:ext>
+            </a:extLst>
+          </p:cNvPr>
+          <p:cNvSpPr>
+            <a:spLocks noGrp="1"/>
+          </p:cNvSpPr>
+          <p:nvPr>
+            <p:ph type="title"/>
+          </p:nvPr>
+        </p:nvSpPr>
+        <p:spPr/>
+        <p:txBody>
+          <a:bodyPr/>
+          <a:lstStyle/>
+          <a:p>
+            <a:r>
+              <a:rPr lang="en-US" err="1"/>
+              <a:t>Conclusie</a:t>
+            </a:r>
+            <a:endParaRPr lang="nl-BE"/>
+          </a:p>
+        </p:txBody>
+      </p:sp>
+      <p:sp>
+        <p:nvSpPr>
+          <p:cNvPr id="3" name="Tijdelijke aanduiding voor inhoud 2">
+            <a:extLst>
+              <a:ext uri="{FF2B5EF4-FFF2-40B4-BE49-F238E27FC236}">
+                <a16:creationId xmlns:a16="http://schemas.microsoft.com/office/drawing/2014/main" id="{87947B34-42F9-0024-7BD9-A75B019CF79E}"/>
+              </a:ext>
+            </a:extLst>
+          </p:cNvPr>
+          <p:cNvSpPr>
+            <a:spLocks noGrp="1"/>
+          </p:cNvSpPr>
+          <p:nvPr>
+            <p:ph idx="1"/>
+          </p:nvPr>
+        </p:nvSpPr>
+        <p:spPr/>
+        <p:txBody>
+          <a:bodyPr/>
+          <a:lstStyle/>
+          <a:p>
+            <a:r>
+              <a:rPr lang="nl-BE"/>
+              <a:t>Moeilijkheden?</a:t>
+            </a:r>
+            <a:endParaRPr lang="en-US"/>
+          </a:p>
+          <a:p>
+            <a:pPr lvl="1"/>
+            <a:r>
+              <a:rPr lang="en-US"/>
+              <a:t>2D games </a:t>
+            </a:r>
+            <a:r>
+              <a:rPr lang="en-US" err="1"/>
+              <a:t>vallen</a:t>
+            </a:r>
+            <a:r>
+              <a:rPr lang="en-US"/>
+              <a:t> </a:t>
+            </a:r>
+            <a:r>
+              <a:rPr lang="en-US" err="1"/>
+              <a:t>niet</a:t>
+            </a:r>
+            <a:r>
+              <a:rPr lang="en-US"/>
+              <a:t> </a:t>
+            </a:r>
+            <a:r>
+              <a:rPr lang="en-US" err="1"/>
+              <a:t>te</a:t>
+            </a:r>
+            <a:r>
+              <a:rPr lang="en-US"/>
+              <a:t> </a:t>
+            </a:r>
+            <a:r>
+              <a:rPr lang="en-US" err="1"/>
+              <a:t>onderschatten</a:t>
+            </a:r>
+            <a:endParaRPr lang="en-US"/>
+          </a:p>
+          <a:p>
+            <a:pPr lvl="1"/>
+            <a:r>
+              <a:rPr lang="en-US" err="1"/>
+              <a:t>Tijd</a:t>
+            </a:r>
+            <a:endParaRPr lang="en-US"/>
+          </a:p>
+          <a:p>
+            <a:endParaRPr lang="en-US"/>
+          </a:p>
+          <a:p>
+            <a:r>
+              <a:rPr lang="en-US"/>
+              <a:t>Wat </a:t>
+            </a:r>
+            <a:r>
+              <a:rPr lang="en-US" err="1"/>
+              <a:t>hebben</a:t>
+            </a:r>
+            <a:r>
+              <a:rPr lang="en-US"/>
+              <a:t> we </a:t>
+            </a:r>
+            <a:r>
+              <a:rPr lang="en-US" err="1"/>
+              <a:t>bereikt</a:t>
+            </a:r>
+            <a:r>
+              <a:rPr lang="en-US"/>
+              <a:t>?</a:t>
+            </a:r>
+          </a:p>
+          <a:p>
+            <a:pPr lvl="1"/>
+            <a:r>
+              <a:rPr lang="nl-BE"/>
+              <a:t>dynamische wereldgeneratie</a:t>
+            </a:r>
+          </a:p>
+          <a:p>
+            <a:pPr lvl="1"/>
+            <a:r>
+              <a:rPr lang="nl-BE" strike="sngStrike"/>
+              <a:t>intelligente vijanden</a:t>
+            </a:r>
+          </a:p>
+        </p:txBody>
+      </p:sp>
+    </p:spTree>
+    <p:extLst>
+      <p:ext uri="{BB962C8B-B14F-4D97-AF65-F5344CB8AC3E}">
+        <p14:creationId xmlns:p14="http://schemas.microsoft.com/office/powerpoint/2010/main" val="3815760457"/>
       </p:ext>
     </p:extLst>
   </p:cSld>
@@ -6936,10 +7163,10 @@
           <a:lstStyle/>
           <a:p>
             <a:r>
-              <a:rPr lang="en-US" dirty="0"/>
+              <a:rPr lang="en-US"/>
               <a:t>Doel?</a:t>
             </a:r>
-            <a:endParaRPr lang="en-BE" dirty="0"/>
+            <a:endParaRPr lang="en-BE"/>
           </a:p>
         </p:txBody>
       </p:sp>
@@ -6968,34 +7195,34 @@
           <a:p>
             <a:pPr marL="227965" indent="-227965"/>
             <a:r>
-              <a:rPr lang="en-US" dirty="0">
+              <a:rPr lang="en-US">
                 <a:ea typeface="Calibri" panose="020F0502020204030204"/>
                 <a:cs typeface="Calibri" panose="020F0502020204030204"/>
               </a:rPr>
               <a:t>Zo lang </a:t>
             </a:r>
             <a:r>
-              <a:rPr lang="en-US" dirty="0" err="1">
+              <a:rPr lang="en-US" err="1">
                 <a:ea typeface="Calibri" panose="020F0502020204030204"/>
                 <a:cs typeface="Calibri" panose="020F0502020204030204"/>
               </a:rPr>
               <a:t>mogelijk</a:t>
             </a:r>
             <a:r>
-              <a:rPr lang="en-US" dirty="0">
+              <a:rPr lang="en-US">
                 <a:ea typeface="Calibri" panose="020F0502020204030204"/>
                 <a:cs typeface="Calibri" panose="020F0502020204030204"/>
               </a:rPr>
               <a:t> </a:t>
             </a:r>
             <a:r>
-              <a:rPr lang="en-US" dirty="0" err="1">
+              <a:rPr lang="en-US" err="1">
                 <a:ea typeface="Calibri" panose="020F0502020204030204"/>
                 <a:cs typeface="Calibri" panose="020F0502020204030204"/>
               </a:rPr>
               <a:t>overleven</a:t>
             </a:r>
-            <a:endParaRPr lang="en-US" dirty="0">
+            <a:endParaRPr lang="en-US">
               <a:ea typeface="Calibri" panose="020F0502020204030204"/>
               <a:cs typeface="Calibri" panose="020F0502020204030204"/>
             </a:endParaRPr>
@@ -7003,20 +7230,20 @@
           <a:p>
             <a:pPr marL="227965" indent="-227965"/>
             <a:r>
-              <a:rPr lang="en-US" dirty="0">
+              <a:rPr lang="en-US">
                 <a:ea typeface="Calibri" panose="020F0502020204030204"/>
                 <a:cs typeface="Calibri" panose="020F0502020204030204"/>
               </a:rPr>
               <a:t>Monsters </a:t>
             </a:r>
             <a:r>
-              <a:rPr lang="en-US" dirty="0" err="1">
+              <a:rPr lang="en-US" err="1">
                 <a:ea typeface="Calibri" panose="020F0502020204030204"/>
                 <a:cs typeface="Calibri" panose="020F0502020204030204"/>
               </a:rPr>
               <a:t>verslaan</a:t>
             </a:r>
-            <a:endParaRPr lang="en-US" dirty="0">
+            <a:endParaRPr lang="en-US">
               <a:ea typeface="Calibri" panose="020F0502020204030204"/>
               <a:cs typeface="Calibri" panose="020F0502020204030204"/>
             </a:endParaRPr>
@@ -7024,41 +7251,41 @@
           <a:p>
             <a:pPr marL="227965" indent="-227965"/>
             <a:r>
-              <a:rPr lang="en-US" dirty="0">
+              <a:rPr lang="en-US">
                 <a:ea typeface="Calibri" panose="020F0502020204030204"/>
                 <a:cs typeface="Calibri" panose="020F0502020204030204"/>
               </a:rPr>
               <a:t>Je </a:t>
             </a:r>
             <a:r>
-              <a:rPr lang="en-US" dirty="0" err="1">
+              <a:rPr lang="en-US" err="1">
                 <a:ea typeface="Calibri" panose="020F0502020204030204"/>
                 <a:cs typeface="Calibri" panose="020F0502020204030204"/>
               </a:rPr>
               <a:t>vorige</a:t>
             </a:r>
             <a:r>
-              <a:rPr lang="en-US" dirty="0">
+              <a:rPr lang="en-US">
                 <a:ea typeface="Calibri" panose="020F0502020204030204"/>
                 <a:cs typeface="Calibri" panose="020F0502020204030204"/>
               </a:rPr>
               <a:t> scores </a:t>
             </a:r>
             <a:r>
-              <a:rPr lang="en-US" dirty="0" err="1">
+              <a:rPr lang="en-US" err="1">
                 <a:ea typeface="Calibri" panose="020F0502020204030204"/>
                 <a:cs typeface="Calibri" panose="020F0502020204030204"/>
               </a:rPr>
               <a:t>verslaan</a:t>
             </a:r>
-            <a:endParaRPr lang="en-US" dirty="0">
+            <a:endParaRPr lang="en-US">
               <a:ea typeface="Calibri" panose="020F0502020204030204"/>
               <a:cs typeface="Calibri" panose="020F0502020204030204"/>
             </a:endParaRPr>
           </a:p>
           <a:p>
             <a:pPr marL="227965" indent="-227965"/>
-            <a:endParaRPr lang="en-US" dirty="0">
+            <a:endParaRPr lang="en-US">
               <a:ea typeface="Calibri" panose="020F0502020204030204"/>
               <a:cs typeface="Calibri" panose="020F0502020204030204"/>
             </a:endParaRPr>
@@ -7117,10 +7344,10 @@
           <a:lstStyle/>
           <a:p>
             <a:r>
-              <a:rPr lang="en-US" dirty="0" err="1"/>
+              <a:rPr lang="en-US" err="1"/>
               <a:t>Technologieën</a:t>
             </a:r>
-            <a:endParaRPr lang="en-BE" dirty="0"/>
+            <a:endParaRPr lang="en-BE"/>
           </a:p>
         </p:txBody>
       </p:sp>
@@ -7146,23 +7373,23 @@
           <a:lstStyle/>
           <a:p>
             <a:r>
-              <a:rPr lang="en-US" dirty="0"/>
+              <a:rPr lang="en-US"/>
               <a:t>Python 3</a:t>
             </a:r>
           </a:p>
           <a:p>
             <a:r>
-              <a:rPr lang="en-US" dirty="0" err="1"/>
+              <a:rPr lang="en-US" err="1"/>
               <a:t>Pygame</a:t>
             </a:r>
-            <a:endParaRPr lang="en-US" dirty="0"/>
-          </a:p>
-          <a:p>
-            <a:r>
-              <a:rPr lang="en-US" dirty="0"/>
+            <a:endParaRPr lang="en-US"/>
+          </a:p>
+          <a:p>
+            <a:r>
+              <a:rPr lang="en-US"/>
               <a:t>NumPy</a:t>
             </a:r>
-            <a:endParaRPr lang="en-BE" dirty="0"/>
+            <a:endParaRPr lang="en-BE"/>
           </a:p>
         </p:txBody>
       </p:sp>
@@ -7218,30 +7445,30 @@
           <a:lstStyle/>
           <a:p>
             <a:r>
-              <a:rPr lang="en-US" dirty="0" err="1"/>
+              <a:rPr lang="en-US" err="1"/>
               <a:t>Algoritmes</a:t>
             </a:r>
             <a:r>
-              <a:rPr lang="en-US" dirty="0"/>
+              <a:rPr lang="en-US"/>
               <a:t> </a:t>
             </a:r>
             <a:r>
-              <a:rPr lang="nl-BE" dirty="0"/>
+              <a:rPr lang="nl-BE"/>
               <a:t>— </a:t>
             </a:r>
             <a:r>
-              <a:rPr lang="nl-BE" dirty="0" err="1"/>
+              <a:rPr lang="nl-BE" err="1"/>
               <a:t>Perlin</a:t>
             </a:r>
             <a:r>
-              <a:rPr lang="nl-BE" dirty="0"/>
+              <a:rPr lang="nl-BE"/>
               <a:t> </a:t>
             </a:r>
             <a:r>
-              <a:rPr lang="nl-BE" dirty="0" err="1"/>
+              <a:rPr lang="nl-BE" err="1"/>
               <a:t>noise</a:t>
             </a:r>
-            <a:endParaRPr lang="en-BE" dirty="0"/>
+            <a:endParaRPr lang="en-BE"/>
           </a:p>
         </p:txBody>
       </p:sp>
@@ -7270,93 +7497,93 @@
               <a:buNone/>
             </a:pPr>
             <a:r>
-              <a:rPr lang="en-US" dirty="0" err="1"/>
+              <a:rPr lang="en-US" err="1"/>
               <a:t>Terrein</a:t>
             </a:r>
             <a:r>
-              <a:rPr lang="en-US" dirty="0"/>
+              <a:rPr lang="en-US"/>
               <a:t> </a:t>
             </a:r>
             <a:r>
-              <a:rPr lang="en-US" dirty="0" err="1"/>
+              <a:rPr lang="en-US" err="1"/>
               <a:t>generatie</a:t>
             </a:r>
             <a:r>
-              <a:rPr lang="en-US" dirty="0"/>
+              <a:rPr lang="en-US"/>
               <a:t>:</a:t>
             </a:r>
           </a:p>
           <a:p>
             <a:r>
-              <a:rPr lang="en-US" dirty="0" err="1"/>
+              <a:rPr lang="en-US" err="1"/>
               <a:t>Realistische</a:t>
             </a:r>
             <a:r>
-              <a:rPr lang="en-US" dirty="0"/>
+              <a:rPr lang="en-US"/>
               <a:t>, </a:t>
             </a:r>
             <a:r>
-              <a:rPr lang="en-US" dirty="0" err="1"/>
+              <a:rPr lang="en-US" err="1"/>
               <a:t>organische</a:t>
             </a:r>
             <a:r>
-              <a:rPr lang="en-US" dirty="0"/>
+              <a:rPr lang="en-US"/>
               <a:t> patronne</a:t>
             </a:r>
           </a:p>
           <a:p>
             <a:r>
-              <a:rPr lang="en-US" dirty="0" err="1"/>
+              <a:rPr lang="en-US" err="1"/>
               <a:t>Vloeiende</a:t>
             </a:r>
             <a:r>
-              <a:rPr lang="en-US" dirty="0"/>
+              <a:rPr lang="en-US"/>
               <a:t> </a:t>
             </a:r>
             <a:r>
-              <a:rPr lang="en-US" dirty="0" err="1"/>
+              <a:rPr lang="en-US" err="1"/>
               <a:t>overgangen</a:t>
             </a:r>
-            <a:endParaRPr lang="en-US" dirty="0"/>
-          </a:p>
-          <a:p>
-            <a:r>
-              <a:rPr lang="en-US" dirty="0" err="1"/>
+            <a:endParaRPr lang="en-US"/>
+          </a:p>
+          <a:p>
+            <a:r>
+              <a:rPr lang="en-US" err="1"/>
               <a:t>Generatie</a:t>
             </a:r>
             <a:r>
-              <a:rPr lang="en-US" dirty="0"/>
+              <a:rPr lang="en-US"/>
               <a:t> is seed-</a:t>
             </a:r>
             <a:r>
-              <a:rPr lang="en-US" dirty="0" err="1"/>
+              <a:rPr lang="en-US" err="1"/>
               <a:t>gebaseerd</a:t>
             </a:r>
-            <a:endParaRPr lang="en-US" dirty="0"/>
-          </a:p>
-          <a:p>
-            <a:r>
-              <a:rPr lang="en-US" dirty="0" err="1"/>
+            <a:endParaRPr lang="en-US"/>
+          </a:p>
+          <a:p>
+            <a:r>
+              <a:rPr lang="en-US" err="1"/>
               <a:t>Waarden</a:t>
             </a:r>
             <a:r>
-              <a:rPr lang="en-US" dirty="0"/>
+              <a:rPr lang="en-US"/>
               <a:t> </a:t>
             </a:r>
             <a:r>
-              <a:rPr lang="en-US" dirty="0" err="1"/>
+              <a:rPr lang="en-US" err="1"/>
               <a:t>tussen</a:t>
             </a:r>
             <a:r>
-              <a:rPr lang="en-US" dirty="0"/>
+              <a:rPr lang="en-US"/>
               <a:t> 0 </a:t>
             </a:r>
             <a:r>
-              <a:rPr lang="nl-BE" dirty="0"/>
+              <a:rPr lang="nl-BE"/>
               <a:t>−</a:t>
             </a:r>
             <a:r>
-              <a:rPr lang="en-US" dirty="0"/>
+              <a:rPr lang="en-US"/>
               <a:t> 1</a:t>
             </a:r>
           </a:p>
@@ -7365,26 +7592,26 @@
               <a:buNone/>
             </a:pPr>
             <a:r>
-              <a:rPr lang="en-US" dirty="0" err="1"/>
+              <a:rPr lang="en-US" err="1"/>
               <a:t>Genereerde</a:t>
             </a:r>
             <a:r>
-              <a:rPr lang="en-US" dirty="0"/>
+              <a:rPr lang="en-US"/>
               <a:t> warden </a:t>
             </a:r>
             <a:r>
-              <a:rPr lang="en-US" dirty="0">
+              <a:rPr lang="en-US">
                 <a:sym typeface="Wingdings" panose="05000000000000000000" pitchFamily="2" charset="2"/>
               </a:rPr>
               <a:t> </a:t>
             </a:r>
             <a:r>
-              <a:rPr lang="en-US" dirty="0" err="1">
+              <a:rPr lang="en-US" err="1">
                 <a:sym typeface="Wingdings" panose="05000000000000000000" pitchFamily="2" charset="2"/>
               </a:rPr>
               <a:t>blokken</a:t>
             </a:r>
-            <a:endParaRPr lang="en-US" dirty="0"/>
+            <a:endParaRPr lang="en-US"/>
           </a:p>
         </p:txBody>
       </p:sp>
@@ -7530,30 +7757,30 @@
           <a:lstStyle/>
           <a:p>
             <a:r>
-              <a:rPr lang="en-US" dirty="0" err="1"/>
+              <a:rPr lang="en-US" err="1"/>
               <a:t>Algoritmes</a:t>
             </a:r>
             <a:r>
-              <a:rPr lang="en-US" dirty="0"/>
+              <a:rPr lang="en-US"/>
               <a:t> </a:t>
             </a:r>
             <a:r>
-              <a:rPr lang="nl-BE" dirty="0"/>
+              <a:rPr lang="nl-BE"/>
               <a:t>— </a:t>
             </a:r>
             <a:r>
-              <a:rPr lang="nl-BE" dirty="0" err="1"/>
+              <a:rPr lang="nl-BE" err="1"/>
               <a:t>Perlin</a:t>
             </a:r>
             <a:r>
-              <a:rPr lang="nl-BE" dirty="0"/>
+              <a:rPr lang="nl-BE"/>
               <a:t> </a:t>
             </a:r>
             <a:r>
-              <a:rPr lang="nl-BE" dirty="0" err="1"/>
+              <a:rPr lang="nl-BE" err="1"/>
               <a:t>noise</a:t>
             </a:r>
-            <a:endParaRPr lang="en-BE" dirty="0"/>
+            <a:endParaRPr lang="en-BE"/>
           </a:p>
         </p:txBody>
       </p:sp>
@@ -7588,18 +7815,18 @@
               <a:buAutoNum type="arabicPeriod"/>
             </a:pPr>
             <a:r>
-              <a:rPr lang="en-US" dirty="0" err="1"/>
+              <a:rPr lang="en-US" err="1"/>
               <a:t>Gridcellen</a:t>
             </a:r>
             <a:r>
-              <a:rPr lang="en-US" dirty="0"/>
+              <a:rPr lang="en-US"/>
               <a:t> met </a:t>
             </a:r>
             <a:r>
-              <a:rPr lang="en-US" dirty="0" err="1"/>
+              <a:rPr lang="en-US" err="1"/>
               <a:t>eenheids-vectoren</a:t>
             </a:r>
-            <a:endParaRPr lang="en-US" dirty="0"/>
+            <a:endParaRPr lang="en-US"/>
           </a:p>
           <a:p>
             <a:pPr marL="514350" indent="-514350">
@@ -7607,39 +7834,39 @@
               <a:buAutoNum type="arabicPeriod"/>
             </a:pPr>
             <a:r>
-              <a:rPr lang="en-US" dirty="0"/>
+              <a:rPr lang="en-US"/>
               <a:t>Punt </a:t>
             </a:r>
             <a:r>
-              <a:rPr lang="en-US" dirty="0" err="1"/>
+              <a:rPr lang="en-US" err="1"/>
               <a:t>kiezen</a:t>
             </a:r>
             <a:r>
-              <a:rPr lang="en-US" dirty="0"/>
+              <a:rPr lang="en-US"/>
               <a:t> </a:t>
             </a:r>
             <a:r>
-              <a:rPr lang="en-US" dirty="0" err="1"/>
+              <a:rPr lang="en-US" err="1"/>
               <a:t>relatief</a:t>
             </a:r>
             <a:r>
-              <a:rPr lang="en-US" dirty="0"/>
+              <a:rPr lang="en-US"/>
               <a:t> </a:t>
             </a:r>
             <a:r>
-              <a:rPr lang="en-US" dirty="0" err="1"/>
+              <a:rPr lang="en-US" err="1"/>
               <a:t>t.o.v</a:t>
             </a:r>
             <a:r>
-              <a:rPr lang="en-US" dirty="0"/>
+              <a:rPr lang="en-US"/>
               <a:t>. de </a:t>
             </a:r>
             <a:r>
-              <a:rPr lang="en-US" dirty="0" err="1"/>
+              <a:rPr lang="en-US" err="1"/>
               <a:t>hoeken</a:t>
             </a:r>
             <a:r>
-              <a:rPr lang="en-US" dirty="0"/>
+              <a:rPr lang="en-US"/>
               <a:t> van de cel</a:t>
             </a:r>
           </a:p>
@@ -7649,7 +7876,7 @@
               <a:buAutoNum type="arabicPeriod"/>
             </a:pPr>
             <a:r>
-              <a:rPr lang="en-US" dirty="0"/>
+              <a:rPr lang="en-US"/>
               <a:t>Dot-product</a:t>
             </a:r>
           </a:p>
@@ -7659,10 +7886,10 @@
               <a:buAutoNum type="arabicPeriod"/>
             </a:pPr>
             <a:r>
-              <a:rPr lang="en-US" dirty="0" err="1"/>
+              <a:rPr lang="en-US" err="1"/>
               <a:t>Eenheidsvector</a:t>
             </a:r>
-            <a:endParaRPr lang="en-US" dirty="0"/>
+            <a:endParaRPr lang="en-US"/>
           </a:p>
           <a:p>
             <a:pPr marL="971550" lvl="1" indent="-514350">
@@ -7670,31 +7897,31 @@
               <a:buAutoNum type="arabicPeriod"/>
             </a:pPr>
             <a:r>
-              <a:rPr lang="en-US" dirty="0"/>
+              <a:rPr lang="en-US"/>
               <a:t>Vector </a:t>
             </a:r>
             <a:r>
-              <a:rPr lang="en-US" dirty="0" err="1"/>
+              <a:rPr lang="en-US" err="1"/>
               <a:t>vanaf</a:t>
             </a:r>
             <a:r>
-              <a:rPr lang="en-US" dirty="0"/>
+              <a:rPr lang="en-US"/>
               <a:t> de </a:t>
             </a:r>
             <a:r>
-              <a:rPr lang="en-US" dirty="0" err="1"/>
+              <a:rPr lang="en-US" err="1"/>
               <a:t>hoek</a:t>
             </a:r>
             <a:r>
-              <a:rPr lang="en-US" dirty="0"/>
+              <a:rPr lang="en-US"/>
               <a:t> </a:t>
             </a:r>
             <a:r>
-              <a:rPr lang="en-US" dirty="0" err="1"/>
+              <a:rPr lang="en-US" err="1"/>
               <a:t>naar</a:t>
             </a:r>
             <a:r>
-              <a:rPr lang="en-US" dirty="0"/>
+              <a:rPr lang="en-US"/>
               <a:t> het punt</a:t>
             </a:r>
           </a:p>
@@ -7704,20 +7931,254 @@
               <a:buAutoNum type="arabicPeriod"/>
             </a:pPr>
             <a:r>
-              <a:rPr lang="en-US" dirty="0" err="1"/>
+              <a:rPr lang="en-US" err="1"/>
               <a:t>Interpolatie</a:t>
             </a:r>
-            <a:endParaRPr lang="en-US" dirty="0"/>
+            <a:endParaRPr lang="en-US"/>
           </a:p>
           <a:p>
             <a:pPr marL="514350" indent="-514350">
               <a:buFont typeface="+mj-lt"/>
               <a:buAutoNum type="arabicPeriod"/>
             </a:pPr>
-            <a:endParaRPr lang="en-US" dirty="0"/>
+            <a:endParaRPr lang="en-US"/>
           </a:p>
         </p:txBody>
       </p:sp>
+    </p:spTree>
+    <p:extLst>
+      <p:ext uri="{BB962C8B-B14F-4D97-AF65-F5344CB8AC3E}">
+        <p14:creationId xmlns:p14="http://schemas.microsoft.com/office/powerpoint/2010/main" val="387218137"/>
+      </p:ext>
+    </p:extLst>
+  </p:cSld>
+  <p:clrMapOvr>
+    <a:masterClrMapping/>
+  </p:clrMapOvr>
+</p:sld>
+</file>
+
+<file path=ppt/slides/slide6.xml><?xml version="1.0" encoding="utf-8"?>
+<p:sld xmlns:a="http://schemas.openxmlformats.org/drawingml/2006/main" xmlns:r="http://schemas.openxmlformats.org/officeDocument/2006/relationships" xmlns:p="http://schemas.openxmlformats.org/presentationml/2006/main">
+  <p:cSld>
+    <p:spTree>
+      <p:nvGrpSpPr>
+        <p:cNvPr id="1" name="">
+          <a:extLst>
+            <a:ext uri="{FF2B5EF4-FFF2-40B4-BE49-F238E27FC236}">
+              <a16:creationId xmlns:a16="http://schemas.microsoft.com/office/drawing/2014/main" id="{05B4CD8A-3E23-E519-1551-1906AF9E9C60}"/>
+            </a:ext>
+          </a:extLst>
+        </p:cNvPr>
+        <p:cNvGrpSpPr/>
+        <p:nvPr/>
+      </p:nvGrpSpPr>
+      <p:grpSpPr>
+        <a:xfrm>
+          <a:off x="0" y="0"/>
+          <a:ext cx="0" cy="0"/>
+          <a:chOff x="0" y="0"/>
+          <a:chExt cx="0" cy="0"/>
+        </a:xfrm>
+      </p:grpSpPr>
+      <p:sp>
+        <p:nvSpPr>
+          <p:cNvPr id="2" name="Title 1">
+            <a:extLst>
+              <a:ext uri="{FF2B5EF4-FFF2-40B4-BE49-F238E27FC236}">
+                <a16:creationId xmlns:a16="http://schemas.microsoft.com/office/drawing/2014/main" id="{2A579024-D9AE-02A6-5435-CC91AAB0C916}"/>
+              </a:ext>
+            </a:extLst>
+          </p:cNvPr>
+          <p:cNvSpPr>
+            <a:spLocks noGrp="1"/>
+          </p:cNvSpPr>
+          <p:nvPr>
+            <p:ph type="title"/>
+          </p:nvPr>
+        </p:nvSpPr>
+        <p:spPr/>
+        <p:txBody>
+          <a:bodyPr/>
+          <a:lstStyle/>
+          <a:p>
+            <a:r>
+              <a:rPr lang="en-US" err="1"/>
+              <a:t>Algoritmes</a:t>
+            </a:r>
+            <a:r>
+              <a:rPr lang="en-US"/>
+              <a:t> </a:t>
+            </a:r>
+            <a:r>
+              <a:rPr lang="nl-BE"/>
+              <a:t>— </a:t>
+            </a:r>
+            <a:r>
+              <a:rPr lang="nl-BE" err="1"/>
+              <a:t>Perlin</a:t>
+            </a:r>
+            <a:r>
+              <a:rPr lang="nl-BE"/>
+              <a:t> </a:t>
+            </a:r>
+            <a:r>
+              <a:rPr lang="nl-BE" err="1"/>
+              <a:t>noise</a:t>
+            </a:r>
+            <a:endParaRPr lang="en-BE"/>
+          </a:p>
+        </p:txBody>
+      </p:sp>
+      <p:sp>
+        <p:nvSpPr>
+          <p:cNvPr id="4" name="Text Placeholder 3">
+            <a:extLst>
+              <a:ext uri="{FF2B5EF4-FFF2-40B4-BE49-F238E27FC236}">
+                <a16:creationId xmlns:a16="http://schemas.microsoft.com/office/drawing/2014/main" id="{9DA53156-9B5E-6A5E-D5CC-882C49FFE96B}"/>
+              </a:ext>
+            </a:extLst>
+          </p:cNvPr>
+          <p:cNvSpPr>
+            <a:spLocks noGrp="1"/>
+          </p:cNvSpPr>
+          <p:nvPr>
+            <p:ph type="body" sz="half" idx="2"/>
+          </p:nvPr>
+        </p:nvSpPr>
+        <p:spPr>
+          <a:xfrm>
+            <a:off x="839788" y="1825200"/>
+            <a:ext cx="5627000" cy="4352400"/>
+          </a:xfrm>
+        </p:spPr>
+        <p:txBody>
+          <a:bodyPr vert="horz" lIns="91440" tIns="45720" rIns="91440" bIns="45720" rtlCol="0" anchor="t">
+            <a:normAutofit/>
+          </a:bodyPr>
+          <a:lstStyle/>
+          <a:p>
+            <a:pPr marL="514350" indent="-514350">
+              <a:buAutoNum type="arabicPeriod"/>
+            </a:pPr>
+            <a:r>
+              <a:rPr lang="en-US" err="1"/>
+              <a:t>Gridcellen</a:t>
+            </a:r>
+            <a:endParaRPr lang="en-US" err="1">
+              <a:ea typeface="Calibri"/>
+              <a:cs typeface="Calibri"/>
+            </a:endParaRPr>
+          </a:p>
+          <a:p>
+            <a:pPr marL="514350" indent="-514350">
+              <a:buAutoNum type="arabicPeriod"/>
+            </a:pPr>
+            <a:r>
+              <a:rPr lang="en-US" err="1">
+                <a:ea typeface="Calibri"/>
+                <a:cs typeface="Calibri"/>
+              </a:rPr>
+              <a:t>Gelijkenissen</a:t>
+            </a:r>
+            <a:r>
+              <a:rPr lang="en-US">
+                <a:ea typeface="Calibri"/>
+                <a:cs typeface="Calibri"/>
+              </a:rPr>
+              <a:t> </a:t>
+            </a:r>
+            <a:r>
+              <a:rPr lang="en-US" err="1">
+                <a:ea typeface="Calibri"/>
+                <a:cs typeface="Calibri"/>
+              </a:rPr>
+              <a:t>bij</a:t>
+            </a:r>
+            <a:r>
+              <a:rPr lang="en-US">
+                <a:ea typeface="Calibri"/>
+                <a:cs typeface="Calibri"/>
+              </a:rPr>
+              <a:t> </a:t>
+            </a:r>
+            <a:r>
+              <a:rPr lang="en-US" err="1">
+                <a:ea typeface="Calibri"/>
+                <a:cs typeface="Calibri"/>
+              </a:rPr>
+              <a:t>buren</a:t>
+            </a:r>
+            <a:endParaRPr lang="en-US">
+              <a:ea typeface="Calibri"/>
+              <a:cs typeface="Calibri"/>
+            </a:endParaRPr>
+          </a:p>
+          <a:p>
+            <a:pPr marL="514350" indent="-514350">
+              <a:buAutoNum type="arabicPeriod"/>
+            </a:pPr>
+            <a:r>
+              <a:rPr lang="en-US">
+                <a:ea typeface="Calibri"/>
+                <a:cs typeface="Calibri"/>
+              </a:rPr>
+              <a:t>3x3 matrix</a:t>
+            </a:r>
+          </a:p>
+          <a:p>
+            <a:pPr marL="514350" indent="-514350">
+              <a:buAutoNum type="arabicPeriod"/>
+            </a:pPr>
+            <a:r>
+              <a:rPr lang="en-US">
+                <a:ea typeface="Calibri"/>
+                <a:cs typeface="Calibri"/>
+              </a:rPr>
+              <a:t>Basis weights</a:t>
+            </a:r>
+          </a:p>
+          <a:p>
+            <a:pPr marL="514350" indent="-514350">
+              <a:buFont typeface="+mj-lt"/>
+              <a:buAutoNum type="arabicPeriod"/>
+            </a:pPr>
+            <a:endParaRPr lang="en-US">
+              <a:ea typeface="Calibri"/>
+              <a:cs typeface="Calibri"/>
+            </a:endParaRPr>
+          </a:p>
+        </p:txBody>
+      </p:sp>
+      <p:pic>
+        <p:nvPicPr>
+          <p:cNvPr id="7" name="Content Placeholder 6">
+            <a:extLst>
+              <a:ext uri="{FF2B5EF4-FFF2-40B4-BE49-F238E27FC236}">
+                <a16:creationId xmlns:a16="http://schemas.microsoft.com/office/drawing/2014/main" id="{053181A6-665E-D9BC-C7FC-E871C29418AF}"/>
+              </a:ext>
+            </a:extLst>
+          </p:cNvPr>
+          <p:cNvPicPr>
+            <a:picLocks noGrp="1" noChangeAspect="1"/>
+          </p:cNvPicPr>
+          <p:nvPr>
+            <p:ph idx="1"/>
+          </p:nvPr>
+        </p:nvPicPr>
+        <p:blipFill>
+          <a:blip r:embed="rId2"/>
+          <a:stretch>
+            <a:fillRect/>
+          </a:stretch>
+        </p:blipFill>
+        <p:spPr>
+          <a:xfrm>
+            <a:off x="7412783" y="1687280"/>
+            <a:ext cx="4397375" cy="3580258"/>
+          </a:xfrm>
+        </p:spPr>
+      </p:pic>
     </p:spTree>
     <p:extLst>
       <p:ext uri="{BB962C8B-B14F-4D97-AF65-F5344CB8AC3E}">
@@ -7731,7 +8192,7 @@
 </p:sld>
 </file>
 
-<file path=ppt/slides/slide6.xml><?xml version="1.0" encoding="utf-8"?>
+<file path=ppt/slides/slide7.xml><?xml version="1.0" encoding="utf-8"?>
 <p:sld xmlns:a="http://schemas.openxmlformats.org/drawingml/2006/main" xmlns:r="http://schemas.openxmlformats.org/officeDocument/2006/relationships" xmlns:p="http://schemas.openxmlformats.org/presentationml/2006/main">
   <p:cSld>
     <p:spTree>
@@ -7770,15 +8231,15 @@
           <a:lstStyle/>
           <a:p>
             <a:r>
-              <a:rPr lang="en-US" dirty="0" err="1"/>
+              <a:rPr lang="en-US" err="1"/>
               <a:t>Algoritmes</a:t>
             </a:r>
             <a:r>
-              <a:rPr lang="en-US" dirty="0"/>
+              <a:rPr lang="en-US"/>
               <a:t> </a:t>
             </a:r>
             <a:r>
-              <a:rPr lang="nl-BE" dirty="0"/>
+              <a:rPr lang="nl-BE"/>
               <a:t>— A *</a:t>
             </a:r>
           </a:p>
@@ -7806,24 +8267,24 @@
           <a:lstStyle/>
           <a:p>
             <a:r>
-              <a:rPr lang="en-US" dirty="0" err="1"/>
+              <a:rPr lang="en-US" err="1"/>
               <a:t>Kortste</a:t>
             </a:r>
             <a:r>
-              <a:rPr lang="en-US" dirty="0"/>
+              <a:rPr lang="en-US"/>
               <a:t> pad </a:t>
             </a:r>
             <a:r>
-              <a:rPr lang="en-US" dirty="0" err="1"/>
+              <a:rPr lang="en-US" err="1"/>
               <a:t>naar</a:t>
             </a:r>
             <a:r>
-              <a:rPr lang="en-US" dirty="0"/>
+              <a:rPr lang="en-US"/>
               <a:t> speller</a:t>
             </a:r>
           </a:p>
           <a:p>
-            <a:endParaRPr lang="en-US" dirty="0"/>
+            <a:endParaRPr lang="en-US"/>
           </a:p>
         </p:txBody>
       </p:sp>
@@ -7889,7 +8350,7 @@
 </p:sld>
 </file>
 
-<file path=ppt/slides/slide7.xml><?xml version="1.0" encoding="utf-8"?>
+<file path=ppt/slides/slide8.xml><?xml version="1.0" encoding="utf-8"?>
 <p:sld xmlns:a="http://schemas.openxmlformats.org/drawingml/2006/main" xmlns:r="http://schemas.openxmlformats.org/officeDocument/2006/relationships" xmlns:p="http://schemas.openxmlformats.org/presentationml/2006/main">
   <p:cSld>
     <p:spTree>
@@ -7928,10 +8389,10 @@
           <a:lstStyle/>
           <a:p>
             <a:r>
-              <a:rPr lang="en-US" dirty="0"/>
+              <a:rPr lang="en-US"/>
               <a:t>Demo</a:t>
             </a:r>
-            <a:endParaRPr lang="nl-BE" dirty="0"/>
+            <a:endParaRPr lang="nl-BE"/>
           </a:p>
         </p:txBody>
       </p:sp>
@@ -7956,7 +8417,7 @@
           <a:bodyPr/>
           <a:lstStyle/>
           <a:p>
-            <a:endParaRPr lang="nl-BE" dirty="0"/>
+            <a:endParaRPr lang="nl-BE"/>
           </a:p>
         </p:txBody>
       </p:sp>
@@ -7973,7 +8434,7 @@
 </p:sld>
 </file>
 
-<file path=ppt/slides/slide8.xml><?xml version="1.0" encoding="utf-8"?>
+<file path=ppt/slides/slide9.xml><?xml version="1.0" encoding="utf-8"?>
 <p:sld xmlns:a="http://schemas.openxmlformats.org/drawingml/2006/main" xmlns:r="http://schemas.openxmlformats.org/officeDocument/2006/relationships" xmlns:p="http://schemas.openxmlformats.org/presentationml/2006/main">
   <p:cSld>
     <p:spTree>
@@ -8012,10 +8473,10 @@
           <a:lstStyle/>
           <a:p>
             <a:r>
-              <a:rPr lang="en-US" dirty="0" err="1"/>
+              <a:rPr lang="en-US" err="1"/>
               <a:t>Verbeteringen</a:t>
             </a:r>
-            <a:endParaRPr lang="nl-BE" dirty="0"/>
+            <a:endParaRPr lang="nl-BE"/>
           </a:p>
         </p:txBody>
       </p:sp>
@@ -8041,22 +8502,22 @@
           <a:lstStyle/>
           <a:p>
             <a:r>
-              <a:rPr lang="en-US" dirty="0" err="1"/>
+              <a:rPr lang="en-US" err="1"/>
               <a:t>Samenwerking</a:t>
             </a:r>
             <a:r>
-              <a:rPr lang="en-US" dirty="0"/>
+              <a:rPr lang="en-US"/>
               <a:t> </a:t>
             </a:r>
             <a:r>
-              <a:rPr lang="en-US" dirty="0" err="1"/>
+              <a:rPr lang="en-US" err="1"/>
               <a:t>tussen</a:t>
             </a:r>
             <a:r>
-              <a:rPr lang="en-US" dirty="0"/>
+              <a:rPr lang="en-US"/>
               <a:t> monsters (AI)</a:t>
             </a:r>
-            <a:endParaRPr lang="nl-BE" dirty="0"/>
+            <a:endParaRPr lang="nl-BE"/>
           </a:p>
         </p:txBody>
       </p:sp>
@@ -8064,177 +8525,6 @@
     <p:extLst>
       <p:ext uri="{BB962C8B-B14F-4D97-AF65-F5344CB8AC3E}">
         <p14:creationId xmlns:p14="http://schemas.microsoft.com/office/powerpoint/2010/main" val="3723538568"/>
-      </p:ext>
-    </p:extLst>
-  </p:cSld>
-  <p:clrMapOvr>
-    <a:masterClrMapping/>
-  </p:clrMapOvr>
-</p:sld>
-</file>
-
-<file path=ppt/slides/slide9.xml><?xml version="1.0" encoding="utf-8"?>
-<p:sld xmlns:a="http://schemas.openxmlformats.org/drawingml/2006/main" xmlns:r="http://schemas.openxmlformats.org/officeDocument/2006/relationships" xmlns:p="http://schemas.openxmlformats.org/presentationml/2006/main">
-  <p:cSld>
-    <p:spTree>
-      <p:nvGrpSpPr>
-        <p:cNvPr id="1" name=""/>
-        <p:cNvGrpSpPr/>
-        <p:nvPr/>
-      </p:nvGrpSpPr>
-      <p:grpSpPr>
-        <a:xfrm>
-          <a:off x="0" y="0"/>
-          <a:ext cx="0" cy="0"/>
-          <a:chOff x="0" y="0"/>
-          <a:chExt cx="0" cy="0"/>
-        </a:xfrm>
-      </p:grpSpPr>
-      <p:sp>
-        <p:nvSpPr>
-          <p:cNvPr id="2" name="Titel 1">
-            <a:extLst>
-              <a:ext uri="{FF2B5EF4-FFF2-40B4-BE49-F238E27FC236}">
-                <a16:creationId xmlns:a16="http://schemas.microsoft.com/office/drawing/2014/main" id="{B6CF48A1-A3AA-63D4-3A89-1565BB17F2E5}"/>
-              </a:ext>
-            </a:extLst>
-          </p:cNvPr>
-          <p:cNvSpPr>
-            <a:spLocks noGrp="1"/>
-          </p:cNvSpPr>
-          <p:nvPr>
-            <p:ph type="title"/>
-          </p:nvPr>
-        </p:nvSpPr>
-        <p:spPr/>
-        <p:txBody>
-          <a:bodyPr/>
-          <a:lstStyle/>
-          <a:p>
-            <a:r>
-              <a:rPr lang="en-US" dirty="0" err="1"/>
-              <a:t>Conclusie</a:t>
-            </a:r>
-            <a:endParaRPr lang="nl-BE" dirty="0"/>
-          </a:p>
-        </p:txBody>
-      </p:sp>
-      <p:sp>
-        <p:nvSpPr>
-          <p:cNvPr id="3" name="Tijdelijke aanduiding voor inhoud 2">
-            <a:extLst>
-              <a:ext uri="{FF2B5EF4-FFF2-40B4-BE49-F238E27FC236}">
-                <a16:creationId xmlns:a16="http://schemas.microsoft.com/office/drawing/2014/main" id="{87947B34-42F9-0024-7BD9-A75B019CF79E}"/>
-              </a:ext>
-            </a:extLst>
-          </p:cNvPr>
-          <p:cNvSpPr>
-            <a:spLocks noGrp="1"/>
-          </p:cNvSpPr>
-          <p:nvPr>
-            <p:ph idx="1"/>
-          </p:nvPr>
-        </p:nvSpPr>
-        <p:spPr/>
-        <p:txBody>
-          <a:bodyPr/>
-          <a:lstStyle/>
-          <a:p>
-            <a:r>
-              <a:rPr lang="nl-BE" dirty="0"/>
-              <a:t>Moeilijkheden?</a:t>
-            </a:r>
-            <a:endParaRPr lang="en-US" dirty="0"/>
-          </a:p>
-          <a:p>
-            <a:pPr lvl="1"/>
-            <a:r>
-              <a:rPr lang="en-US" dirty="0"/>
-              <a:t>2D games </a:t>
-            </a:r>
-            <a:r>
-              <a:rPr lang="en-US" dirty="0" err="1"/>
-              <a:t>vallen</a:t>
-            </a:r>
-            <a:r>
-              <a:rPr lang="en-US" dirty="0"/>
-              <a:t> </a:t>
-            </a:r>
-            <a:r>
-              <a:rPr lang="en-US" dirty="0" err="1"/>
-              <a:t>niet</a:t>
-            </a:r>
-            <a:r>
-              <a:rPr lang="en-US" dirty="0"/>
-              <a:t> </a:t>
-            </a:r>
-            <a:r>
-              <a:rPr lang="en-US" dirty="0" err="1"/>
-              <a:t>te</a:t>
-            </a:r>
-            <a:r>
-              <a:rPr lang="en-US" dirty="0"/>
-              <a:t> </a:t>
-            </a:r>
-            <a:r>
-              <a:rPr lang="en-US" dirty="0" err="1"/>
-              <a:t>onderschatten</a:t>
-            </a:r>
-            <a:endParaRPr lang="en-US" dirty="0"/>
-          </a:p>
-          <a:p>
-            <a:pPr lvl="1"/>
-            <a:r>
-              <a:rPr lang="en-US" dirty="0" err="1"/>
-              <a:t>Tijd</a:t>
-            </a:r>
-            <a:endParaRPr lang="en-US" dirty="0"/>
-          </a:p>
-          <a:p>
-            <a:endParaRPr lang="en-US" dirty="0"/>
-          </a:p>
-          <a:p>
-            <a:r>
-              <a:rPr lang="en-US" dirty="0"/>
-              <a:t>Wat </a:t>
-            </a:r>
-            <a:r>
-              <a:rPr lang="en-US" dirty="0" err="1"/>
-              <a:t>hebben</a:t>
-            </a:r>
-            <a:r>
-              <a:rPr lang="en-US" dirty="0"/>
-              <a:t> we </a:t>
-            </a:r>
-            <a:r>
-              <a:rPr lang="en-US" dirty="0" err="1"/>
-              <a:t>bereikt</a:t>
-            </a:r>
-            <a:r>
-              <a:rPr lang="en-US" dirty="0"/>
-              <a:t>?</a:t>
-            </a:r>
-          </a:p>
-          <a:p>
-            <a:pPr lvl="1"/>
-            <a:r>
-              <a:rPr lang="nl-BE" dirty="0"/>
-              <a:t>dynamische wereldgeneratie</a:t>
-            </a:r>
-          </a:p>
-          <a:p>
-            <a:pPr lvl="1"/>
-            <a:r>
-              <a:rPr lang="nl-BE" strike="sngStrike" dirty="0"/>
-              <a:t>intelligente vijanden</a:t>
-            </a:r>
-          </a:p>
-        </p:txBody>
-      </p:sp>
-    </p:spTree>
-    <p:extLst>
-      <p:ext uri="{BB962C8B-B14F-4D97-AF65-F5344CB8AC3E}">
-        <p14:creationId xmlns:p14="http://schemas.microsoft.com/office/powerpoint/2010/main" val="3815760457"/>
       </p:ext>
     </p:extLst>
   </p:cSld>
@@ -8835,14 +9125,12 @@
 </file>
 
 <file path=customXml/item1.xml><?xml version="1.0" encoding="utf-8"?>
-<p:properties xmlns:p="http://schemas.microsoft.com/office/2006/metadata/properties" xmlns:xsi="http://www.w3.org/2001/XMLSchema-instance" xmlns:pc="http://schemas.microsoft.com/office/infopath/2007/PartnerControls">
-  <documentManagement>
-    <lcf76f155ced4ddcb4097134ff3c332f xmlns="72130799-62b9-4228-99a7-aa2c3adf5d0f">
-      <Terms xmlns="http://schemas.microsoft.com/office/infopath/2007/PartnerControls"/>
-    </lcf76f155ced4ddcb4097134ff3c332f>
-    <TaxCatchAll xmlns="85c5b704-6165-4cae-8c2b-d1333ed995a2" xsi:nil="true"/>
-  </documentManagement>
-</p:properties>
+<?mso-contentType ?>
+<FormTemplates xmlns="http://schemas.microsoft.com/sharepoint/v3/contenttype/forms">
+  <Display>DocumentLibraryForm</Display>
+  <Edit>DocumentLibraryForm</Edit>
+  <New>DocumentLibraryForm</New>
+</FormTemplates>
 </file>
 
 <file path=customXml/item2.xml><?xml version="1.0" encoding="utf-8"?>
@@ -9081,27 +9369,20 @@
 </file>
 
 <file path=customXml/item3.xml><?xml version="1.0" encoding="utf-8"?>
-<?mso-contentType ?>
-<FormTemplates xmlns="http://schemas.microsoft.com/sharepoint/v3/contenttype/forms">
-  <Display>DocumentLibraryForm</Display>
-  <Edit>DocumentLibraryForm</Edit>
-  <New>DocumentLibraryForm</New>
-</FormTemplates>
+<p:properties xmlns:p="http://schemas.microsoft.com/office/2006/metadata/properties" xmlns:xsi="http://www.w3.org/2001/XMLSchema-instance" xmlns:pc="http://schemas.microsoft.com/office/infopath/2007/PartnerControls">
+  <documentManagement>
+    <lcf76f155ced4ddcb4097134ff3c332f xmlns="72130799-62b9-4228-99a7-aa2c3adf5d0f">
+      <Terms xmlns="http://schemas.microsoft.com/office/infopath/2007/PartnerControls"/>
+    </lcf76f155ced4ddcb4097134ff3c332f>
+    <TaxCatchAll xmlns="85c5b704-6165-4cae-8c2b-d1333ed995a2" xsi:nil="true"/>
+  </documentManagement>
+</p:properties>
 </file>
 
 <file path=customXml/itemProps1.xml><?xml version="1.0" encoding="utf-8"?>
-<ds:datastoreItem xmlns:ds="http://schemas.openxmlformats.org/officeDocument/2006/customXml" ds:itemID="{F6331DEB-7418-478E-859C-1AE282E78535}">
+<ds:datastoreItem xmlns:ds="http://schemas.openxmlformats.org/officeDocument/2006/customXml" ds:itemID="{EEC29095-F6A7-4598-BDCD-A548BB78D4DE}">
   <ds:schemaRefs>
-    <ds:schemaRef ds:uri="72130799-62b9-4228-99a7-aa2c3adf5d0f"/>
-    <ds:schemaRef ds:uri="85c5b704-6165-4cae-8c2b-d1333ed995a2"/>
-    <ds:schemaRef ds:uri="http://purl.org/dc/dcmitype/"/>
-    <ds:schemaRef ds:uri="http://purl.org/dc/elements/1.1/"/>
-    <ds:schemaRef ds:uri="http://purl.org/dc/terms/"/>
-    <ds:schemaRef ds:uri="http://schemas.microsoft.com/office/2006/documentManagement/types"/>
-    <ds:schemaRef ds:uri="http://schemas.microsoft.com/office/2006/metadata/properties"/>
-    <ds:schemaRef ds:uri="http://schemas.microsoft.com/office/infopath/2007/PartnerControls"/>
-    <ds:schemaRef ds:uri="http://schemas.openxmlformats.org/package/2006/metadata/core-properties"/>
-    <ds:schemaRef ds:uri="http://www.w3.org/XML/1998/namespace"/>
+    <ds:schemaRef ds:uri="http://schemas.microsoft.com/sharepoint/v3/contenttype/forms"/>
   </ds:schemaRefs>
 </ds:datastoreItem>
 </file>
@@ -9126,9 +9407,18 @@
 </file>
 
 <file path=customXml/itemProps3.xml><?xml version="1.0" encoding="utf-8"?>
-<ds:datastoreItem xmlns:ds="http://schemas.openxmlformats.org/officeDocument/2006/customXml" ds:itemID="{EEC29095-F6A7-4598-BDCD-A548BB78D4DE}">
+<ds:datastoreItem xmlns:ds="http://schemas.openxmlformats.org/officeDocument/2006/customXml" ds:itemID="{F6331DEB-7418-478E-859C-1AE282E78535}">
   <ds:schemaRefs>
-    <ds:schemaRef ds:uri="http://schemas.microsoft.com/sharepoint/v3/contenttype/forms"/>
+    <ds:schemaRef ds:uri="72130799-62b9-4228-99a7-aa2c3adf5d0f"/>
+    <ds:schemaRef ds:uri="85c5b704-6165-4cae-8c2b-d1333ed995a2"/>
+    <ds:schemaRef ds:uri="http://purl.org/dc/dcmitype/"/>
+    <ds:schemaRef ds:uri="http://purl.org/dc/elements/1.1/"/>
+    <ds:schemaRef ds:uri="http://purl.org/dc/terms/"/>
+    <ds:schemaRef ds:uri="http://schemas.microsoft.com/office/2006/documentManagement/types"/>
+    <ds:schemaRef ds:uri="http://schemas.microsoft.com/office/2006/metadata/properties"/>
+    <ds:schemaRef ds:uri="http://schemas.microsoft.com/office/infopath/2007/PartnerControls"/>
+    <ds:schemaRef ds:uri="http://schemas.openxmlformats.org/package/2006/metadata/core-properties"/>
+    <ds:schemaRef ds:uri="http://www.w3.org/XML/1998/namespace"/>
   </ds:schemaRefs>
 </ds:datastoreItem>
 </file>